--- a/WeLASER - SUMMER SCHOOL Template.pptx
+++ b/WeLASER - SUMMER SCHOOL Template.pptx
@@ -5,46 +5,45 @@
     <p:sldMasterId id="2147483672" r:id="rId1"/>
   </p:sldMasterIdLst>
   <p:notesMasterIdLst>
-    <p:notesMasterId r:id="rId39"/>
+    <p:notesMasterId r:id="rId38"/>
   </p:notesMasterIdLst>
   <p:sldIdLst>
     <p:sldId id="266" r:id="rId2"/>
-    <p:sldId id="478" r:id="rId3"/>
-    <p:sldId id="1114" r:id="rId4"/>
-    <p:sldId id="1112" r:id="rId5"/>
-    <p:sldId id="1113" r:id="rId6"/>
-    <p:sldId id="536" r:id="rId7"/>
-    <p:sldId id="370" r:id="rId8"/>
-    <p:sldId id="1040" r:id="rId9"/>
-    <p:sldId id="1041" r:id="rId10"/>
-    <p:sldId id="1115" r:id="rId11"/>
-    <p:sldId id="526" r:id="rId12"/>
-    <p:sldId id="331" r:id="rId13"/>
-    <p:sldId id="332" r:id="rId14"/>
-    <p:sldId id="493" r:id="rId15"/>
-    <p:sldId id="333" r:id="rId16"/>
-    <p:sldId id="955" r:id="rId17"/>
-    <p:sldId id="335" r:id="rId18"/>
-    <p:sldId id="345" r:id="rId19"/>
-    <p:sldId id="344" r:id="rId20"/>
-    <p:sldId id="361" r:id="rId21"/>
-    <p:sldId id="351" r:id="rId22"/>
-    <p:sldId id="956" r:id="rId23"/>
-    <p:sldId id="353" r:id="rId24"/>
-    <p:sldId id="485" r:id="rId25"/>
-    <p:sldId id="1116" r:id="rId26"/>
-    <p:sldId id="997" r:id="rId27"/>
-    <p:sldId id="262" r:id="rId28"/>
-    <p:sldId id="264" r:id="rId29"/>
-    <p:sldId id="1001" r:id="rId30"/>
-    <p:sldId id="291" r:id="rId31"/>
-    <p:sldId id="1004" r:id="rId32"/>
-    <p:sldId id="1011" r:id="rId33"/>
+    <p:sldId id="1114" r:id="rId3"/>
+    <p:sldId id="1112" r:id="rId4"/>
+    <p:sldId id="1113" r:id="rId5"/>
+    <p:sldId id="536" r:id="rId6"/>
+    <p:sldId id="370" r:id="rId7"/>
+    <p:sldId id="1040" r:id="rId8"/>
+    <p:sldId id="1041" r:id="rId9"/>
+    <p:sldId id="1115" r:id="rId10"/>
+    <p:sldId id="526" r:id="rId11"/>
+    <p:sldId id="331" r:id="rId12"/>
+    <p:sldId id="332" r:id="rId13"/>
+    <p:sldId id="493" r:id="rId14"/>
+    <p:sldId id="333" r:id="rId15"/>
+    <p:sldId id="955" r:id="rId16"/>
+    <p:sldId id="335" r:id="rId17"/>
+    <p:sldId id="345" r:id="rId18"/>
+    <p:sldId id="344" r:id="rId19"/>
+    <p:sldId id="361" r:id="rId20"/>
+    <p:sldId id="351" r:id="rId21"/>
+    <p:sldId id="956" r:id="rId22"/>
+    <p:sldId id="353" r:id="rId23"/>
+    <p:sldId id="485" r:id="rId24"/>
+    <p:sldId id="1116" r:id="rId25"/>
+    <p:sldId id="997" r:id="rId26"/>
+    <p:sldId id="262" r:id="rId27"/>
+    <p:sldId id="264" r:id="rId28"/>
+    <p:sldId id="1001" r:id="rId29"/>
+    <p:sldId id="291" r:id="rId30"/>
+    <p:sldId id="1004" r:id="rId31"/>
+    <p:sldId id="1011" r:id="rId32"/>
+    <p:sldId id="1117" r:id="rId33"/>
     <p:sldId id="289" r:id="rId34"/>
-    <p:sldId id="1117" r:id="rId35"/>
-    <p:sldId id="282" r:id="rId36"/>
-    <p:sldId id="1025" r:id="rId37"/>
-    <p:sldId id="274" r:id="rId38"/>
+    <p:sldId id="282" r:id="rId35"/>
+    <p:sldId id="1025" r:id="rId36"/>
+    <p:sldId id="274" r:id="rId37"/>
   </p:sldIdLst>
   <p:sldSz cx="10691813" cy="7559675"/>
   <p:notesSz cx="6858000" cy="9144000"/>
@@ -149,7 +148,6 @@
         <p14:section name="Untitled Section" id="{DC6411BB-5305-4301-83DF-314398D3E075}">
           <p14:sldIdLst>
             <p14:sldId id="266"/>
-            <p14:sldId id="478"/>
             <p14:sldId id="1114"/>
             <p14:sldId id="1112"/>
             <p14:sldId id="1113"/>
@@ -180,8 +178,8 @@
             <p14:sldId id="291"/>
             <p14:sldId id="1004"/>
             <p14:sldId id="1011"/>
+            <p14:sldId id="1117"/>
             <p14:sldId id="289"/>
-            <p14:sldId id="1117"/>
             <p14:sldId id="282"/>
             <p14:sldId id="1025"/>
             <p14:sldId id="274"/>
@@ -191,6 +189,9 @@
     </p:ext>
     <p:ext uri="{EFAFB233-063F-42B5-8137-9DF3F51BA10A}">
       <p15:sldGuideLst xmlns:p15="http://schemas.microsoft.com/office/powerpoint/2012/main"/>
+    </p:ext>
+    <p:ext uri="{2D200454-40CA-4A62-9FC3-DE9A4176ACB9}">
+      <p15:notesGuideLst xmlns:p15="http://schemas.microsoft.com/office/powerpoint/2012/main"/>
     </p:ext>
   </p:extLst>
 </p:presentation>
@@ -278,7 +279,7 @@
           <a:p>
             <a:fld id="{09F5ADD0-825B-4187-B882-3A6349FC3B37}" type="datetimeFigureOut">
               <a:rPr lang="en-US" smtClean="0"/>
-              <a:t>2023-07-04</a:t>
+              <a:t>7/10/2023</a:t>
             </a:fld>
             <a:endParaRPr lang="en-US"/>
           </a:p>
@@ -610,7 +611,7 @@
           <a:p>
             <a:fld id="{B38CEA09-33FA-4F6C-9D30-5FB0AA0E11C3}" type="slidenum">
               <a:rPr lang="it-IT" smtClean="0"/>
-              <a:t>6</a:t>
+              <a:t>5</a:t>
             </a:fld>
             <a:endParaRPr lang="it-IT"/>
           </a:p>
@@ -901,7 +902,7 @@
           <a:p>
             <a:fld id="{E28312A0-3159-480E-B657-0A16F3567F35}" type="datetimeFigureOut">
               <a:rPr lang="es-ES" smtClean="0"/>
-              <a:t>04/07/2023</a:t>
+              <a:t>10/07/2023</a:t>
             </a:fld>
             <a:endParaRPr lang="es-ES"/>
           </a:p>
@@ -1089,7 +1090,7 @@
           <a:p>
             <a:fld id="{E28312A0-3159-480E-B657-0A16F3567F35}" type="datetimeFigureOut">
               <a:rPr lang="es-ES" smtClean="0"/>
-              <a:t>04/07/2023</a:t>
+              <a:t>10/07/2023</a:t>
             </a:fld>
             <a:endParaRPr lang="es-ES"/>
           </a:p>
@@ -3090,7 +3091,7 @@
           <a:p>
             <a:fld id="{E28312A0-3159-480E-B657-0A16F3567F35}" type="datetimeFigureOut">
               <a:rPr lang="es-ES" smtClean="0"/>
-              <a:t>04/07/2023</a:t>
+              <a:t>10/07/2023</a:t>
             </a:fld>
             <a:endParaRPr lang="es-ES"/>
           </a:p>
@@ -3330,7 +3331,7 @@
           <a:p>
             <a:fld id="{E28312A0-3159-480E-B657-0A16F3567F35}" type="datetimeFigureOut">
               <a:rPr lang="es-ES" smtClean="0"/>
-              <a:t>04/07/2023</a:t>
+              <a:t>10/07/2023</a:t>
             </a:fld>
             <a:endParaRPr lang="es-ES"/>
           </a:p>
@@ -3705,7 +3706,7 @@
           <a:p>
             <a:fld id="{E28312A0-3159-480E-B657-0A16F3567F35}" type="datetimeFigureOut">
               <a:rPr lang="es-ES" smtClean="0"/>
-              <a:t>04/07/2023</a:t>
+              <a:t>10/07/2023</a:t>
             </a:fld>
             <a:endParaRPr lang="es-ES"/>
           </a:p>
@@ -3831,7 +3832,7 @@
           <a:p>
             <a:fld id="{E28312A0-3159-480E-B657-0A16F3567F35}" type="datetimeFigureOut">
               <a:rPr lang="es-ES" smtClean="0"/>
-              <a:t>04/07/2023</a:t>
+              <a:t>10/07/2023</a:t>
             </a:fld>
             <a:endParaRPr lang="es-ES"/>
           </a:p>
@@ -3934,7 +3935,7 @@
           <a:p>
             <a:fld id="{E28312A0-3159-480E-B657-0A16F3567F35}" type="datetimeFigureOut">
               <a:rPr lang="es-ES" smtClean="0"/>
-              <a:t>04/07/2023</a:t>
+              <a:t>10/07/2023</a:t>
             </a:fld>
             <a:endParaRPr lang="es-ES"/>
           </a:p>
@@ -4422,7 +4423,7 @@
           <a:p>
             <a:fld id="{E28312A0-3159-480E-B657-0A16F3567F35}" type="datetimeFigureOut">
               <a:rPr lang="es-ES" smtClean="0"/>
-              <a:t>04/07/2023</a:t>
+              <a:t>10/07/2023</a:t>
             </a:fld>
             <a:endParaRPr lang="es-ES"/>
           </a:p>
@@ -4687,7 +4688,7 @@
           <a:p>
             <a:fld id="{E28312A0-3159-480E-B657-0A16F3567F35}" type="datetimeFigureOut">
               <a:rPr lang="es-ES" smtClean="0"/>
-              <a:t>04/07/2023</a:t>
+              <a:t>10/07/2023</a:t>
             </a:fld>
             <a:endParaRPr lang="es-ES"/>
           </a:p>
@@ -4908,7 +4909,7 @@
           <a:p>
             <a:fld id="{E28312A0-3159-480E-B657-0A16F3567F35}" type="datetimeFigureOut">
               <a:rPr lang="es-ES" smtClean="0"/>
-              <a:t>04/07/2023</a:t>
+              <a:t>10/07/2023</a:t>
             </a:fld>
             <a:endParaRPr lang="es-ES"/>
           </a:p>
@@ -5585,100 +5586,6 @@
 <file path=ppt/slides/slide10.xml><?xml version="1.0" encoding="utf-8"?>
 <p:sld xmlns:a="http://schemas.openxmlformats.org/drawingml/2006/main" xmlns:r="http://schemas.openxmlformats.org/officeDocument/2006/relationships" xmlns:p="http://schemas.openxmlformats.org/presentationml/2006/main">
   <p:cSld>
-    <p:bg>
-      <p:bgPr>
-        <a:solidFill>
-          <a:srgbClr val="008000">
-            <a:alpha val="40000"/>
-          </a:srgbClr>
-        </a:solidFill>
-        <a:effectLst/>
-      </p:bgPr>
-    </p:bg>
-    <p:spTree>
-      <p:nvGrpSpPr>
-        <p:cNvPr id="1" name=""/>
-        <p:cNvGrpSpPr/>
-        <p:nvPr/>
-      </p:nvGrpSpPr>
-      <p:grpSpPr>
-        <a:xfrm>
-          <a:off x="0" y="0"/>
-          <a:ext cx="0" cy="0"/>
-          <a:chOff x="0" y="0"/>
-          <a:chExt cx="0" cy="0"/>
-        </a:xfrm>
-      </p:grpSpPr>
-      <p:sp>
-        <p:nvSpPr>
-          <p:cNvPr id="4" name="Title 3">
-            <a:extLst>
-              <a:ext uri="{FF2B5EF4-FFF2-40B4-BE49-F238E27FC236}">
-                <a16:creationId xmlns:a16="http://schemas.microsoft.com/office/drawing/2014/main" id="{131D4650-0CAE-44EA-A0F2-84FEF7ACF1D8}"/>
-              </a:ext>
-            </a:extLst>
-          </p:cNvPr>
-          <p:cNvSpPr>
-            <a:spLocks noGrp="1"/>
-          </p:cNvSpPr>
-          <p:nvPr>
-            <p:ph type="title"/>
-          </p:nvPr>
-        </p:nvSpPr>
-        <p:spPr/>
-        <p:txBody>
-          <a:bodyPr/>
-          <a:lstStyle/>
-          <a:p>
-            <a:r>
-              <a:rPr lang="it-IT" dirty="0"/>
-              <a:t>Cloud Computing</a:t>
-            </a:r>
-            <a:endParaRPr lang="en-US" dirty="0"/>
-          </a:p>
-        </p:txBody>
-      </p:sp>
-      <p:sp>
-        <p:nvSpPr>
-          <p:cNvPr id="5" name="Text Placeholder 4">
-            <a:extLst>
-              <a:ext uri="{FF2B5EF4-FFF2-40B4-BE49-F238E27FC236}">
-                <a16:creationId xmlns:a16="http://schemas.microsoft.com/office/drawing/2014/main" id="{CEF1704A-4E2E-4A97-9722-03A39BC676DA}"/>
-              </a:ext>
-            </a:extLst>
-          </p:cNvPr>
-          <p:cNvSpPr>
-            <a:spLocks noGrp="1"/>
-          </p:cNvSpPr>
-          <p:nvPr>
-            <p:ph type="body" idx="1"/>
-          </p:nvPr>
-        </p:nvSpPr>
-        <p:spPr/>
-        <p:txBody>
-          <a:bodyPr/>
-          <a:lstStyle/>
-          <a:p>
-            <a:endParaRPr lang="en-US"/>
-          </a:p>
-        </p:txBody>
-      </p:sp>
-    </p:spTree>
-    <p:extLst>
-      <p:ext uri="{BB962C8B-B14F-4D97-AF65-F5344CB8AC3E}">
-        <p14:creationId xmlns:p14="http://schemas.microsoft.com/office/powerpoint/2010/main" val="2123078495"/>
-      </p:ext>
-    </p:extLst>
-  </p:cSld>
-  <p:clrMapOvr>
-    <a:masterClrMapping/>
-  </p:clrMapOvr>
-</p:sld>
-</file>
-
-<file path=ppt/slides/slide11.xml><?xml version="1.0" encoding="utf-8"?>
-<p:sld xmlns:a="http://schemas.openxmlformats.org/drawingml/2006/main" xmlns:r="http://schemas.openxmlformats.org/officeDocument/2006/relationships" xmlns:p="http://schemas.openxmlformats.org/presentationml/2006/main">
-  <p:cSld>
     <p:spTree>
       <p:nvGrpSpPr>
         <p:cNvPr id="1" name=""/>
@@ -5776,7 +5683,7 @@
           <a:p>
             <a:fld id="{5DD6F1BA-2510-46FC-9346-AB1F3CA1593B}" type="slidenum">
               <a:rPr lang="it-IT" smtClean="0"/>
-              <a:t>11</a:t>
+              <a:t>10</a:t>
             </a:fld>
             <a:endParaRPr lang="it-IT" dirty="0"/>
           </a:p>
@@ -5830,6 +5737,247 @@
     <p:extLst>
       <p:ext uri="{BB962C8B-B14F-4D97-AF65-F5344CB8AC3E}">
         <p14:creationId xmlns:p14="http://schemas.microsoft.com/office/powerpoint/2010/main" val="4274842990"/>
+      </p:ext>
+    </p:extLst>
+  </p:cSld>
+  <p:clrMapOvr>
+    <a:masterClrMapping/>
+  </p:clrMapOvr>
+</p:sld>
+</file>
+
+<file path=ppt/slides/slide11.xml><?xml version="1.0" encoding="utf-8"?>
+<p:sld xmlns:a="http://schemas.openxmlformats.org/drawingml/2006/main" xmlns:r="http://schemas.openxmlformats.org/officeDocument/2006/relationships" xmlns:p="http://schemas.openxmlformats.org/presentationml/2006/main">
+  <p:cSld>
+    <p:spTree>
+      <p:nvGrpSpPr>
+        <p:cNvPr id="1" name=""/>
+        <p:cNvGrpSpPr/>
+        <p:nvPr/>
+      </p:nvGrpSpPr>
+      <p:grpSpPr>
+        <a:xfrm>
+          <a:off x="0" y="0"/>
+          <a:ext cx="0" cy="0"/>
+          <a:chOff x="0" y="0"/>
+          <a:chExt cx="0" cy="0"/>
+        </a:xfrm>
+      </p:grpSpPr>
+      <p:sp>
+        <p:nvSpPr>
+          <p:cNvPr id="3" name="Segnaposto contenuto 2">
+            <a:extLst>
+              <a:ext uri="{FF2B5EF4-FFF2-40B4-BE49-F238E27FC236}">
+                <a16:creationId xmlns:a16="http://schemas.microsoft.com/office/drawing/2014/main" id="{5CD5C70F-E261-4452-B27E-3348EC095DF9}"/>
+              </a:ext>
+            </a:extLst>
+          </p:cNvPr>
+          <p:cNvSpPr>
+            <a:spLocks noGrp="1"/>
+          </p:cNvSpPr>
+          <p:nvPr>
+            <p:ph idx="1"/>
+          </p:nvPr>
+        </p:nvSpPr>
+        <p:spPr/>
+        <p:txBody>
+          <a:bodyPr>
+            <a:normAutofit fontScale="92500" lnSpcReduction="20000"/>
+          </a:bodyPr>
+          <a:lstStyle/>
+          <a:p>
+            <a:r>
+              <a:rPr lang="en-US" b="1" noProof="0" dirty="0"/>
+              <a:t>Cloud computing</a:t>
+            </a:r>
+            <a:r>
+              <a:rPr lang="en-US" noProof="0" dirty="0"/>
+              <a:t> (National Institute of Standards and Technology)</a:t>
+            </a:r>
+          </a:p>
+          <a:p>
+            <a:pPr marL="400964" lvl="1" indent="0">
+              <a:buNone/>
+            </a:pPr>
+            <a:r>
+              <a:rPr lang="en-US" i="1" noProof="0" dirty="0"/>
+              <a:t>“A model for enabling </a:t>
+            </a:r>
+            <a:r>
+              <a:rPr lang="en-US" i="1" noProof="0" dirty="0">
+                <a:solidFill>
+                  <a:srgbClr val="FF0000"/>
+                </a:solidFill>
+              </a:rPr>
+              <a:t>ubiquitous, convenient, on-demand </a:t>
+            </a:r>
+            <a:r>
+              <a:rPr lang="en-US" i="1" noProof="0" dirty="0"/>
+              <a:t>network access to a </a:t>
+            </a:r>
+            <a:r>
+              <a:rPr lang="en-US" i="1" noProof="0" dirty="0">
+                <a:solidFill>
+                  <a:srgbClr val="0070C0"/>
+                </a:solidFill>
+              </a:rPr>
+              <a:t>shared pool</a:t>
+            </a:r>
+            <a:r>
+              <a:rPr lang="en-US" i="1" noProof="0" dirty="0"/>
+              <a:t> of configurable computing resources (e.g., networks, servers, storage, services) that can be rapidly provisioned and released with </a:t>
+            </a:r>
+            <a:r>
+              <a:rPr lang="en-US" i="1" noProof="0" dirty="0">
+                <a:solidFill>
+                  <a:srgbClr val="00B050"/>
+                </a:solidFill>
+              </a:rPr>
+              <a:t>minimal management effort </a:t>
+            </a:r>
+            <a:r>
+              <a:rPr lang="en-US" i="1" noProof="0" dirty="0"/>
+              <a:t>or service provider interaction.”</a:t>
+            </a:r>
+          </a:p>
+          <a:p>
+            <a:endParaRPr lang="en-US" noProof="0" dirty="0"/>
+          </a:p>
+          <a:p>
+            <a:pPr lvl="1"/>
+            <a:r>
+              <a:rPr lang="en-US" noProof="0" dirty="0"/>
+              <a:t>On-demand self-service (consume services when you want)</a:t>
+            </a:r>
+          </a:p>
+          <a:p>
+            <a:pPr lvl="1"/>
+            <a:r>
+              <a:rPr lang="en-US" noProof="0" dirty="0"/>
+              <a:t>Broad network access (consume services from anywhere)</a:t>
+            </a:r>
+          </a:p>
+          <a:p>
+            <a:pPr lvl="1"/>
+            <a:r>
+              <a:rPr lang="en-US" noProof="0" dirty="0"/>
+              <a:t>Resource pooling (infrastructure, virtual platforms, and applications)</a:t>
+            </a:r>
+          </a:p>
+          <a:p>
+            <a:pPr lvl="1"/>
+            <a:r>
+              <a:rPr lang="en-US" noProof="0" dirty="0"/>
+              <a:t>Rapid elasticity (enable horizontal scalability)</a:t>
+            </a:r>
+          </a:p>
+          <a:p>
+            <a:pPr lvl="1"/>
+            <a:r>
+              <a:rPr lang="en-US" noProof="0" dirty="0"/>
+              <a:t>Measured service (pay for the service you consume as you consume)</a:t>
+            </a:r>
+          </a:p>
+          <a:p>
+            <a:pPr lvl="1"/>
+            <a:endParaRPr lang="en-US" noProof="0" dirty="0"/>
+          </a:p>
+          <a:p>
+            <a:r>
+              <a:rPr lang="en-US" b="1" noProof="0" dirty="0"/>
+              <a:t>Digital transformation </a:t>
+            </a:r>
+            <a:r>
+              <a:rPr lang="en-US" noProof="0" dirty="0"/>
+              <a:t>involves the </a:t>
+            </a:r>
+            <a:r>
+              <a:rPr lang="en-US" b="1" noProof="0" dirty="0"/>
+              <a:t>cloud</a:t>
+            </a:r>
+            <a:r>
+              <a:rPr lang="en-US" noProof="0" dirty="0"/>
+              <a:t> to create/change business flows</a:t>
+            </a:r>
+          </a:p>
+          <a:p>
+            <a:pPr lvl="1"/>
+            <a:r>
+              <a:rPr lang="en-US" noProof="0" dirty="0"/>
+              <a:t>Often involves changing the company culture to adapt to this new way of doing business</a:t>
+            </a:r>
+          </a:p>
+          <a:p>
+            <a:pPr lvl="1"/>
+            <a:r>
+              <a:rPr lang="en-US" noProof="0" dirty="0"/>
+              <a:t>One of the end goal is to meet ever-changing business and market demand</a:t>
+            </a:r>
+          </a:p>
+        </p:txBody>
+      </p:sp>
+      <p:sp>
+        <p:nvSpPr>
+          <p:cNvPr id="9" name="Titolo 8">
+            <a:extLst>
+              <a:ext uri="{FF2B5EF4-FFF2-40B4-BE49-F238E27FC236}">
+                <a16:creationId xmlns:a16="http://schemas.microsoft.com/office/drawing/2014/main" id="{7B372B50-80E5-4A4B-9F69-74C08CF1F54E}"/>
+              </a:ext>
+            </a:extLst>
+          </p:cNvPr>
+          <p:cNvSpPr>
+            <a:spLocks noGrp="1"/>
+          </p:cNvSpPr>
+          <p:nvPr>
+            <p:ph type="title"/>
+          </p:nvPr>
+        </p:nvSpPr>
+        <p:spPr/>
+        <p:txBody>
+          <a:bodyPr/>
+          <a:lstStyle/>
+          <a:p>
+            <a:r>
+              <a:rPr lang="en-US" noProof="0" dirty="0"/>
+              <a:t>Why going cloud?</a:t>
+            </a:r>
+          </a:p>
+        </p:txBody>
+      </p:sp>
+      <p:sp>
+        <p:nvSpPr>
+          <p:cNvPr id="5" name="Segnaposto numero diapositiva 4">
+            <a:extLst>
+              <a:ext uri="{FF2B5EF4-FFF2-40B4-BE49-F238E27FC236}">
+                <a16:creationId xmlns:a16="http://schemas.microsoft.com/office/drawing/2014/main" id="{E5702081-2864-4B0C-99D4-FE4EEB8A348B}"/>
+              </a:ext>
+            </a:extLst>
+          </p:cNvPr>
+          <p:cNvSpPr>
+            <a:spLocks noGrp="1"/>
+          </p:cNvSpPr>
+          <p:nvPr>
+            <p:ph type="sldNum" sz="quarter" idx="12"/>
+          </p:nvPr>
+        </p:nvSpPr>
+        <p:spPr/>
+        <p:txBody>
+          <a:bodyPr/>
+          <a:lstStyle/>
+          <a:p>
+            <a:fld id="{5DD6F1BA-2510-46FC-9346-AB1F3CA1593B}" type="slidenum">
+              <a:rPr lang="en-US" smtClean="0"/>
+              <a:pPr/>
+              <a:t>11</a:t>
+            </a:fld>
+            <a:endParaRPr lang="en-US" dirty="0"/>
+          </a:p>
+        </p:txBody>
+      </p:sp>
+    </p:spTree>
+    <p:extLst>
+      <p:ext uri="{BB962C8B-B14F-4D97-AF65-F5344CB8AC3E}">
+        <p14:creationId xmlns:p14="http://schemas.microsoft.com/office/powerpoint/2010/main" val="1555717853"/>
       </p:ext>
     </p:extLst>
   </p:cSld>
@@ -5875,136 +6023,60 @@
         <p:spPr/>
         <p:txBody>
           <a:bodyPr>
-            <a:normAutofit fontScale="92500" lnSpcReduction="20000"/>
+            <a:normAutofit/>
           </a:bodyPr>
           <a:lstStyle/>
           <a:p>
             <a:r>
+              <a:rPr lang="en-US" noProof="0" dirty="0"/>
+              <a:t>Goal: adjusts capacity to have predictable performance at the lowest cost</a:t>
+            </a:r>
+          </a:p>
+          <a:p>
+            <a:endParaRPr lang="en-US" b="1" noProof="0" dirty="0"/>
+          </a:p>
+          <a:p>
+            <a:r>
               <a:rPr lang="en-US" b="1" noProof="0" dirty="0"/>
-              <a:t>Cloud computing</a:t>
+              <a:t>Scalability</a:t>
             </a:r>
             <a:r>
               <a:rPr lang="en-US" noProof="0" dirty="0"/>
-              <a:t> (National Institute of Standards and Technology)</a:t>
-            </a:r>
-          </a:p>
-          <a:p>
-            <a:pPr marL="400964" lvl="1" indent="0">
-              <a:buNone/>
-            </a:pPr>
-            <a:r>
-              <a:rPr lang="en-US" i="1" noProof="0" dirty="0"/>
-              <a:t>“A model for enabling </a:t>
-            </a:r>
-            <a:r>
-              <a:rPr lang="en-US" i="1" noProof="0" dirty="0">
-                <a:solidFill>
-                  <a:srgbClr val="FF0000"/>
-                </a:solidFill>
-              </a:rPr>
-              <a:t>ubiquitous, convenient, on-demand </a:t>
-            </a:r>
-            <a:r>
-              <a:rPr lang="en-US" i="1" noProof="0" dirty="0"/>
-              <a:t>network access to a </a:t>
-            </a:r>
-            <a:r>
-              <a:rPr lang="en-US" i="1" noProof="0" dirty="0">
-                <a:solidFill>
-                  <a:srgbClr val="0070C0"/>
-                </a:solidFill>
-              </a:rPr>
-              <a:t>shared pool</a:t>
-            </a:r>
-            <a:r>
-              <a:rPr lang="en-US" i="1" noProof="0" dirty="0"/>
-              <a:t> of configurable computing resources (e.g., networks, servers, storage, services) that can be rapidly provisioned and released with </a:t>
-            </a:r>
-            <a:r>
-              <a:rPr lang="en-US" i="1" noProof="0" dirty="0">
-                <a:solidFill>
-                  <a:srgbClr val="00B050"/>
-                </a:solidFill>
-              </a:rPr>
-              <a:t>minimal management effort </a:t>
-            </a:r>
-            <a:r>
-              <a:rPr lang="en-US" i="1" noProof="0" dirty="0"/>
-              <a:t>or service provider interaction.”</a:t>
-            </a:r>
-          </a:p>
-          <a:p>
-            <a:endParaRPr lang="en-US" noProof="0" dirty="0"/>
+              <a:t> that is not possible on premises</a:t>
+            </a:r>
           </a:p>
           <a:p>
             <a:pPr lvl="1"/>
             <a:r>
               <a:rPr lang="en-US" noProof="0" dirty="0"/>
-              <a:t>On-demand self-service (consume services when you want)</a:t>
+              <a:t>Scale from one to thousands of servers</a:t>
+            </a:r>
+          </a:p>
+          <a:p>
+            <a:r>
+              <a:rPr lang="en-US" b="1" noProof="0" dirty="0"/>
+              <a:t>Elasticity</a:t>
             </a:r>
           </a:p>
           <a:p>
             <a:pPr lvl="1"/>
             <a:r>
               <a:rPr lang="en-US" noProof="0" dirty="0"/>
-              <a:t>Broad network access (consume services from anywhere)</a:t>
+              <a:t>Automatically scale resources in response to run-time conditions</a:t>
             </a:r>
           </a:p>
           <a:p>
             <a:pPr lvl="1"/>
             <a:r>
               <a:rPr lang="en-US" noProof="0" dirty="0"/>
-              <a:t>Resource pooling (infrastructure, virtual platforms, and applications)</a:t>
+              <a:t>Adapt to changes in workload by turning on/off resources to match the necessary capacity</a:t>
             </a:r>
           </a:p>
           <a:p>
             <a:pPr lvl="1"/>
             <a:r>
               <a:rPr lang="en-US" noProof="0" dirty="0"/>
-              <a:t>Rapid elasticity (enable horizontal scalability)</a:t>
-            </a:r>
-          </a:p>
-          <a:p>
-            <a:pPr lvl="1"/>
-            <a:r>
-              <a:rPr lang="en-US" noProof="0" dirty="0"/>
-              <a:t>Measured service (pay for the service you consume as you consume)</a:t>
-            </a:r>
-          </a:p>
-          <a:p>
-            <a:pPr lvl="1"/>
-            <a:endParaRPr lang="en-US" noProof="0" dirty="0"/>
-          </a:p>
-          <a:p>
-            <a:r>
-              <a:rPr lang="en-US" b="1" noProof="0" dirty="0"/>
-              <a:t>Digital transformation </a:t>
-            </a:r>
-            <a:r>
-              <a:rPr lang="en-US" noProof="0" dirty="0"/>
-              <a:t>involves the </a:t>
-            </a:r>
-            <a:r>
-              <a:rPr lang="en-US" b="1" noProof="0" dirty="0"/>
-              <a:t>cloud</a:t>
-            </a:r>
-            <a:r>
-              <a:rPr lang="en-US" noProof="0" dirty="0"/>
-              <a:t> to create/change business flows</a:t>
-            </a:r>
-          </a:p>
-          <a:p>
-            <a:pPr lvl="1"/>
-            <a:r>
-              <a:rPr lang="en-US" noProof="0" dirty="0"/>
-              <a:t>Often involves changing the company culture to adapt to this new way of doing business</a:t>
-            </a:r>
-          </a:p>
-          <a:p>
-            <a:pPr lvl="1"/>
-            <a:r>
-              <a:rPr lang="en-US" noProof="0" dirty="0"/>
-              <a:t>One of the end goal is to meet ever-changing business and market demand</a:t>
+              <a:t>Core justification for the cloud adoption</a:t>
             </a:r>
           </a:p>
         </p:txBody>
@@ -6059,18 +6131,18 @@
           <a:lstStyle/>
           <a:p>
             <a:fld id="{5DD6F1BA-2510-46FC-9346-AB1F3CA1593B}" type="slidenum">
-              <a:rPr lang="en-US" smtClean="0"/>
+              <a:rPr lang="it-IT" smtClean="0"/>
               <a:pPr/>
               <a:t>12</a:t>
             </a:fld>
-            <a:endParaRPr lang="en-US" dirty="0"/>
+            <a:endParaRPr lang="it-IT" dirty="0"/>
           </a:p>
         </p:txBody>
       </p:sp>
     </p:spTree>
     <p:extLst>
       <p:ext uri="{BB962C8B-B14F-4D97-AF65-F5344CB8AC3E}">
-        <p14:creationId xmlns:p14="http://schemas.microsoft.com/office/powerpoint/2010/main" val="1555717853"/>
+        <p14:creationId xmlns:p14="http://schemas.microsoft.com/office/powerpoint/2010/main" val="3057793946"/>
       </p:ext>
     </p:extLst>
   </p:cSld>
@@ -6115,61 +6187,32 @@
         </p:nvSpPr>
         <p:spPr/>
         <p:txBody>
-          <a:bodyPr>
-            <a:normAutofit/>
-          </a:bodyPr>
+          <a:bodyPr/>
           <a:lstStyle/>
           <a:p>
             <a:r>
               <a:rPr lang="en-US" noProof="0" dirty="0"/>
-              <a:t>Goal: adjusts capacity to have predictable performance at the lowest cost</a:t>
-            </a:r>
-          </a:p>
-          <a:p>
-            <a:endParaRPr lang="en-US" b="1" noProof="0" dirty="0"/>
-          </a:p>
-          <a:p>
-            <a:r>
-              <a:rPr lang="en-US" b="1" noProof="0" dirty="0"/>
-              <a:t>Scalability</a:t>
-            </a:r>
+              <a:t>Hardware scalability</a:t>
+            </a:r>
+          </a:p>
+          <a:p>
+            <a:pPr lvl="1"/>
             <a:r>
               <a:rPr lang="en-US" noProof="0" dirty="0"/>
-              <a:t> that is not possible on premises</a:t>
+              <a:t>No longer think about rack space, switches, and power supplies, etc.</a:t>
+            </a:r>
+          </a:p>
+          <a:p>
+            <a:r>
+              <a:rPr lang="en-US" noProof="0" dirty="0"/>
+              <a:t>Grow storage from GBs to PBs</a:t>
             </a:r>
           </a:p>
           <a:p>
             <a:pPr lvl="1"/>
             <a:r>
               <a:rPr lang="en-US" noProof="0" dirty="0"/>
-              <a:t>Scale from one to thousands of servers</a:t>
-            </a:r>
-          </a:p>
-          <a:p>
-            <a:r>
-              <a:rPr lang="en-US" b="1" noProof="0" dirty="0"/>
-              <a:t>Elasticity</a:t>
-            </a:r>
-          </a:p>
-          <a:p>
-            <a:pPr lvl="1"/>
-            <a:r>
-              <a:rPr lang="en-US" noProof="0" dirty="0"/>
-              <a:t>Automatically scale resources in response to run-time conditions</a:t>
-            </a:r>
-          </a:p>
-          <a:p>
-            <a:pPr lvl="1"/>
-            <a:r>
-              <a:rPr lang="en-US" noProof="0" dirty="0"/>
-              <a:t>Adapt to changes in workload by turning on/off resources to match the necessary capacity</a:t>
-            </a:r>
-          </a:p>
-          <a:p>
-            <a:pPr lvl="1"/>
-            <a:r>
-              <a:rPr lang="en-US" noProof="0" dirty="0"/>
-              <a:t>Core justification for the cloud adoption</a:t>
+              <a:t>1PB: one hundred 10TB Enterprise Capacity 3.5 HDD hard drives</a:t>
             </a:r>
           </a:p>
         </p:txBody>
@@ -6227,142 +6270,6 @@
               <a:rPr lang="it-IT" smtClean="0"/>
               <a:pPr/>
               <a:t>13</a:t>
-            </a:fld>
-            <a:endParaRPr lang="it-IT" dirty="0"/>
-          </a:p>
-        </p:txBody>
-      </p:sp>
-    </p:spTree>
-    <p:extLst>
-      <p:ext uri="{BB962C8B-B14F-4D97-AF65-F5344CB8AC3E}">
-        <p14:creationId xmlns:p14="http://schemas.microsoft.com/office/powerpoint/2010/main" val="3057793946"/>
-      </p:ext>
-    </p:extLst>
-  </p:cSld>
-  <p:clrMapOvr>
-    <a:masterClrMapping/>
-  </p:clrMapOvr>
-</p:sld>
-</file>
-
-<file path=ppt/slides/slide14.xml><?xml version="1.0" encoding="utf-8"?>
-<p:sld xmlns:a="http://schemas.openxmlformats.org/drawingml/2006/main" xmlns:r="http://schemas.openxmlformats.org/officeDocument/2006/relationships" xmlns:p="http://schemas.openxmlformats.org/presentationml/2006/main">
-  <p:cSld>
-    <p:spTree>
-      <p:nvGrpSpPr>
-        <p:cNvPr id="1" name=""/>
-        <p:cNvGrpSpPr/>
-        <p:nvPr/>
-      </p:nvGrpSpPr>
-      <p:grpSpPr>
-        <a:xfrm>
-          <a:off x="0" y="0"/>
-          <a:ext cx="0" cy="0"/>
-          <a:chOff x="0" y="0"/>
-          <a:chExt cx="0" cy="0"/>
-        </a:xfrm>
-      </p:grpSpPr>
-      <p:sp>
-        <p:nvSpPr>
-          <p:cNvPr id="3" name="Segnaposto contenuto 2">
-            <a:extLst>
-              <a:ext uri="{FF2B5EF4-FFF2-40B4-BE49-F238E27FC236}">
-                <a16:creationId xmlns:a16="http://schemas.microsoft.com/office/drawing/2014/main" id="{5CD5C70F-E261-4452-B27E-3348EC095DF9}"/>
-              </a:ext>
-            </a:extLst>
-          </p:cNvPr>
-          <p:cNvSpPr>
-            <a:spLocks noGrp="1"/>
-          </p:cNvSpPr>
-          <p:nvPr>
-            <p:ph idx="1"/>
-          </p:nvPr>
-        </p:nvSpPr>
-        <p:spPr/>
-        <p:txBody>
-          <a:bodyPr/>
-          <a:lstStyle/>
-          <a:p>
-            <a:r>
-              <a:rPr lang="en-US" noProof="0" dirty="0"/>
-              <a:t>Hardware scalability</a:t>
-            </a:r>
-          </a:p>
-          <a:p>
-            <a:pPr lvl="1"/>
-            <a:r>
-              <a:rPr lang="en-US" noProof="0" dirty="0"/>
-              <a:t>No longer think about rack space, switches, and power supplies, etc.</a:t>
-            </a:r>
-          </a:p>
-          <a:p>
-            <a:r>
-              <a:rPr lang="en-US" noProof="0" dirty="0"/>
-              <a:t>Grow storage from GBs to PBs</a:t>
-            </a:r>
-          </a:p>
-          <a:p>
-            <a:pPr lvl="1"/>
-            <a:r>
-              <a:rPr lang="en-US" noProof="0" dirty="0"/>
-              <a:t>1PB: one hundred 10TB Enterprise Capacity 3.5 HDD hard drives</a:t>
-            </a:r>
-          </a:p>
-        </p:txBody>
-      </p:sp>
-      <p:sp>
-        <p:nvSpPr>
-          <p:cNvPr id="9" name="Titolo 8">
-            <a:extLst>
-              <a:ext uri="{FF2B5EF4-FFF2-40B4-BE49-F238E27FC236}">
-                <a16:creationId xmlns:a16="http://schemas.microsoft.com/office/drawing/2014/main" id="{7B372B50-80E5-4A4B-9F69-74C08CF1F54E}"/>
-              </a:ext>
-            </a:extLst>
-          </p:cNvPr>
-          <p:cNvSpPr>
-            <a:spLocks noGrp="1"/>
-          </p:cNvSpPr>
-          <p:nvPr>
-            <p:ph type="title"/>
-          </p:nvPr>
-        </p:nvSpPr>
-        <p:spPr/>
-        <p:txBody>
-          <a:bodyPr/>
-          <a:lstStyle/>
-          <a:p>
-            <a:r>
-              <a:rPr lang="en-US" noProof="0" dirty="0"/>
-              <a:t>Why going cloud?</a:t>
-            </a:r>
-          </a:p>
-        </p:txBody>
-      </p:sp>
-      <p:sp>
-        <p:nvSpPr>
-          <p:cNvPr id="5" name="Segnaposto numero diapositiva 4">
-            <a:extLst>
-              <a:ext uri="{FF2B5EF4-FFF2-40B4-BE49-F238E27FC236}">
-                <a16:creationId xmlns:a16="http://schemas.microsoft.com/office/drawing/2014/main" id="{E5702081-2864-4B0C-99D4-FE4EEB8A348B}"/>
-              </a:ext>
-            </a:extLst>
-          </p:cNvPr>
-          <p:cNvSpPr>
-            <a:spLocks noGrp="1"/>
-          </p:cNvSpPr>
-          <p:nvPr>
-            <p:ph type="sldNum" sz="quarter" idx="12"/>
-          </p:nvPr>
-        </p:nvSpPr>
-        <p:spPr/>
-        <p:txBody>
-          <a:bodyPr/>
-          <a:lstStyle/>
-          <a:p>
-            <a:fld id="{5DD6F1BA-2510-46FC-9346-AB1F3CA1593B}" type="slidenum">
-              <a:rPr lang="it-IT" smtClean="0"/>
-              <a:pPr/>
-              <a:t>14</a:t>
             </a:fld>
             <a:endParaRPr lang="it-IT" dirty="0"/>
           </a:p>
@@ -6532,6 +6439,206 @@
 </p:sld>
 </file>
 
+<file path=ppt/slides/slide14.xml><?xml version="1.0" encoding="utf-8"?>
+<p:sld xmlns:a="http://schemas.openxmlformats.org/drawingml/2006/main" xmlns:r="http://schemas.openxmlformats.org/officeDocument/2006/relationships" xmlns:p="http://schemas.openxmlformats.org/presentationml/2006/main">
+  <p:cSld>
+    <p:spTree>
+      <p:nvGrpSpPr>
+        <p:cNvPr id="1" name=""/>
+        <p:cNvGrpSpPr/>
+        <p:nvPr/>
+      </p:nvGrpSpPr>
+      <p:grpSpPr>
+        <a:xfrm>
+          <a:off x="0" y="0"/>
+          <a:ext cx="0" cy="0"/>
+          <a:chOff x="0" y="0"/>
+          <a:chExt cx="0" cy="0"/>
+        </a:xfrm>
+      </p:grpSpPr>
+      <p:sp>
+        <p:nvSpPr>
+          <p:cNvPr id="3" name="Segnaposto contenuto 2">
+            <a:extLst>
+              <a:ext uri="{FF2B5EF4-FFF2-40B4-BE49-F238E27FC236}">
+                <a16:creationId xmlns:a16="http://schemas.microsoft.com/office/drawing/2014/main" id="{5CD5C70F-E261-4452-B27E-3348EC095DF9}"/>
+              </a:ext>
+            </a:extLst>
+          </p:cNvPr>
+          <p:cNvSpPr>
+            <a:spLocks noGrp="1"/>
+          </p:cNvSpPr>
+          <p:nvPr>
+            <p:ph idx="1"/>
+          </p:nvPr>
+        </p:nvSpPr>
+        <p:spPr/>
+        <p:txBody>
+          <a:bodyPr/>
+          <a:lstStyle/>
+          <a:p>
+            <a:r>
+              <a:rPr lang="en-US" b="1" noProof="0" dirty="0"/>
+              <a:t>Resource pooling</a:t>
+            </a:r>
+          </a:p>
+          <a:p>
+            <a:pPr lvl="1"/>
+            <a:r>
+              <a:rPr lang="en-US" noProof="0" dirty="0"/>
+              <a:t>Enable </a:t>
+            </a:r>
+            <a:r>
+              <a:rPr lang="en-US" noProof="0" dirty="0">
+                <a:solidFill>
+                  <a:srgbClr val="FF5050"/>
+                </a:solidFill>
+              </a:rPr>
+              <a:t>cost-sharing</a:t>
+            </a:r>
+            <a:r>
+              <a:rPr lang="en-US" noProof="0" dirty="0"/>
+              <a:t>, a resource to serve different consumers</a:t>
+            </a:r>
+          </a:p>
+          <a:p>
+            <a:pPr lvl="1"/>
+            <a:r>
+              <a:rPr lang="en-US" noProof="0" dirty="0"/>
+              <a:t>Resources are dynamically reassigned according to demands</a:t>
+            </a:r>
+          </a:p>
+          <a:p>
+            <a:pPr lvl="1"/>
+            <a:r>
+              <a:rPr lang="en-US" noProof="0" dirty="0"/>
+              <a:t>Based on </a:t>
+            </a:r>
+            <a:r>
+              <a:rPr lang="en-US" noProof="0" dirty="0">
+                <a:solidFill>
+                  <a:srgbClr val="FF5050"/>
+                </a:solidFill>
+              </a:rPr>
+              <a:t>virtualization</a:t>
+            </a:r>
+            <a:r>
+              <a:rPr lang="en-US" noProof="0" dirty="0"/>
+              <a:t>,</a:t>
+            </a:r>
+            <a:r>
+              <a:rPr lang="en-US" noProof="0" dirty="0">
+                <a:solidFill>
+                  <a:srgbClr val="FF5050"/>
+                </a:solidFill>
+              </a:rPr>
+              <a:t> </a:t>
+            </a:r>
+            <a:r>
+              <a:rPr lang="en-US" noProof="0" dirty="0"/>
+              <a:t>running multiple virtual instances on top of a physical computer system</a:t>
+            </a:r>
+          </a:p>
+          <a:p>
+            <a:pPr lvl="1"/>
+            <a:r>
+              <a:rPr lang="en-US" noProof="0" dirty="0"/>
+              <a:t>Economy of scale for physical resources</a:t>
+            </a:r>
+          </a:p>
+          <a:p>
+            <a:r>
+              <a:rPr lang="en-US" b="1" noProof="0" dirty="0"/>
+              <a:t>Reliability</a:t>
+            </a:r>
+          </a:p>
+          <a:p>
+            <a:pPr lvl="1"/>
+            <a:r>
+              <a:rPr lang="en-US" noProof="0" dirty="0"/>
+              <a:t>Built to handle failures</a:t>
+            </a:r>
+          </a:p>
+          <a:p>
+            <a:pPr lvl="1"/>
+            <a:r>
+              <a:rPr lang="en-US" noProof="0" dirty="0"/>
+              <a:t>Fault-tolerant or highly available</a:t>
+            </a:r>
+          </a:p>
+        </p:txBody>
+      </p:sp>
+      <p:sp>
+        <p:nvSpPr>
+          <p:cNvPr id="9" name="Titolo 8">
+            <a:extLst>
+              <a:ext uri="{FF2B5EF4-FFF2-40B4-BE49-F238E27FC236}">
+                <a16:creationId xmlns:a16="http://schemas.microsoft.com/office/drawing/2014/main" id="{7B372B50-80E5-4A4B-9F69-74C08CF1F54E}"/>
+              </a:ext>
+            </a:extLst>
+          </p:cNvPr>
+          <p:cNvSpPr>
+            <a:spLocks noGrp="1"/>
+          </p:cNvSpPr>
+          <p:nvPr>
+            <p:ph type="title"/>
+          </p:nvPr>
+        </p:nvSpPr>
+        <p:spPr/>
+        <p:txBody>
+          <a:bodyPr/>
+          <a:lstStyle/>
+          <a:p>
+            <a:r>
+              <a:rPr lang="en-US" noProof="0" dirty="0"/>
+              <a:t>Why going cloud?</a:t>
+            </a:r>
+          </a:p>
+        </p:txBody>
+      </p:sp>
+      <p:sp>
+        <p:nvSpPr>
+          <p:cNvPr id="5" name="Segnaposto numero diapositiva 4">
+            <a:extLst>
+              <a:ext uri="{FF2B5EF4-FFF2-40B4-BE49-F238E27FC236}">
+                <a16:creationId xmlns:a16="http://schemas.microsoft.com/office/drawing/2014/main" id="{E5702081-2864-4B0C-99D4-FE4EEB8A348B}"/>
+              </a:ext>
+            </a:extLst>
+          </p:cNvPr>
+          <p:cNvSpPr>
+            <a:spLocks noGrp="1"/>
+          </p:cNvSpPr>
+          <p:nvPr>
+            <p:ph type="sldNum" sz="quarter" idx="12"/>
+          </p:nvPr>
+        </p:nvSpPr>
+        <p:spPr/>
+        <p:txBody>
+          <a:bodyPr/>
+          <a:lstStyle/>
+          <a:p>
+            <a:fld id="{5DD6F1BA-2510-46FC-9346-AB1F3CA1593B}" type="slidenum">
+              <a:rPr lang="it-IT" smtClean="0"/>
+              <a:pPr/>
+              <a:t>14</a:t>
+            </a:fld>
+            <a:endParaRPr lang="it-IT" dirty="0"/>
+          </a:p>
+        </p:txBody>
+      </p:sp>
+    </p:spTree>
+    <p:extLst>
+      <p:ext uri="{BB962C8B-B14F-4D97-AF65-F5344CB8AC3E}">
+        <p14:creationId xmlns:p14="http://schemas.microsoft.com/office/powerpoint/2010/main" val="1057411950"/>
+      </p:ext>
+    </p:extLst>
+  </p:cSld>
+  <p:clrMapOvr>
+    <a:masterClrMapping/>
+  </p:clrMapOvr>
+</p:sld>
+</file>
+
 <file path=ppt/slides/slide15.xml><?xml version="1.0" encoding="utf-8"?>
 <p:sld xmlns:a="http://schemas.openxmlformats.org/drawingml/2006/main" xmlns:r="http://schemas.openxmlformats.org/officeDocument/2006/relationships" xmlns:p="http://schemas.openxmlformats.org/presentationml/2006/main">
   <p:cSld>
@@ -6571,93 +6678,77 @@
           <a:lstStyle/>
           <a:p>
             <a:r>
+              <a:rPr lang="en-US" noProof="0" dirty="0"/>
+              <a:t>Worldwide </a:t>
+            </a:r>
+            <a:r>
               <a:rPr lang="en-US" b="1" noProof="0" dirty="0"/>
-              <a:t>Resource pooling</a:t>
+              <a:t>deployment</a:t>
             </a:r>
           </a:p>
           <a:p>
             <a:pPr lvl="1"/>
             <a:r>
               <a:rPr lang="en-US" noProof="0" dirty="0"/>
-              <a:t>Enable </a:t>
-            </a:r>
+              <a:t>Deploy applications as close to customers as possible</a:t>
+            </a:r>
+          </a:p>
+          <a:p>
+            <a:pPr lvl="2"/>
+            <a:r>
+              <a:rPr lang="en-US" noProof="0" dirty="0"/>
+              <a:t>E.g., to reduce network latency</a:t>
+            </a:r>
+          </a:p>
+          <a:p>
+            <a:pPr lvl="1"/>
+            <a:r>
+              <a:rPr lang="en-US" noProof="0" dirty="0"/>
+              <a:t>Improve data locality </a:t>
+            </a:r>
+          </a:p>
+          <a:p>
+            <a:pPr lvl="1"/>
+            <a:r>
+              <a:rPr lang="en-US" noProof="0" dirty="0"/>
+              <a:t>Compliant to privacy regulations (e.g., GDPR)</a:t>
+            </a:r>
+          </a:p>
+          <a:p>
+            <a:r>
+              <a:rPr lang="en-US" noProof="0" dirty="0"/>
+              <a:t>Measured </a:t>
+            </a:r>
+            <a:r>
+              <a:rPr lang="en-US" b="1" noProof="0" dirty="0"/>
+              <a:t>quality of service</a:t>
+            </a:r>
+          </a:p>
+          <a:p>
+            <a:pPr lvl="1"/>
             <a:r>
               <a:rPr lang="en-US" noProof="0" dirty="0">
-                <a:solidFill>
-                  <a:srgbClr val="FF5050"/>
-                </a:solidFill>
+                <a:effectLst/>
+                <a:latin typeface="Arial" panose="020B0604020202020204" pitchFamily="34" charset="0"/>
               </a:rPr>
-              <a:t>cost-sharing</a:t>
-            </a:r>
-            <a:r>
-              <a:rPr lang="en-US" noProof="0" dirty="0"/>
-              <a:t>, a resource to serve different consumers</a:t>
-            </a:r>
-          </a:p>
-          <a:p>
-            <a:pPr lvl="1"/>
-            <a:r>
-              <a:rPr lang="en-US" noProof="0" dirty="0"/>
-              <a:t>Resources are dynamically reassigned according to demands</a:t>
-            </a:r>
-          </a:p>
-          <a:p>
-            <a:pPr lvl="1"/>
-            <a:r>
-              <a:rPr lang="en-US" noProof="0" dirty="0"/>
-              <a:t>Based on </a:t>
+              <a:t>Services leverage a quantitative qualitative metering capability making pay-as-you</a:t>
             </a:r>
             <a:r>
               <a:rPr lang="en-US" noProof="0" dirty="0">
-                <a:solidFill>
-                  <a:srgbClr val="FF5050"/>
-                </a:solidFill>
+                <a:latin typeface="Arial" panose="020B0604020202020204" pitchFamily="34" charset="0"/>
               </a:rPr>
-              <a:t>virtualization</a:t>
-            </a:r>
-            <a:r>
-              <a:rPr lang="en-US" noProof="0" dirty="0"/>
-              <a:t>,</a:t>
+              <a:t>-go (or pay-per-use) </a:t>
             </a:r>
             <a:r>
               <a:rPr lang="en-US" noProof="0" dirty="0">
-                <a:solidFill>
-                  <a:srgbClr val="FF5050"/>
-                </a:solidFill>
+                <a:effectLst/>
+                <a:latin typeface="Arial" panose="020B0604020202020204" pitchFamily="34" charset="0"/>
               </a:rPr>
-              <a:t> </a:t>
-            </a:r>
-            <a:r>
-              <a:rPr lang="en-US" noProof="0" dirty="0"/>
-              <a:t>running multiple virtual instances on top of a physical computer system</a:t>
-            </a:r>
-          </a:p>
-          <a:p>
-            <a:pPr lvl="1"/>
-            <a:r>
-              <a:rPr lang="en-US" noProof="0" dirty="0"/>
-              <a:t>Economy of scale for physical resources</a:t>
-            </a:r>
-          </a:p>
-          <a:p>
-            <a:r>
-              <a:rPr lang="en-US" b="1" noProof="0" dirty="0"/>
-              <a:t>Reliability</a:t>
-            </a:r>
-          </a:p>
-          <a:p>
-            <a:pPr lvl="1"/>
-            <a:r>
-              <a:rPr lang="en-US" noProof="0" dirty="0"/>
-              <a:t>Built to handle failures</a:t>
-            </a:r>
-          </a:p>
-          <a:p>
-            <a:pPr lvl="1"/>
-            <a:r>
-              <a:rPr lang="en-US" noProof="0" dirty="0"/>
-              <a:t>Fault-tolerant or highly available</a:t>
-            </a:r>
+              <a:t>billing and validation of the service quality available</a:t>
+            </a:r>
+          </a:p>
+          <a:p>
+            <a:endParaRPr lang="en-US" b="1" noProof="0" dirty="0"/>
           </a:p>
         </p:txBody>
       </p:sp>
@@ -6722,7 +6813,7 @@
     </p:spTree>
     <p:extLst>
       <p:ext uri="{BB962C8B-B14F-4D97-AF65-F5344CB8AC3E}">
-        <p14:creationId xmlns:p14="http://schemas.microsoft.com/office/powerpoint/2010/main" val="1057411950"/>
+        <p14:creationId xmlns:p14="http://schemas.microsoft.com/office/powerpoint/2010/main" val="2684901365"/>
       </p:ext>
     </p:extLst>
   </p:cSld>
@@ -6772,76 +6863,155 @@
           <a:p>
             <a:r>
               <a:rPr lang="en-US" noProof="0" dirty="0"/>
-              <a:t>Worldwide </a:t>
+              <a:t>Service </a:t>
             </a:r>
             <a:r>
               <a:rPr lang="en-US" b="1" noProof="0" dirty="0"/>
-              <a:t>deployment</a:t>
+              <a:t>integration</a:t>
             </a:r>
           </a:p>
           <a:p>
             <a:pPr lvl="1"/>
             <a:r>
               <a:rPr lang="en-US" noProof="0" dirty="0"/>
-              <a:t>Deploy applications as close to customers as possible</a:t>
+              <a:t>Do not reinvent the wheel, eliminate repetitive tasks</a:t>
             </a:r>
           </a:p>
           <a:p>
             <a:pPr lvl="2"/>
             <a:r>
               <a:rPr lang="en-US" noProof="0" dirty="0"/>
-              <a:t>E.g., to reduce network latency</a:t>
+              <a:t>Use services that solve common problems (e.g., load balancing, queuing)</a:t>
             </a:r>
           </a:p>
           <a:p>
             <a:pPr lvl="1"/>
             <a:r>
               <a:rPr lang="en-US" noProof="0" dirty="0"/>
-              <a:t>Improve data locality </a:t>
+              <a:t>Abstract and automatically adapt the architecture to requirements</a:t>
+            </a:r>
+          </a:p>
+          <a:p>
+            <a:pPr lvl="2"/>
+            <a:r>
+              <a:rPr lang="en-US" noProof="0" dirty="0"/>
+              <a:t>E.g., create (test) environments on demand</a:t>
+            </a:r>
+          </a:p>
+          <a:p>
+            <a:r>
+              <a:rPr lang="en-US" noProof="0" dirty="0">
+                <a:solidFill>
+                  <a:srgbClr val="FF5050"/>
+                </a:solidFill>
+              </a:rPr>
+              <a:t>Integration</a:t>
+            </a:r>
+            <a:r>
+              <a:rPr lang="en-US" noProof="0" dirty="0"/>
+              <a:t> and </a:t>
+            </a:r>
+            <a:r>
+              <a:rPr lang="en-US" noProof="0" dirty="0">
+                <a:solidFill>
+                  <a:srgbClr val="FF5050"/>
+                </a:solidFill>
+              </a:rPr>
+              <a:t>abstraction</a:t>
+            </a:r>
+            <a:r>
+              <a:rPr lang="en-US" noProof="0" dirty="0"/>
+              <a:t> are drivers of change</a:t>
             </a:r>
           </a:p>
           <a:p>
             <a:pPr lvl="1"/>
             <a:r>
               <a:rPr lang="en-US" noProof="0" dirty="0"/>
-              <a:t>Compliant to privacy regulations (e.g., GDPR)</a:t>
-            </a:r>
-          </a:p>
-          <a:p>
+              <a:t>From </a:t>
+            </a:r>
+            <a:r>
+              <a:rPr lang="en-US" noProof="0" dirty="0">
+                <a:solidFill>
+                  <a:srgbClr val="0070C0"/>
+                </a:solidFill>
+              </a:rPr>
+              <a:t>databases</a:t>
+            </a:r>
             <a:r>
               <a:rPr lang="en-US" noProof="0" dirty="0"/>
-              <a:t>Measured </a:t>
-            </a:r>
-            <a:r>
-              <a:rPr lang="en-US" b="1" noProof="0" dirty="0"/>
-              <a:t>quality of service</a:t>
+              <a:t> to </a:t>
+            </a:r>
+            <a:r>
+              <a:rPr lang="en-US" noProof="0" dirty="0">
+                <a:solidFill>
+                  <a:srgbClr val="0070C0"/>
+                </a:solidFill>
+              </a:rPr>
+              <a:t>data platforms</a:t>
             </a:r>
           </a:p>
           <a:p>
             <a:pPr lvl="1"/>
             <a:r>
+              <a:rPr lang="en-US" noProof="0" dirty="0"/>
+              <a:t>From </a:t>
+            </a:r>
+            <a:r>
               <a:rPr lang="en-US" noProof="0" dirty="0">
-                <a:effectLst/>
-                <a:latin typeface="Arial" panose="020B0604020202020204" pitchFamily="34" charset="0"/>
+                <a:solidFill>
+                  <a:srgbClr val="0070C0"/>
+                </a:solidFill>
               </a:rPr>
-              <a:t>Services leverage a quantitative qualitative metering capability making pay-as-you</a:t>
+              <a:t>on-premises</a:t>
+            </a:r>
+            <a:r>
+              <a:rPr lang="en-US" noProof="0" dirty="0"/>
+              <a:t> to </a:t>
             </a:r>
             <a:r>
               <a:rPr lang="en-US" noProof="0" dirty="0">
-                <a:latin typeface="Arial" panose="020B0604020202020204" pitchFamily="34" charset="0"/>
+                <a:solidFill>
+                  <a:srgbClr val="0070C0"/>
+                </a:solidFill>
               </a:rPr>
-              <a:t>-go (or pay-per-use) </a:t>
+              <a:t>serverless</a:t>
+            </a:r>
+            <a:r>
+              <a:rPr lang="en-US" noProof="0" dirty="0"/>
+              <a:t> architectures</a:t>
+            </a:r>
+          </a:p>
+          <a:p>
+            <a:pPr lvl="1"/>
+            <a:r>
+              <a:rPr lang="en-US" noProof="0" dirty="0"/>
+              <a:t>From </a:t>
             </a:r>
             <a:r>
               <a:rPr lang="en-US" noProof="0" dirty="0">
-                <a:effectLst/>
-                <a:latin typeface="Arial" panose="020B0604020202020204" pitchFamily="34" charset="0"/>
+                <a:solidFill>
+                  <a:srgbClr val="0070C0"/>
+                </a:solidFill>
               </a:rPr>
-              <a:t>billing and validation of the service quality available</a:t>
-            </a:r>
-          </a:p>
-          <a:p>
-            <a:endParaRPr lang="en-US" b="1" noProof="0" dirty="0"/>
+              <a:t>custom</a:t>
+            </a:r>
+            <a:r>
+              <a:rPr lang="en-US" noProof="0" dirty="0"/>
+              <a:t> to </a:t>
+            </a:r>
+            <a:r>
+              <a:rPr lang="en-US" noProof="0" dirty="0">
+                <a:solidFill>
+                  <a:srgbClr val="0070C0"/>
+                </a:solidFill>
+              </a:rPr>
+              <a:t>standardized</a:t>
+            </a:r>
+            <a:r>
+              <a:rPr lang="en-US" noProof="0" dirty="0"/>
+              <a:t> data pipelines</a:t>
+            </a:r>
           </a:p>
         </p:txBody>
       </p:sp>
@@ -6906,7 +7076,7 @@
     </p:spTree>
     <p:extLst>
       <p:ext uri="{BB962C8B-B14F-4D97-AF65-F5344CB8AC3E}">
-        <p14:creationId xmlns:p14="http://schemas.microsoft.com/office/powerpoint/2010/main" val="2684901365"/>
+        <p14:creationId xmlns:p14="http://schemas.microsoft.com/office/powerpoint/2010/main" val="3556227928"/>
       </p:ext>
     </p:extLst>
   </p:cSld>
@@ -6938,269 +7108,6 @@
           <p:cNvPr id="3" name="Segnaposto contenuto 2">
             <a:extLst>
               <a:ext uri="{FF2B5EF4-FFF2-40B4-BE49-F238E27FC236}">
-                <a16:creationId xmlns:a16="http://schemas.microsoft.com/office/drawing/2014/main" id="{5CD5C70F-E261-4452-B27E-3348EC095DF9}"/>
-              </a:ext>
-            </a:extLst>
-          </p:cNvPr>
-          <p:cNvSpPr>
-            <a:spLocks noGrp="1"/>
-          </p:cNvSpPr>
-          <p:nvPr>
-            <p:ph idx="1"/>
-          </p:nvPr>
-        </p:nvSpPr>
-        <p:spPr/>
-        <p:txBody>
-          <a:bodyPr/>
-          <a:lstStyle/>
-          <a:p>
-            <a:r>
-              <a:rPr lang="en-US" noProof="0" dirty="0"/>
-              <a:t>Service </a:t>
-            </a:r>
-            <a:r>
-              <a:rPr lang="en-US" b="1" noProof="0" dirty="0"/>
-              <a:t>integration</a:t>
-            </a:r>
-          </a:p>
-          <a:p>
-            <a:pPr lvl="1"/>
-            <a:r>
-              <a:rPr lang="en-US" noProof="0" dirty="0"/>
-              <a:t>Do not reinvent the wheel, eliminate repetitive tasks</a:t>
-            </a:r>
-          </a:p>
-          <a:p>
-            <a:pPr lvl="2"/>
-            <a:r>
-              <a:rPr lang="en-US" noProof="0" dirty="0"/>
-              <a:t>Use services that solve common problems (e.g., load balancing, queuing)</a:t>
-            </a:r>
-          </a:p>
-          <a:p>
-            <a:pPr lvl="1"/>
-            <a:r>
-              <a:rPr lang="en-US" noProof="0" dirty="0"/>
-              <a:t>Abstract and automatically adapt the architecture to requirements</a:t>
-            </a:r>
-          </a:p>
-          <a:p>
-            <a:pPr lvl="2"/>
-            <a:r>
-              <a:rPr lang="en-US" noProof="0" dirty="0"/>
-              <a:t>E.g., create (test) environments on demand</a:t>
-            </a:r>
-          </a:p>
-          <a:p>
-            <a:r>
-              <a:rPr lang="en-US" noProof="0" dirty="0">
-                <a:solidFill>
-                  <a:srgbClr val="FF5050"/>
-                </a:solidFill>
-              </a:rPr>
-              <a:t>Integration</a:t>
-            </a:r>
-            <a:r>
-              <a:rPr lang="en-US" noProof="0" dirty="0"/>
-              <a:t> and </a:t>
-            </a:r>
-            <a:r>
-              <a:rPr lang="en-US" noProof="0" dirty="0">
-                <a:solidFill>
-                  <a:srgbClr val="FF5050"/>
-                </a:solidFill>
-              </a:rPr>
-              <a:t>abstraction</a:t>
-            </a:r>
-            <a:r>
-              <a:rPr lang="en-US" noProof="0" dirty="0"/>
-              <a:t> are drivers of change</a:t>
-            </a:r>
-          </a:p>
-          <a:p>
-            <a:pPr lvl="1"/>
-            <a:r>
-              <a:rPr lang="en-US" noProof="0" dirty="0"/>
-              <a:t>From </a:t>
-            </a:r>
-            <a:r>
-              <a:rPr lang="en-US" noProof="0" dirty="0">
-                <a:solidFill>
-                  <a:srgbClr val="0070C0"/>
-                </a:solidFill>
-              </a:rPr>
-              <a:t>databases</a:t>
-            </a:r>
-            <a:r>
-              <a:rPr lang="en-US" noProof="0" dirty="0"/>
-              <a:t> to </a:t>
-            </a:r>
-            <a:r>
-              <a:rPr lang="en-US" noProof="0" dirty="0">
-                <a:solidFill>
-                  <a:srgbClr val="0070C0"/>
-                </a:solidFill>
-              </a:rPr>
-              <a:t>data platforms</a:t>
-            </a:r>
-          </a:p>
-          <a:p>
-            <a:pPr lvl="1"/>
-            <a:r>
-              <a:rPr lang="en-US" noProof="0" dirty="0"/>
-              <a:t>From </a:t>
-            </a:r>
-            <a:r>
-              <a:rPr lang="en-US" noProof="0" dirty="0">
-                <a:solidFill>
-                  <a:srgbClr val="0070C0"/>
-                </a:solidFill>
-              </a:rPr>
-              <a:t>on-premises</a:t>
-            </a:r>
-            <a:r>
-              <a:rPr lang="en-US" noProof="0" dirty="0"/>
-              <a:t> to </a:t>
-            </a:r>
-            <a:r>
-              <a:rPr lang="en-US" noProof="0" dirty="0">
-                <a:solidFill>
-                  <a:srgbClr val="0070C0"/>
-                </a:solidFill>
-              </a:rPr>
-              <a:t>serverless</a:t>
-            </a:r>
-            <a:r>
-              <a:rPr lang="en-US" noProof="0" dirty="0"/>
-              <a:t> architectures</a:t>
-            </a:r>
-          </a:p>
-          <a:p>
-            <a:pPr lvl="1"/>
-            <a:r>
-              <a:rPr lang="en-US" noProof="0" dirty="0"/>
-              <a:t>From </a:t>
-            </a:r>
-            <a:r>
-              <a:rPr lang="en-US" noProof="0" dirty="0">
-                <a:solidFill>
-                  <a:srgbClr val="0070C0"/>
-                </a:solidFill>
-              </a:rPr>
-              <a:t>custom</a:t>
-            </a:r>
-            <a:r>
-              <a:rPr lang="en-US" noProof="0" dirty="0"/>
-              <a:t> to </a:t>
-            </a:r>
-            <a:r>
-              <a:rPr lang="en-US" noProof="0" dirty="0">
-                <a:solidFill>
-                  <a:srgbClr val="0070C0"/>
-                </a:solidFill>
-              </a:rPr>
-              <a:t>standardized</a:t>
-            </a:r>
-            <a:r>
-              <a:rPr lang="en-US" noProof="0" dirty="0"/>
-              <a:t> data pipelines</a:t>
-            </a:r>
-          </a:p>
-        </p:txBody>
-      </p:sp>
-      <p:sp>
-        <p:nvSpPr>
-          <p:cNvPr id="9" name="Titolo 8">
-            <a:extLst>
-              <a:ext uri="{FF2B5EF4-FFF2-40B4-BE49-F238E27FC236}">
-                <a16:creationId xmlns:a16="http://schemas.microsoft.com/office/drawing/2014/main" id="{7B372B50-80E5-4A4B-9F69-74C08CF1F54E}"/>
-              </a:ext>
-            </a:extLst>
-          </p:cNvPr>
-          <p:cNvSpPr>
-            <a:spLocks noGrp="1"/>
-          </p:cNvSpPr>
-          <p:nvPr>
-            <p:ph type="title"/>
-          </p:nvPr>
-        </p:nvSpPr>
-        <p:spPr/>
-        <p:txBody>
-          <a:bodyPr/>
-          <a:lstStyle/>
-          <a:p>
-            <a:r>
-              <a:rPr lang="en-US" noProof="0" dirty="0"/>
-              <a:t>Why going cloud?</a:t>
-            </a:r>
-          </a:p>
-        </p:txBody>
-      </p:sp>
-      <p:sp>
-        <p:nvSpPr>
-          <p:cNvPr id="5" name="Segnaposto numero diapositiva 4">
-            <a:extLst>
-              <a:ext uri="{FF2B5EF4-FFF2-40B4-BE49-F238E27FC236}">
-                <a16:creationId xmlns:a16="http://schemas.microsoft.com/office/drawing/2014/main" id="{E5702081-2864-4B0C-99D4-FE4EEB8A348B}"/>
-              </a:ext>
-            </a:extLst>
-          </p:cNvPr>
-          <p:cNvSpPr>
-            <a:spLocks noGrp="1"/>
-          </p:cNvSpPr>
-          <p:nvPr>
-            <p:ph type="sldNum" sz="quarter" idx="12"/>
-          </p:nvPr>
-        </p:nvSpPr>
-        <p:spPr/>
-        <p:txBody>
-          <a:bodyPr/>
-          <a:lstStyle/>
-          <a:p>
-            <a:fld id="{5DD6F1BA-2510-46FC-9346-AB1F3CA1593B}" type="slidenum">
-              <a:rPr lang="it-IT" smtClean="0"/>
-              <a:pPr/>
-              <a:t>17</a:t>
-            </a:fld>
-            <a:endParaRPr lang="it-IT" dirty="0"/>
-          </a:p>
-        </p:txBody>
-      </p:sp>
-    </p:spTree>
-    <p:extLst>
-      <p:ext uri="{BB962C8B-B14F-4D97-AF65-F5344CB8AC3E}">
-        <p14:creationId xmlns:p14="http://schemas.microsoft.com/office/powerpoint/2010/main" val="3556227928"/>
-      </p:ext>
-    </p:extLst>
-  </p:cSld>
-  <p:clrMapOvr>
-    <a:masterClrMapping/>
-  </p:clrMapOvr>
-</p:sld>
-</file>
-
-<file path=ppt/slides/slide18.xml><?xml version="1.0" encoding="utf-8"?>
-<p:sld xmlns:a="http://schemas.openxmlformats.org/drawingml/2006/main" xmlns:r="http://schemas.openxmlformats.org/officeDocument/2006/relationships" xmlns:p="http://schemas.openxmlformats.org/presentationml/2006/main">
-  <p:cSld>
-    <p:spTree>
-      <p:nvGrpSpPr>
-        <p:cNvPr id="1" name=""/>
-        <p:cNvGrpSpPr/>
-        <p:nvPr/>
-      </p:nvGrpSpPr>
-      <p:grpSpPr>
-        <a:xfrm>
-          <a:off x="0" y="0"/>
-          <a:ext cx="0" cy="0"/>
-          <a:chOff x="0" y="0"/>
-          <a:chExt cx="0" cy="0"/>
-        </a:xfrm>
-      </p:grpSpPr>
-      <p:sp>
-        <p:nvSpPr>
-          <p:cNvPr id="3" name="Segnaposto contenuto 2">
-            <a:extLst>
-              <a:ext uri="{FF2B5EF4-FFF2-40B4-BE49-F238E27FC236}">
                 <a16:creationId xmlns:a16="http://schemas.microsoft.com/office/drawing/2014/main" id="{8090F62A-127E-41CC-84E0-BB41FE65405F}"/>
               </a:ext>
             </a:extLst>
@@ -7332,7 +7239,7 @@
             <a:fld id="{5DD6F1BA-2510-46FC-9346-AB1F3CA1593B}" type="slidenum">
               <a:rPr lang="it-IT" smtClean="0"/>
               <a:pPr/>
-              <a:t>18</a:t>
+              <a:t>17</a:t>
             </a:fld>
             <a:endParaRPr lang="it-IT" dirty="0"/>
           </a:p>
@@ -7389,7 +7296,7 @@
 </p:sld>
 </file>
 
-<file path=ppt/slides/slide19.xml><?xml version="1.0" encoding="utf-8"?>
+<file path=ppt/slides/slide18.xml><?xml version="1.0" encoding="utf-8"?>
 <p:sld xmlns:a="http://schemas.openxmlformats.org/drawingml/2006/main" xmlns:r="http://schemas.openxmlformats.org/officeDocument/2006/relationships" xmlns:p="http://schemas.openxmlformats.org/presentationml/2006/main">
   <p:cSld>
     <p:spTree>
@@ -7555,7 +7462,7 @@
             <a:fld id="{5DD6F1BA-2510-46FC-9346-AB1F3CA1593B}" type="slidenum">
               <a:rPr lang="en-US" smtClean="0"/>
               <a:pPr/>
-              <a:t>19</a:t>
+              <a:t>18</a:t>
             </a:fld>
             <a:endParaRPr lang="en-US" dirty="0"/>
           </a:p>
@@ -7650,7 +7557,7 @@
 </p:sld>
 </file>
 
-<file path=ppt/slides/slide2.xml><?xml version="1.0" encoding="utf-8"?>
+<file path=ppt/slides/slide19.xml><?xml version="1.0" encoding="utf-8"?>
 <p:sld xmlns:a="http://schemas.openxmlformats.org/drawingml/2006/main" xmlns:r="http://schemas.openxmlformats.org/officeDocument/2006/relationships" xmlns:p="http://schemas.openxmlformats.org/presentationml/2006/main">
   <p:cSld>
     <p:spTree>
@@ -7669,10 +7576,10 @@
       </p:grpSpPr>
       <p:sp>
         <p:nvSpPr>
-          <p:cNvPr id="2" name="Title 1">
+          <p:cNvPr id="2" name="Titolo 1">
             <a:extLst>
               <a:ext uri="{FF2B5EF4-FFF2-40B4-BE49-F238E27FC236}">
-                <a16:creationId xmlns:a16="http://schemas.microsoft.com/office/drawing/2014/main" id="{A1280975-2E00-4234-ABD2-0A8FF193D441}"/>
+                <a16:creationId xmlns:a16="http://schemas.microsoft.com/office/drawing/2014/main" id="{7CF2B1DE-1C5B-4D87-AF18-F73C2D884997}"/>
               </a:ext>
             </a:extLst>
           </p:cNvPr>
@@ -7689,23 +7596,48 @@
           <a:lstStyle/>
           <a:p>
             <a:r>
-              <a:rPr lang="en-US" noProof="0" dirty="0" err="1">
-                <a:latin typeface="Consolas" panose="020B0609020204030204" pitchFamily="49" charset="0"/>
-              </a:rPr>
-              <a:t>whoami</a:t>
-            </a:r>
-            <a:endParaRPr lang="en-US" noProof="0" dirty="0">
-              <a:latin typeface="Consolas" panose="020B0609020204030204" pitchFamily="49" charset="0"/>
-            </a:endParaRPr>
-          </a:p>
-        </p:txBody>
-      </p:sp>
-      <p:sp>
-        <p:nvSpPr>
-          <p:cNvPr id="3" name="Content Placeholder 2">
+              <a:rPr lang="en-US" noProof="0" dirty="0"/>
+              <a:t>Cloud computing: principal vendors</a:t>
+            </a:r>
+          </a:p>
+        </p:txBody>
+      </p:sp>
+      <p:sp>
+        <p:nvSpPr>
+          <p:cNvPr id="5" name="Segnaposto numero diapositiva 4">
             <a:extLst>
               <a:ext uri="{FF2B5EF4-FFF2-40B4-BE49-F238E27FC236}">
-                <a16:creationId xmlns:a16="http://schemas.microsoft.com/office/drawing/2014/main" id="{95130149-E645-45F9-9DA0-3DFE1B77B9EE}"/>
+                <a16:creationId xmlns:a16="http://schemas.microsoft.com/office/drawing/2014/main" id="{A0230BAD-1813-4EB9-ABE5-CEE9DD844708}"/>
+              </a:ext>
+            </a:extLst>
+          </p:cNvPr>
+          <p:cNvSpPr>
+            <a:spLocks noGrp="1"/>
+          </p:cNvSpPr>
+          <p:nvPr>
+            <p:ph type="sldNum" sz="quarter" idx="12"/>
+          </p:nvPr>
+        </p:nvSpPr>
+        <p:spPr/>
+        <p:txBody>
+          <a:bodyPr/>
+          <a:lstStyle/>
+          <a:p>
+            <a:fld id="{5DD6F1BA-2510-46FC-9346-AB1F3CA1593B}" type="slidenum">
+              <a:rPr lang="it-IT" smtClean="0"/>
+              <a:pPr/>
+              <a:t>19</a:t>
+            </a:fld>
+            <a:endParaRPr lang="it-IT" dirty="0"/>
+          </a:p>
+        </p:txBody>
+      </p:sp>
+      <p:sp>
+        <p:nvSpPr>
+          <p:cNvPr id="10" name="Content Placeholder 9">
+            <a:extLst>
+              <a:ext uri="{FF2B5EF4-FFF2-40B4-BE49-F238E27FC236}">
+                <a16:creationId xmlns:a16="http://schemas.microsoft.com/office/drawing/2014/main" id="{2874FDDE-4274-48A7-89A1-B25380AF7715}"/>
               </a:ext>
             </a:extLst>
           </p:cNvPr>
@@ -7716,195 +7648,97 @@
             <p:ph idx="1"/>
           </p:nvPr>
         </p:nvSpPr>
-        <p:spPr/>
-        <p:txBody>
-          <a:bodyPr>
-            <a:normAutofit/>
-          </a:bodyPr>
+        <p:spPr>
+          <a:xfrm>
+            <a:off x="735063" y="1415962"/>
+            <a:ext cx="6122938" cy="5376416"/>
+          </a:xfrm>
+        </p:spPr>
+        <p:txBody>
+          <a:bodyPr/>
           <a:lstStyle/>
           <a:p>
             <a:r>
               <a:rPr lang="en-US" noProof="0" dirty="0"/>
-              <a:t>Matteo Francia, Ph.D.</a:t>
+              <a:t>Gartner Magic Quadrant</a:t>
             </a:r>
           </a:p>
           <a:p>
             <a:pPr lvl="1"/>
             <a:r>
               <a:rPr lang="en-US" noProof="0" dirty="0"/>
-              <a:t>Email: </a:t>
-            </a:r>
-            <a:r>
-              <a:rPr lang="en-US" noProof="0" dirty="0">
-                <a:hlinkClick r:id="rId2"/>
-              </a:rPr>
-              <a:t>m.francia@unibo.it</a:t>
-            </a:r>
-            <a:endParaRPr lang="en-US" noProof="0" dirty="0"/>
+              <a:t>Understanding the technology providers to consider for an investment</a:t>
+            </a:r>
           </a:p>
           <a:p>
             <a:pPr lvl="1"/>
             <a:r>
+              <a:rPr lang="en-US" b="1" noProof="0" dirty="0"/>
+              <a:t>Leaders</a:t>
+            </a:r>
+            <a:r>
               <a:rPr lang="en-US" noProof="0" dirty="0"/>
-              <a:t>Assistant professor (junior) @ DISI --- UniBO</a:t>
+              <a:t> execute well and are well positioned for tomorrow</a:t>
             </a:r>
           </a:p>
           <a:p>
             <a:pPr lvl="1"/>
             <a:r>
+              <a:rPr lang="en-US" b="1" noProof="0" dirty="0"/>
+              <a:t>Visionaries</a:t>
+            </a:r>
+            <a:r>
               <a:rPr lang="en-US" noProof="0" dirty="0"/>
-              <a:t>Teacher of “Big Data and Cloud Platforms”</a:t>
-            </a:r>
-          </a:p>
-          <a:p>
+              <a:t> understand where the market is going but do not yet execute well</a:t>
+            </a:r>
+          </a:p>
+          <a:p>
+            <a:pPr lvl="1"/>
+            <a:r>
+              <a:rPr lang="en-US" b="1" noProof="0" dirty="0"/>
+              <a:t>Niche Players</a:t>
+            </a:r>
             <a:r>
               <a:rPr lang="en-US" noProof="0" dirty="0"/>
-              <a:t>Research topics</a:t>
+              <a:t> focus successfully on a small segment, or are unfocused and do not out-innovate or outperform others</a:t>
             </a:r>
           </a:p>
           <a:p>
             <a:pPr lvl="1"/>
             <a:r>
+              <a:rPr lang="en-US" b="1" noProof="0" dirty="0"/>
+              <a:t>Challengers</a:t>
+            </a:r>
+            <a:r>
               <a:rPr lang="en-US" noProof="0" dirty="0"/>
-              <a:t>Big data / database / business intelligence</a:t>
+              <a:t> execute well but do not demonstrate an understanding of market direction</a:t>
             </a:r>
           </a:p>
           <a:p>
             <a:pPr lvl="1"/>
             <a:r>
               <a:rPr lang="en-US" noProof="0" dirty="0"/>
-              <a:t>Precision agriculture and </a:t>
-            </a:r>
-            <a:r>
-              <a:rPr lang="en-US" noProof="0" dirty="0" err="1"/>
-              <a:t>spatio</a:t>
-            </a:r>
+              <a:t>Focusing on leaders isn’t always the best</a:t>
+            </a:r>
+          </a:p>
+          <a:p>
+            <a:pPr lvl="2"/>
             <a:r>
               <a:rPr lang="en-US" noProof="0" dirty="0"/>
-              <a:t>-temporal analytics</a:t>
-            </a:r>
-          </a:p>
-          <a:p>
-            <a:r>
-              <a:rPr lang="en-US" noProof="0" dirty="0"/>
-              <a:t>BIG (Business Intelligence Group)</a:t>
-            </a:r>
-          </a:p>
-          <a:p>
-            <a:pPr lvl="1"/>
-            <a:r>
-              <a:rPr lang="en-US" dirty="0"/>
-              <a:t>             </a:t>
-            </a:r>
-            <a:r>
-              <a:rPr lang="en-US" noProof="0" dirty="0">
-                <a:hlinkClick r:id="rId3"/>
-              </a:rPr>
-              <a:t>https://big.csr.unibo.it/</a:t>
-            </a:r>
-            <a:endParaRPr lang="en-US" noProof="0" dirty="0"/>
-          </a:p>
-          <a:p>
-            <a:pPr lvl="1"/>
-            <a:r>
-              <a:rPr lang="en-US" dirty="0"/>
-              <a:t>Thanks to E. Gallinucci, M. Golfarelli, </a:t>
-            </a:r>
-            <a:br>
-              <a:rPr lang="en-US" dirty="0"/>
-            </a:br>
-            <a:r>
-              <a:rPr lang="en-US" dirty="0"/>
-              <a:t>S. Rizzi, J. Giovanelli, C. </a:t>
-            </a:r>
-            <a:r>
-              <a:rPr lang="en-US" dirty="0" err="1"/>
-              <a:t>Forresi</a:t>
-            </a:r>
-            <a:br>
-              <a:rPr lang="en-US" dirty="0"/>
-            </a:br>
-            <a:r>
-              <a:rPr lang="en-US" dirty="0"/>
-              <a:t>for the shared effort and materials</a:t>
-            </a:r>
-          </a:p>
-        </p:txBody>
-      </p:sp>
-      <p:sp>
-        <p:nvSpPr>
-          <p:cNvPr id="4" name="Footer Placeholder 3">
+              <a:t>A niche player may support needs better than a market leader. It depends on how the provider aligns with business goals</a:t>
+            </a:r>
+          </a:p>
+          <a:p>
+            <a:endParaRPr lang="en-US" dirty="0"/>
+          </a:p>
+        </p:txBody>
+      </p:sp>
+      <p:pic>
+        <p:nvPicPr>
+          <p:cNvPr id="11" name="Segnaposto contenuto 6">
             <a:extLst>
               <a:ext uri="{FF2B5EF4-FFF2-40B4-BE49-F238E27FC236}">
-                <a16:creationId xmlns:a16="http://schemas.microsoft.com/office/drawing/2014/main" id="{33DFDC81-98DC-4027-B08D-07B436A67BB1}"/>
-              </a:ext>
-            </a:extLst>
-          </p:cNvPr>
-          <p:cNvSpPr>
-            <a:spLocks noGrp="1"/>
-          </p:cNvSpPr>
-          <p:nvPr>
-            <p:ph type="ftr" sz="quarter" idx="4294967295"/>
-          </p:nvPr>
-        </p:nvSpPr>
-        <p:spPr>
-          <a:xfrm>
-            <a:off x="0" y="7156450"/>
-            <a:ext cx="2487613" cy="403225"/>
-          </a:xfrm>
-          <a:prstGeom prst="rect">
-            <a:avLst/>
-          </a:prstGeom>
-        </p:spPr>
-        <p:txBody>
-          <a:bodyPr/>
-          <a:lstStyle/>
-          <a:p>
-            <a:endParaRPr lang="it-IT" dirty="0"/>
-          </a:p>
-        </p:txBody>
-      </p:sp>
-      <p:sp>
-        <p:nvSpPr>
-          <p:cNvPr id="5" name="Slide Number Placeholder 4">
-            <a:extLst>
-              <a:ext uri="{FF2B5EF4-FFF2-40B4-BE49-F238E27FC236}">
-                <a16:creationId xmlns:a16="http://schemas.microsoft.com/office/drawing/2014/main" id="{DF1FDB96-21A1-4C78-BA56-99EF5FE79805}"/>
-              </a:ext>
-            </a:extLst>
-          </p:cNvPr>
-          <p:cNvSpPr>
-            <a:spLocks noGrp="1"/>
-          </p:cNvSpPr>
-          <p:nvPr>
-            <p:ph type="sldNum" sz="quarter" idx="12"/>
-          </p:nvPr>
-        </p:nvSpPr>
-        <p:spPr>
-          <a:xfrm>
-            <a:off x="8286750" y="7007225"/>
-            <a:ext cx="2405063" cy="401638"/>
-          </a:xfrm>
-        </p:spPr>
-        <p:txBody>
-          <a:bodyPr/>
-          <a:lstStyle/>
-          <a:p>
-            <a:fld id="{5DD6F1BA-2510-46FC-9346-AB1F3CA1593B}" type="slidenum">
-              <a:rPr lang="it-IT" smtClean="0"/>
-              <a:pPr/>
-              <a:t>2</a:t>
-            </a:fld>
-            <a:endParaRPr lang="it-IT" dirty="0"/>
-          </a:p>
-        </p:txBody>
-      </p:sp>
-      <p:pic>
-        <p:nvPicPr>
-          <p:cNvPr id="7" name="Segnaposto contenuto 8">
-            <a:extLst>
-              <a:ext uri="{FF2B5EF4-FFF2-40B4-BE49-F238E27FC236}">
-                <a16:creationId xmlns:a16="http://schemas.microsoft.com/office/drawing/2014/main" id="{40DCFD12-E468-40CE-90AD-ABBBDC636BE8}"/>
+                <a16:creationId xmlns:a16="http://schemas.microsoft.com/office/drawing/2014/main" id="{E65D7969-B354-47F3-81EE-AD1F5BC97A8A}"/>
               </a:ext>
             </a:extLst>
           </p:cNvPr>
@@ -7914,7 +7748,7 @@
           <p:nvPr/>
         </p:nvPicPr>
         <p:blipFill>
-          <a:blip r:embed="rId4" cstate="print">
+          <a:blip r:embed="rId2" cstate="print">
             <a:extLst>
               <a:ext uri="{28A0092B-C50C-407E-A947-70E740481C1C}">
                 <a14:useLocalDpi xmlns:a14="http://schemas.microsoft.com/office/drawing/2010/main" val="0"/>
@@ -7927,842 +7761,112 @@
         </p:blipFill>
         <p:spPr>
           <a:xfrm>
-            <a:off x="1718709" y="4529215"/>
-            <a:ext cx="657766" cy="388438"/>
+            <a:off x="6896870" y="2065600"/>
+            <a:ext cx="3794943" cy="3815726"/>
           </a:xfrm>
           <a:prstGeom prst="rect">
             <a:avLst/>
           </a:prstGeom>
         </p:spPr>
       </p:pic>
-      <p:cxnSp>
-        <p:nvCxnSpPr>
-          <p:cNvPr id="8" name="Connettore 1 29">
+    </p:spTree>
+    <p:extLst>
+      <p:ext uri="{BB962C8B-B14F-4D97-AF65-F5344CB8AC3E}">
+        <p14:creationId xmlns:p14="http://schemas.microsoft.com/office/powerpoint/2010/main" val="1607108792"/>
+      </p:ext>
+    </p:extLst>
+  </p:cSld>
+  <p:clrMapOvr>
+    <a:masterClrMapping/>
+  </p:clrMapOvr>
+</p:sld>
+</file>
+
+<file path=ppt/slides/slide2.xml><?xml version="1.0" encoding="utf-8"?>
+<p:sld xmlns:a="http://schemas.openxmlformats.org/drawingml/2006/main" xmlns:r="http://schemas.openxmlformats.org/officeDocument/2006/relationships" xmlns:p="http://schemas.openxmlformats.org/presentationml/2006/main">
+  <p:cSld>
+    <p:bg>
+      <p:bgPr>
+        <a:solidFill>
+          <a:srgbClr val="008000">
+            <a:alpha val="40000"/>
+          </a:srgbClr>
+        </a:solidFill>
+        <a:effectLst/>
+      </p:bgPr>
+    </p:bg>
+    <p:spTree>
+      <p:nvGrpSpPr>
+        <p:cNvPr id="1" name=""/>
+        <p:cNvGrpSpPr/>
+        <p:nvPr/>
+      </p:nvGrpSpPr>
+      <p:grpSpPr>
+        <a:xfrm>
+          <a:off x="0" y="0"/>
+          <a:ext cx="0" cy="0"/>
+          <a:chOff x="0" y="0"/>
+          <a:chExt cx="0" cy="0"/>
+        </a:xfrm>
+      </p:grpSpPr>
+      <p:sp>
+        <p:nvSpPr>
+          <p:cNvPr id="4" name="Title 3">
             <a:extLst>
               <a:ext uri="{FF2B5EF4-FFF2-40B4-BE49-F238E27FC236}">
-                <a16:creationId xmlns:a16="http://schemas.microsoft.com/office/drawing/2014/main" id="{332FA901-3DDF-43B2-BA40-F6A39237D14A}"/>
+                <a16:creationId xmlns:a16="http://schemas.microsoft.com/office/drawing/2014/main" id="{131D4650-0CAE-44EA-A0F2-84FEF7ACF1D8}"/>
               </a:ext>
             </a:extLst>
           </p:cNvPr>
-          <p:cNvCxnSpPr/>
-          <p:nvPr/>
-        </p:nvCxnSpPr>
-        <p:spPr>
-          <a:xfrm flipV="1">
-            <a:off x="9489938" y="3935907"/>
-            <a:ext cx="748930" cy="498986"/>
-          </a:xfrm>
-          <a:prstGeom prst="line">
-            <a:avLst/>
-          </a:prstGeom>
-          <a:ln w="57150">
-            <a:solidFill>
-              <a:schemeClr val="tx2">
-                <a:lumMod val="60000"/>
-                <a:lumOff val="40000"/>
-                <a:alpha val="48000"/>
-              </a:schemeClr>
-            </a:solidFill>
-          </a:ln>
-        </p:spPr>
-        <p:style>
-          <a:lnRef idx="1">
-            <a:schemeClr val="accent1"/>
-          </a:lnRef>
-          <a:fillRef idx="0">
-            <a:schemeClr val="accent1"/>
-          </a:fillRef>
-          <a:effectRef idx="0">
-            <a:schemeClr val="accent1"/>
-          </a:effectRef>
-          <a:fontRef idx="minor">
-            <a:schemeClr val="tx1"/>
-          </a:fontRef>
-        </p:style>
-      </p:cxnSp>
-      <p:cxnSp>
-        <p:nvCxnSpPr>
-          <p:cNvPr id="9" name="Connettore 1 29">
+          <p:cNvSpPr>
+            <a:spLocks noGrp="1"/>
+          </p:cNvSpPr>
+          <p:nvPr>
+            <p:ph type="title"/>
+          </p:nvPr>
+        </p:nvSpPr>
+        <p:spPr/>
+        <p:txBody>
+          <a:bodyPr/>
+          <a:lstStyle/>
+          <a:p>
+            <a:r>
+              <a:rPr lang="it-IT" dirty="0"/>
+              <a:t>Background</a:t>
+            </a:r>
+            <a:endParaRPr lang="en-US" dirty="0"/>
+          </a:p>
+        </p:txBody>
+      </p:sp>
+      <p:sp>
+        <p:nvSpPr>
+          <p:cNvPr id="5" name="Text Placeholder 4">
             <a:extLst>
               <a:ext uri="{FF2B5EF4-FFF2-40B4-BE49-F238E27FC236}">
-                <a16:creationId xmlns:a16="http://schemas.microsoft.com/office/drawing/2014/main" id="{2D6EF1C8-8357-4AC6-A51D-8122AEDCF2FF}"/>
+                <a16:creationId xmlns:a16="http://schemas.microsoft.com/office/drawing/2014/main" id="{CEF1704A-4E2E-4A97-9722-03A39BC676DA}"/>
               </a:ext>
             </a:extLst>
           </p:cNvPr>
-          <p:cNvCxnSpPr/>
-          <p:nvPr/>
-        </p:nvCxnSpPr>
-        <p:spPr>
-          <a:xfrm flipV="1">
-            <a:off x="8358200" y="4417614"/>
-            <a:ext cx="1145942" cy="458301"/>
-          </a:xfrm>
-          <a:prstGeom prst="line">
-            <a:avLst/>
-          </a:prstGeom>
-          <a:ln w="57150">
-            <a:solidFill>
-              <a:schemeClr val="tx2">
-                <a:lumMod val="75000"/>
-              </a:schemeClr>
-            </a:solidFill>
-          </a:ln>
-        </p:spPr>
-        <p:style>
-          <a:lnRef idx="1">
-            <a:schemeClr val="accent1"/>
-          </a:lnRef>
-          <a:fillRef idx="0">
-            <a:schemeClr val="accent1"/>
-          </a:fillRef>
-          <a:effectRef idx="0">
-            <a:schemeClr val="accent1"/>
-          </a:effectRef>
-          <a:fontRef idx="minor">
-            <a:schemeClr val="tx1"/>
-          </a:fontRef>
-        </p:style>
-      </p:cxnSp>
-      <p:cxnSp>
-        <p:nvCxnSpPr>
-          <p:cNvPr id="10" name="Connettore 1 26">
-            <a:extLst>
-              <a:ext uri="{FF2B5EF4-FFF2-40B4-BE49-F238E27FC236}">
-                <a16:creationId xmlns:a16="http://schemas.microsoft.com/office/drawing/2014/main" id="{3BBC891F-A2D2-4A13-8265-1A8F17AB9096}"/>
-              </a:ext>
-            </a:extLst>
-          </p:cNvPr>
-          <p:cNvCxnSpPr/>
-          <p:nvPr/>
-        </p:nvCxnSpPr>
-        <p:spPr>
-          <a:xfrm flipV="1">
-            <a:off x="8069011" y="4875915"/>
-            <a:ext cx="289987" cy="814975"/>
-          </a:xfrm>
-          <a:prstGeom prst="line">
-            <a:avLst/>
-          </a:prstGeom>
-          <a:ln w="57150">
-            <a:solidFill>
-              <a:schemeClr val="tx2">
-                <a:lumMod val="75000"/>
-              </a:schemeClr>
-            </a:solidFill>
-          </a:ln>
-        </p:spPr>
-        <p:style>
-          <a:lnRef idx="1">
-            <a:schemeClr val="accent1"/>
-          </a:lnRef>
-          <a:fillRef idx="0">
-            <a:schemeClr val="accent1"/>
-          </a:fillRef>
-          <a:effectRef idx="0">
-            <a:schemeClr val="accent1"/>
-          </a:effectRef>
-          <a:fontRef idx="minor">
-            <a:schemeClr val="tx1"/>
-          </a:fontRef>
-        </p:style>
-      </p:cxnSp>
-      <p:cxnSp>
-        <p:nvCxnSpPr>
-          <p:cNvPr id="11" name="Connettore 1 23">
-            <a:extLst>
-              <a:ext uri="{FF2B5EF4-FFF2-40B4-BE49-F238E27FC236}">
-                <a16:creationId xmlns:a16="http://schemas.microsoft.com/office/drawing/2014/main" id="{F583A64E-A69D-4FD5-82F5-046E40C7A108}"/>
-              </a:ext>
-            </a:extLst>
-          </p:cNvPr>
-          <p:cNvCxnSpPr/>
-          <p:nvPr/>
-        </p:nvCxnSpPr>
-        <p:spPr>
-          <a:xfrm flipV="1">
-            <a:off x="7116914" y="5666938"/>
-            <a:ext cx="934357" cy="174660"/>
-          </a:xfrm>
-          <a:prstGeom prst="line">
-            <a:avLst/>
-          </a:prstGeom>
-          <a:ln w="57150">
-            <a:solidFill>
-              <a:schemeClr val="tx2">
-                <a:lumMod val="75000"/>
-              </a:schemeClr>
-            </a:solidFill>
-          </a:ln>
-        </p:spPr>
-        <p:style>
-          <a:lnRef idx="1">
-            <a:schemeClr val="accent1"/>
-          </a:lnRef>
-          <a:fillRef idx="0">
-            <a:schemeClr val="accent1"/>
-          </a:fillRef>
-          <a:effectRef idx="0">
-            <a:schemeClr val="accent1"/>
-          </a:effectRef>
-          <a:fontRef idx="minor">
-            <a:schemeClr val="tx1"/>
-          </a:fontRef>
-        </p:style>
-      </p:cxnSp>
-      <p:cxnSp>
-        <p:nvCxnSpPr>
-          <p:cNvPr id="13" name="Connettore 1 18">
-            <a:extLst>
-              <a:ext uri="{FF2B5EF4-FFF2-40B4-BE49-F238E27FC236}">
-                <a16:creationId xmlns:a16="http://schemas.microsoft.com/office/drawing/2014/main" id="{D51789AF-345E-4584-B0DC-29872A07D75D}"/>
-              </a:ext>
-            </a:extLst>
-          </p:cNvPr>
-          <p:cNvCxnSpPr/>
-          <p:nvPr/>
-        </p:nvCxnSpPr>
-        <p:spPr>
-          <a:xfrm flipV="1">
-            <a:off x="6325797" y="5850289"/>
-            <a:ext cx="791576" cy="606841"/>
-          </a:xfrm>
-          <a:prstGeom prst="line">
-            <a:avLst/>
-          </a:prstGeom>
-          <a:ln w="57150">
-            <a:solidFill>
-              <a:schemeClr val="tx2">
-                <a:lumMod val="75000"/>
-              </a:schemeClr>
-            </a:solidFill>
-          </a:ln>
-        </p:spPr>
-        <p:style>
-          <a:lnRef idx="1">
-            <a:schemeClr val="accent1"/>
-          </a:lnRef>
-          <a:fillRef idx="0">
-            <a:schemeClr val="accent1"/>
-          </a:fillRef>
-          <a:effectRef idx="0">
-            <a:schemeClr val="accent1"/>
-          </a:effectRef>
-          <a:fontRef idx="minor">
-            <a:schemeClr val="tx1"/>
-          </a:fontRef>
-        </p:style>
-      </p:cxnSp>
-      <p:sp>
-        <p:nvSpPr>
-          <p:cNvPr id="14" name="Ovale 2">
-            <a:extLst>
-              <a:ext uri="{FF2B5EF4-FFF2-40B4-BE49-F238E27FC236}">
-                <a16:creationId xmlns:a16="http://schemas.microsoft.com/office/drawing/2014/main" id="{63F2D86A-0516-4CC1-8F4B-4FBC018E21C2}"/>
-              </a:ext>
-            </a:extLst>
-          </p:cNvPr>
-          <p:cNvSpPr/>
-          <p:nvPr/>
-        </p:nvSpPr>
-        <p:spPr>
-          <a:xfrm>
-            <a:off x="7922550" y="5538216"/>
-            <a:ext cx="257442" cy="257442"/>
-          </a:xfrm>
-          <a:prstGeom prst="ellipse">
-            <a:avLst/>
-          </a:prstGeom>
-          <a:solidFill>
-            <a:srgbClr val="FFFFFF"/>
-          </a:solidFill>
-          <a:ln w="76200">
-            <a:solidFill>
-              <a:schemeClr val="tx2">
-                <a:lumMod val="75000"/>
-              </a:schemeClr>
-            </a:solidFill>
-          </a:ln>
-        </p:spPr>
-        <p:style>
-          <a:lnRef idx="2">
-            <a:schemeClr val="accent1">
-              <a:shade val="50000"/>
-            </a:schemeClr>
-          </a:lnRef>
-          <a:fillRef idx="1">
-            <a:schemeClr val="accent1"/>
-          </a:fillRef>
-          <a:effectRef idx="0">
-            <a:schemeClr val="accent1"/>
-          </a:effectRef>
-          <a:fontRef idx="minor">
-            <a:schemeClr val="lt1"/>
-          </a:fontRef>
-        </p:style>
-        <p:txBody>
-          <a:bodyPr rtlCol="0" anchor="ctr"/>
+          <p:cNvSpPr>
+            <a:spLocks noGrp="1"/>
+          </p:cNvSpPr>
+          <p:nvPr>
+            <p:ph type="body" idx="1"/>
+          </p:nvPr>
+        </p:nvSpPr>
+        <p:spPr/>
+        <p:txBody>
+          <a:bodyPr/>
           <a:lstStyle/>
           <a:p>
-            <a:pPr algn="ctr"/>
-            <a:endParaRPr lang="en-US" sz="1228" dirty="0">
-              <a:latin typeface="Helvetica" panose="020B0604020202020204" pitchFamily="34" charset="0"/>
-              <a:cs typeface="Helvetica" panose="020B0604020202020204" pitchFamily="34" charset="0"/>
-            </a:endParaRPr>
-          </a:p>
-        </p:txBody>
-      </p:sp>
-      <p:sp>
-        <p:nvSpPr>
-          <p:cNvPr id="15" name="Ovale 6">
-            <a:extLst>
-              <a:ext uri="{FF2B5EF4-FFF2-40B4-BE49-F238E27FC236}">
-                <a16:creationId xmlns:a16="http://schemas.microsoft.com/office/drawing/2014/main" id="{601A6C1F-BA7C-4788-83ED-85810DC45949}"/>
-              </a:ext>
-            </a:extLst>
-          </p:cNvPr>
-          <p:cNvSpPr/>
-          <p:nvPr/>
-        </p:nvSpPr>
-        <p:spPr>
-          <a:xfrm>
-            <a:off x="6197076" y="6314561"/>
-            <a:ext cx="257442" cy="257442"/>
-          </a:xfrm>
-          <a:prstGeom prst="ellipse">
-            <a:avLst/>
-          </a:prstGeom>
-          <a:solidFill>
-            <a:srgbClr val="FFFFFF"/>
-          </a:solidFill>
-          <a:ln w="76200">
-            <a:solidFill>
-              <a:schemeClr val="tx2">
-                <a:lumMod val="75000"/>
-              </a:schemeClr>
-            </a:solidFill>
-          </a:ln>
-        </p:spPr>
-        <p:style>
-          <a:lnRef idx="2">
-            <a:schemeClr val="accent1">
-              <a:shade val="50000"/>
-            </a:schemeClr>
-          </a:lnRef>
-          <a:fillRef idx="1">
-            <a:schemeClr val="accent1"/>
-          </a:fillRef>
-          <a:effectRef idx="0">
-            <a:schemeClr val="accent1"/>
-          </a:effectRef>
-          <a:fontRef idx="minor">
-            <a:schemeClr val="lt1"/>
-          </a:fontRef>
-        </p:style>
-        <p:txBody>
-          <a:bodyPr rtlCol="0" anchor="ctr"/>
-          <a:lstStyle/>
-          <a:p>
-            <a:pPr algn="ctr"/>
-            <a:endParaRPr lang="en-US" sz="1228" dirty="0">
-              <a:latin typeface="Helvetica" panose="020B0604020202020204" pitchFamily="34" charset="0"/>
-              <a:cs typeface="Helvetica" panose="020B0604020202020204" pitchFamily="34" charset="0"/>
-            </a:endParaRPr>
-          </a:p>
-        </p:txBody>
-      </p:sp>
-      <p:sp>
-        <p:nvSpPr>
-          <p:cNvPr id="16" name="Ovale 7">
-            <a:extLst>
-              <a:ext uri="{FF2B5EF4-FFF2-40B4-BE49-F238E27FC236}">
-                <a16:creationId xmlns:a16="http://schemas.microsoft.com/office/drawing/2014/main" id="{718F7289-2719-46E7-8860-CC9C11442F3F}"/>
-              </a:ext>
-            </a:extLst>
-          </p:cNvPr>
-          <p:cNvSpPr/>
-          <p:nvPr/>
-        </p:nvSpPr>
-        <p:spPr>
-          <a:xfrm>
-            <a:off x="6988652" y="5712877"/>
-            <a:ext cx="257442" cy="257442"/>
-          </a:xfrm>
-          <a:prstGeom prst="ellipse">
-            <a:avLst/>
-          </a:prstGeom>
-          <a:solidFill>
-            <a:srgbClr val="FFFFFF"/>
-          </a:solidFill>
-          <a:ln w="76200">
-            <a:solidFill>
-              <a:schemeClr val="tx2">
-                <a:lumMod val="75000"/>
-              </a:schemeClr>
-            </a:solidFill>
-          </a:ln>
-        </p:spPr>
-        <p:style>
-          <a:lnRef idx="2">
-            <a:schemeClr val="accent1">
-              <a:shade val="50000"/>
-            </a:schemeClr>
-          </a:lnRef>
-          <a:fillRef idx="1">
-            <a:schemeClr val="accent1"/>
-          </a:fillRef>
-          <a:effectRef idx="0">
-            <a:schemeClr val="accent1"/>
-          </a:effectRef>
-          <a:fontRef idx="minor">
-            <a:schemeClr val="lt1"/>
-          </a:fontRef>
-        </p:style>
-        <p:txBody>
-          <a:bodyPr rtlCol="0" anchor="ctr"/>
-          <a:lstStyle/>
-          <a:p>
-            <a:pPr algn="ctr"/>
-            <a:endParaRPr lang="en-US" sz="1228" dirty="0">
-              <a:latin typeface="Helvetica" panose="020B0604020202020204" pitchFamily="34" charset="0"/>
-              <a:cs typeface="Helvetica" panose="020B0604020202020204" pitchFamily="34" charset="0"/>
-            </a:endParaRPr>
-          </a:p>
-        </p:txBody>
-      </p:sp>
-      <p:sp>
-        <p:nvSpPr>
-          <p:cNvPr id="17" name="Ovale 8">
-            <a:extLst>
-              <a:ext uri="{FF2B5EF4-FFF2-40B4-BE49-F238E27FC236}">
-                <a16:creationId xmlns:a16="http://schemas.microsoft.com/office/drawing/2014/main" id="{349A04FA-62F3-41B8-937A-7C7C77015184}"/>
-              </a:ext>
-            </a:extLst>
-          </p:cNvPr>
-          <p:cNvSpPr/>
-          <p:nvPr/>
-        </p:nvSpPr>
-        <p:spPr>
-          <a:xfrm>
-            <a:off x="8230278" y="4735135"/>
-            <a:ext cx="257442" cy="257442"/>
-          </a:xfrm>
-          <a:prstGeom prst="ellipse">
-            <a:avLst/>
-          </a:prstGeom>
-          <a:solidFill>
-            <a:srgbClr val="FFFFFF"/>
-          </a:solidFill>
-          <a:ln w="76200">
-            <a:solidFill>
-              <a:schemeClr val="tx2">
-                <a:lumMod val="75000"/>
-              </a:schemeClr>
-            </a:solidFill>
-          </a:ln>
-        </p:spPr>
-        <p:style>
-          <a:lnRef idx="2">
-            <a:schemeClr val="accent1">
-              <a:shade val="50000"/>
-            </a:schemeClr>
-          </a:lnRef>
-          <a:fillRef idx="1">
-            <a:schemeClr val="accent1"/>
-          </a:fillRef>
-          <a:effectRef idx="0">
-            <a:schemeClr val="accent1"/>
-          </a:effectRef>
-          <a:fontRef idx="minor">
-            <a:schemeClr val="lt1"/>
-          </a:fontRef>
-        </p:style>
-        <p:txBody>
-          <a:bodyPr rtlCol="0" anchor="ctr"/>
-          <a:lstStyle/>
-          <a:p>
-            <a:pPr algn="ctr"/>
-            <a:endParaRPr lang="en-US" sz="1228" dirty="0">
-              <a:latin typeface="Helvetica" panose="020B0604020202020204" pitchFamily="34" charset="0"/>
-              <a:cs typeface="Helvetica" panose="020B0604020202020204" pitchFamily="34" charset="0"/>
-            </a:endParaRPr>
-          </a:p>
-        </p:txBody>
-      </p:sp>
-      <p:sp>
-        <p:nvSpPr>
-          <p:cNvPr id="18" name="Rettangolo 9">
-            <a:extLst>
-              <a:ext uri="{FF2B5EF4-FFF2-40B4-BE49-F238E27FC236}">
-                <a16:creationId xmlns:a16="http://schemas.microsoft.com/office/drawing/2014/main" id="{82CE715F-98FB-4B93-9026-EB4D87A10C4F}"/>
-              </a:ext>
-            </a:extLst>
-          </p:cNvPr>
-          <p:cNvSpPr/>
-          <p:nvPr/>
-        </p:nvSpPr>
-        <p:spPr>
-          <a:xfrm>
-            <a:off x="6327649" y="6451419"/>
-            <a:ext cx="1351652" cy="369332"/>
-          </a:xfrm>
-          <a:prstGeom prst="rect">
-            <a:avLst/>
-          </a:prstGeom>
-        </p:spPr>
-        <p:txBody>
-          <a:bodyPr wrap="none">
-            <a:spAutoFit/>
-          </a:bodyPr>
-          <a:lstStyle/>
-          <a:p>
-            <a:pPr marL="0" lvl="1" algn="ctr">
-              <a:defRPr/>
-            </a:pPr>
-            <a:r>
-              <a:rPr lang="en-US" sz="1800" dirty="0">
-                <a:latin typeface="Helvetica" panose="020B0604020202020204" pitchFamily="34" charset="0"/>
-                <a:cs typeface="Helvetica" panose="020B0604020202020204" pitchFamily="34" charset="0"/>
-              </a:rPr>
-              <a:t>DW Design</a:t>
-            </a:r>
-          </a:p>
-        </p:txBody>
-      </p:sp>
-      <p:sp>
-        <p:nvSpPr>
-          <p:cNvPr id="19" name="Rettangolo 10">
-            <a:extLst>
-              <a:ext uri="{FF2B5EF4-FFF2-40B4-BE49-F238E27FC236}">
-                <a16:creationId xmlns:a16="http://schemas.microsoft.com/office/drawing/2014/main" id="{CED14B82-992F-4945-B5F5-3506F6B52EF6}"/>
-              </a:ext>
-            </a:extLst>
-          </p:cNvPr>
-          <p:cNvSpPr/>
-          <p:nvPr/>
-        </p:nvSpPr>
-        <p:spPr>
-          <a:xfrm>
-            <a:off x="5642672" y="5388990"/>
-            <a:ext cx="1864614" cy="369332"/>
-          </a:xfrm>
-          <a:prstGeom prst="rect">
-            <a:avLst/>
-          </a:prstGeom>
-        </p:spPr>
-        <p:txBody>
-          <a:bodyPr wrap="none">
-            <a:spAutoFit/>
-          </a:bodyPr>
-          <a:lstStyle/>
-          <a:p>
-            <a:pPr marL="0" lvl="1" algn="ctr">
-              <a:defRPr/>
-            </a:pPr>
-            <a:r>
-              <a:rPr lang="en-US" sz="1800" dirty="0">
-                <a:latin typeface="Helvetica" panose="020B0604020202020204" pitchFamily="34" charset="0"/>
-                <a:cs typeface="Helvetica" panose="020B0604020202020204" pitchFamily="34" charset="0"/>
-              </a:rPr>
-              <a:t>DW optimization</a:t>
-            </a:r>
-          </a:p>
-        </p:txBody>
-      </p:sp>
-      <p:sp>
-        <p:nvSpPr>
-          <p:cNvPr id="20" name="Rettangolo 11">
-            <a:extLst>
-              <a:ext uri="{FF2B5EF4-FFF2-40B4-BE49-F238E27FC236}">
-                <a16:creationId xmlns:a16="http://schemas.microsoft.com/office/drawing/2014/main" id="{B34E7B50-FD87-4C20-8636-D96AC7225130}"/>
-              </a:ext>
-            </a:extLst>
-          </p:cNvPr>
-          <p:cNvSpPr/>
-          <p:nvPr/>
-        </p:nvSpPr>
-        <p:spPr>
-          <a:xfrm>
-            <a:off x="8183609" y="5767890"/>
-            <a:ext cx="1415773" cy="369332"/>
-          </a:xfrm>
-          <a:prstGeom prst="rect">
-            <a:avLst/>
-          </a:prstGeom>
-        </p:spPr>
-        <p:txBody>
-          <a:bodyPr wrap="none">
-            <a:spAutoFit/>
-          </a:bodyPr>
-          <a:lstStyle/>
-          <a:p>
-            <a:pPr marL="0" lvl="1" algn="ctr">
-              <a:defRPr/>
-            </a:pPr>
-            <a:r>
-              <a:rPr lang="en-US" sz="1800" dirty="0">
-                <a:latin typeface="Helvetica" panose="020B0604020202020204" pitchFamily="34" charset="0"/>
-                <a:cs typeface="Helvetica" panose="020B0604020202020204" pitchFamily="34" charset="0"/>
-              </a:rPr>
-              <a:t>Data Mining</a:t>
-            </a:r>
-          </a:p>
-        </p:txBody>
-      </p:sp>
-      <p:sp>
-        <p:nvSpPr>
-          <p:cNvPr id="21" name="Rettangolo 12">
-            <a:extLst>
-              <a:ext uri="{FF2B5EF4-FFF2-40B4-BE49-F238E27FC236}">
-                <a16:creationId xmlns:a16="http://schemas.microsoft.com/office/drawing/2014/main" id="{0E2BDB27-F76D-4FC1-90F0-385A7D553E82}"/>
-              </a:ext>
-            </a:extLst>
-          </p:cNvPr>
-          <p:cNvSpPr/>
-          <p:nvPr/>
-        </p:nvSpPr>
-        <p:spPr>
-          <a:xfrm>
-            <a:off x="7363809" y="4344302"/>
-            <a:ext cx="1095173" cy="369332"/>
-          </a:xfrm>
-          <a:prstGeom prst="rect">
-            <a:avLst/>
-          </a:prstGeom>
-        </p:spPr>
-        <p:txBody>
-          <a:bodyPr wrap="none">
-            <a:spAutoFit/>
-          </a:bodyPr>
-          <a:lstStyle/>
-          <a:p>
-            <a:pPr marL="0" lvl="1" algn="ctr">
-              <a:defRPr/>
-            </a:pPr>
-            <a:r>
-              <a:rPr lang="en-US" sz="1800" dirty="0">
-                <a:latin typeface="Helvetica" panose="020B0604020202020204" pitchFamily="34" charset="0"/>
-                <a:cs typeface="Helvetica" panose="020B0604020202020204" pitchFamily="34" charset="0"/>
-              </a:rPr>
-              <a:t>Social BI</a:t>
-            </a:r>
-          </a:p>
-        </p:txBody>
-      </p:sp>
-      <p:sp>
-        <p:nvSpPr>
-          <p:cNvPr id="22" name="Ovale 13">
-            <a:extLst>
-              <a:ext uri="{FF2B5EF4-FFF2-40B4-BE49-F238E27FC236}">
-                <a16:creationId xmlns:a16="http://schemas.microsoft.com/office/drawing/2014/main" id="{9167DA96-7AA2-4D16-973E-BFB8233D4D12}"/>
-              </a:ext>
-            </a:extLst>
-          </p:cNvPr>
-          <p:cNvSpPr/>
-          <p:nvPr/>
-        </p:nvSpPr>
-        <p:spPr>
-          <a:xfrm>
-            <a:off x="9361217" y="4288893"/>
-            <a:ext cx="257442" cy="257442"/>
-          </a:xfrm>
-          <a:prstGeom prst="ellipse">
-            <a:avLst/>
-          </a:prstGeom>
-          <a:solidFill>
-            <a:srgbClr val="FFFFFF"/>
-          </a:solidFill>
-          <a:ln w="76200">
-            <a:solidFill>
-              <a:schemeClr val="tx2">
-                <a:lumMod val="75000"/>
-              </a:schemeClr>
-            </a:solidFill>
-          </a:ln>
-        </p:spPr>
-        <p:style>
-          <a:lnRef idx="2">
-            <a:schemeClr val="accent1">
-              <a:shade val="50000"/>
-            </a:schemeClr>
-          </a:lnRef>
-          <a:fillRef idx="1">
-            <a:schemeClr val="accent1"/>
-          </a:fillRef>
-          <a:effectRef idx="0">
-            <a:schemeClr val="accent1"/>
-          </a:effectRef>
-          <a:fontRef idx="minor">
-            <a:schemeClr val="lt1"/>
-          </a:fontRef>
-        </p:style>
-        <p:txBody>
-          <a:bodyPr rtlCol="0" anchor="ctr"/>
-          <a:lstStyle/>
-          <a:p>
-            <a:pPr algn="ctr"/>
-            <a:endParaRPr lang="en-US" sz="1228" dirty="0">
-              <a:latin typeface="Helvetica" panose="020B0604020202020204" pitchFamily="34" charset="0"/>
-              <a:cs typeface="Helvetica" panose="020B0604020202020204" pitchFamily="34" charset="0"/>
-            </a:endParaRPr>
-          </a:p>
-        </p:txBody>
-      </p:sp>
-      <p:sp>
-        <p:nvSpPr>
-          <p:cNvPr id="23" name="Rettangolo 14">
-            <a:extLst>
-              <a:ext uri="{FF2B5EF4-FFF2-40B4-BE49-F238E27FC236}">
-                <a16:creationId xmlns:a16="http://schemas.microsoft.com/office/drawing/2014/main" id="{83608F34-F784-4EAD-9922-CC0777F05BEB}"/>
-              </a:ext>
-            </a:extLst>
-          </p:cNvPr>
-          <p:cNvSpPr/>
-          <p:nvPr/>
-        </p:nvSpPr>
-        <p:spPr>
-          <a:xfrm>
-            <a:off x="9308686" y="4643488"/>
-            <a:ext cx="1069524" cy="369332"/>
-          </a:xfrm>
-          <a:prstGeom prst="rect">
-            <a:avLst/>
-          </a:prstGeom>
-        </p:spPr>
-        <p:txBody>
-          <a:bodyPr wrap="none">
-            <a:spAutoFit/>
-          </a:bodyPr>
-          <a:lstStyle/>
-          <a:p>
-            <a:pPr marL="0" lvl="1" algn="ctr">
-              <a:defRPr/>
-            </a:pPr>
-            <a:r>
-              <a:rPr lang="en-US" sz="1800" dirty="0">
-                <a:latin typeface="Helvetica" panose="020B0604020202020204" pitchFamily="34" charset="0"/>
-                <a:cs typeface="Helvetica" panose="020B0604020202020204" pitchFamily="34" charset="0"/>
-              </a:rPr>
-              <a:t>Big Data</a:t>
-            </a:r>
-          </a:p>
-        </p:txBody>
-      </p:sp>
-      <p:sp>
-        <p:nvSpPr>
-          <p:cNvPr id="24" name="Ovale 19">
-            <a:extLst>
-              <a:ext uri="{FF2B5EF4-FFF2-40B4-BE49-F238E27FC236}">
-                <a16:creationId xmlns:a16="http://schemas.microsoft.com/office/drawing/2014/main" id="{5BA52A79-7698-4DFD-9AFE-8832E4013081}"/>
-              </a:ext>
-            </a:extLst>
-          </p:cNvPr>
-          <p:cNvSpPr/>
-          <p:nvPr/>
-        </p:nvSpPr>
-        <p:spPr>
-          <a:xfrm>
-            <a:off x="10183688" y="3758609"/>
-            <a:ext cx="257442" cy="257442"/>
-          </a:xfrm>
-          <a:prstGeom prst="ellipse">
-            <a:avLst/>
-          </a:prstGeom>
-          <a:solidFill>
-            <a:srgbClr val="FFFFFF"/>
-          </a:solidFill>
-          <a:ln w="76200">
-            <a:solidFill>
-              <a:schemeClr val="tx2">
-                <a:lumMod val="60000"/>
-                <a:lumOff val="40000"/>
-              </a:schemeClr>
-            </a:solidFill>
-          </a:ln>
-        </p:spPr>
-        <p:style>
-          <a:lnRef idx="2">
-            <a:schemeClr val="accent1">
-              <a:shade val="50000"/>
-            </a:schemeClr>
-          </a:lnRef>
-          <a:fillRef idx="1">
-            <a:schemeClr val="accent1"/>
-          </a:fillRef>
-          <a:effectRef idx="0">
-            <a:schemeClr val="accent1"/>
-          </a:effectRef>
-          <a:fontRef idx="minor">
-            <a:schemeClr val="lt1"/>
-          </a:fontRef>
-        </p:style>
-        <p:txBody>
-          <a:bodyPr rtlCol="0" anchor="ctr"/>
-          <a:lstStyle/>
-          <a:p>
-            <a:pPr algn="ctr"/>
-            <a:endParaRPr lang="en-US" sz="1228" dirty="0">
-              <a:latin typeface="Helvetica" panose="020B0604020202020204" pitchFamily="34" charset="0"/>
-              <a:cs typeface="Helvetica" panose="020B0604020202020204" pitchFamily="34" charset="0"/>
-            </a:endParaRPr>
-          </a:p>
-        </p:txBody>
-      </p:sp>
-      <p:sp>
-        <p:nvSpPr>
-          <p:cNvPr id="25" name="Rettangolo 24">
-            <a:extLst>
-              <a:ext uri="{FF2B5EF4-FFF2-40B4-BE49-F238E27FC236}">
-                <a16:creationId xmlns:a16="http://schemas.microsoft.com/office/drawing/2014/main" id="{23C7574E-EE6F-414A-B8AF-3631FCD6A9B2}"/>
-              </a:ext>
-            </a:extLst>
-          </p:cNvPr>
-          <p:cNvSpPr/>
-          <p:nvPr/>
-        </p:nvSpPr>
-        <p:spPr>
-          <a:xfrm>
-            <a:off x="9009040" y="3096187"/>
-            <a:ext cx="1710726" cy="646331"/>
-          </a:xfrm>
-          <a:prstGeom prst="rect">
-            <a:avLst/>
-          </a:prstGeom>
-        </p:spPr>
-        <p:txBody>
-          <a:bodyPr wrap="none">
-            <a:spAutoFit/>
-          </a:bodyPr>
-          <a:lstStyle/>
-          <a:p>
-            <a:pPr marL="0" lvl="1" algn="ctr">
-              <a:defRPr/>
-            </a:pPr>
-            <a:r>
-              <a:rPr lang="en-US" sz="1800" dirty="0">
-                <a:latin typeface="Helvetica" panose="020B0604020202020204" pitchFamily="34" charset="0"/>
-                <a:cs typeface="Helvetica" panose="020B0604020202020204" pitchFamily="34" charset="0"/>
-              </a:rPr>
-              <a:t>Data Platforms</a:t>
-            </a:r>
-          </a:p>
-          <a:p>
-            <a:pPr marL="0" lvl="1" algn="ctr">
-              <a:defRPr/>
-            </a:pPr>
-            <a:r>
-              <a:rPr lang="en-US" sz="1800" dirty="0">
-                <a:latin typeface="Helvetica" panose="020B0604020202020204" pitchFamily="34" charset="0"/>
-                <a:cs typeface="Helvetica" panose="020B0604020202020204" pitchFamily="34" charset="0"/>
-              </a:rPr>
-              <a:t>&amp; Analytics</a:t>
-            </a:r>
+            <a:endParaRPr lang="en-US"/>
           </a:p>
         </p:txBody>
       </p:sp>
     </p:spTree>
     <p:extLst>
       <p:ext uri="{BB962C8B-B14F-4D97-AF65-F5344CB8AC3E}">
-        <p14:creationId xmlns:p14="http://schemas.microsoft.com/office/powerpoint/2010/main" val="3747805344"/>
+        <p14:creationId xmlns:p14="http://schemas.microsoft.com/office/powerpoint/2010/main" val="1639076096"/>
       </p:ext>
     </p:extLst>
   </p:cSld>
@@ -8791,6 +7895,133 @@
       </p:grpSpPr>
       <p:sp>
         <p:nvSpPr>
+          <p:cNvPr id="3" name="Segnaposto contenuto 2">
+            <a:extLst>
+              <a:ext uri="{FF2B5EF4-FFF2-40B4-BE49-F238E27FC236}">
+                <a16:creationId xmlns:a16="http://schemas.microsoft.com/office/drawing/2014/main" id="{8090F62A-127E-41CC-84E0-BB41FE65405F}"/>
+              </a:ext>
+            </a:extLst>
+          </p:cNvPr>
+          <p:cNvSpPr>
+            <a:spLocks noGrp="1"/>
+          </p:cNvSpPr>
+          <p:nvPr>
+            <p:ph idx="1"/>
+          </p:nvPr>
+        </p:nvSpPr>
+        <p:spPr>
+          <a:xfrm>
+            <a:off x="735062" y="1432542"/>
+            <a:ext cx="9221689" cy="5376416"/>
+          </a:xfrm>
+        </p:spPr>
+        <p:txBody>
+          <a:bodyPr>
+            <a:normAutofit fontScale="92500" lnSpcReduction="20000"/>
+          </a:bodyPr>
+          <a:lstStyle/>
+          <a:p>
+            <a:r>
+              <a:rPr lang="en-US" dirty="0"/>
+              <a:t>On a cloud architecture, you can rely on serverless or managed services</a:t>
+            </a:r>
+          </a:p>
+          <a:p>
+            <a:r>
+              <a:rPr lang="en-US" dirty="0"/>
+              <a:t>Serverless</a:t>
+            </a:r>
+          </a:p>
+          <a:p>
+            <a:pPr lvl="1"/>
+            <a:r>
+              <a:rPr lang="en-US" dirty="0"/>
+              <a:t>Standalone independent services built for a specific purpose and integrated by cloud service provider</a:t>
+            </a:r>
+          </a:p>
+          <a:p>
+            <a:pPr lvl="1"/>
+            <a:r>
+              <a:rPr lang="en-US" dirty="0"/>
+              <a:t>No visibility into the machines</a:t>
+            </a:r>
+          </a:p>
+          <a:p>
+            <a:pPr lvl="2"/>
+            <a:r>
+              <a:rPr lang="en-US" dirty="0"/>
+              <a:t>There are still servers in serverless, but they are abstracted away</a:t>
+            </a:r>
+          </a:p>
+          <a:p>
+            <a:pPr lvl="2"/>
+            <a:r>
+              <a:rPr lang="en-US" dirty="0"/>
+              <a:t>No server management, do not have to manage any servers or scale them</a:t>
+            </a:r>
+          </a:p>
+          <a:p>
+            <a:pPr lvl="2"/>
+            <a:r>
+              <a:rPr lang="en-US" dirty="0"/>
+              <a:t>E.g., when you run a query on </a:t>
+            </a:r>
+            <a:r>
+              <a:rPr lang="en-US" dirty="0" err="1">
+                <a:hlinkClick r:id="rId2"/>
+              </a:rPr>
+              <a:t>BigQuery</a:t>
+            </a:r>
+            <a:r>
+              <a:rPr lang="en-US" dirty="0"/>
+              <a:t> you do not know how many machines were used</a:t>
+            </a:r>
+          </a:p>
+          <a:p>
+            <a:pPr lvl="1"/>
+            <a:r>
+              <a:rPr lang="en-US" dirty="0"/>
+              <a:t>Pay for what your application uses, usually per request or per usage </a:t>
+            </a:r>
+          </a:p>
+          <a:p>
+            <a:r>
+              <a:rPr lang="en-US" dirty="0"/>
+              <a:t>(Fully) Managed</a:t>
+            </a:r>
+          </a:p>
+          <a:p>
+            <a:pPr lvl="1"/>
+            <a:r>
+              <a:rPr lang="en-US" dirty="0"/>
+              <a:t>Visibility and control of machines</a:t>
+            </a:r>
+          </a:p>
+          <a:p>
+            <a:pPr lvl="2"/>
+            <a:r>
+              <a:rPr lang="en-US" dirty="0"/>
+              <a:t>You can choose the number of machines that are being used to run your application</a:t>
+            </a:r>
+          </a:p>
+          <a:p>
+            <a:pPr lvl="1"/>
+            <a:r>
+              <a:rPr lang="en-US" dirty="0"/>
+              <a:t>Do not have to set up any machines, the management and backup are taken care for you </a:t>
+            </a:r>
+          </a:p>
+          <a:p>
+            <a:pPr lvl="1"/>
+            <a:r>
+              <a:rPr lang="en-US" dirty="0"/>
+              <a:t>Pay for machine runtime, however long you run the machines and resources that your application uses</a:t>
+            </a:r>
+          </a:p>
+        </p:txBody>
+      </p:sp>
+      <p:sp>
+        <p:nvSpPr>
           <p:cNvPr id="2" name="Titolo 1">
             <a:extLst>
               <a:ext uri="{FF2B5EF4-FFF2-40B4-BE49-F238E27FC236}">
@@ -8805,14 +8036,19 @@
             <p:ph type="title"/>
           </p:nvPr>
         </p:nvSpPr>
-        <p:spPr/>
+        <p:spPr>
+          <a:xfrm>
+            <a:off x="1718709" y="458473"/>
+            <a:ext cx="8858165" cy="481754"/>
+          </a:xfrm>
+        </p:spPr>
         <p:txBody>
           <a:bodyPr/>
           <a:lstStyle/>
           <a:p>
             <a:r>
               <a:rPr lang="en-US" noProof="0" dirty="0"/>
-              <a:t>Cloud computing: principal vendors</a:t>
+              <a:t>Cloud computing: deployment models</a:t>
             </a:r>
           </a:p>
         </p:txBody>
@@ -8833,7 +8069,12 @@
             <p:ph type="sldNum" sz="quarter" idx="12"/>
           </p:nvPr>
         </p:nvSpPr>
-        <p:spPr/>
+        <p:spPr>
+          <a:xfrm>
+            <a:off x="7551093" y="7006700"/>
+            <a:ext cx="2405658" cy="402483"/>
+          </a:xfrm>
+        </p:spPr>
         <p:txBody>
           <a:bodyPr/>
           <a:lstStyle/>
@@ -8849,10 +8090,10 @@
       </p:sp>
       <p:sp>
         <p:nvSpPr>
-          <p:cNvPr id="10" name="Content Placeholder 9">
+          <p:cNvPr id="6" name="Segnaposto contenuto 5">
             <a:extLst>
               <a:ext uri="{FF2B5EF4-FFF2-40B4-BE49-F238E27FC236}">
-                <a16:creationId xmlns:a16="http://schemas.microsoft.com/office/drawing/2014/main" id="{2874FDDE-4274-48A7-89A1-B25380AF7715}"/>
+                <a16:creationId xmlns:a16="http://schemas.microsoft.com/office/drawing/2014/main" id="{4119B3FC-47AE-FD35-C425-ABCBE7BB5DCE}"/>
               </a:ext>
             </a:extLst>
           </p:cNvPr>
@@ -8860,134 +8101,38 @@
             <a:spLocks noGrp="1"/>
           </p:cNvSpPr>
           <p:nvPr>
-            <p:ph idx="1"/>
+            <p:ph idx="4294967295"/>
           </p:nvPr>
         </p:nvSpPr>
         <p:spPr>
           <a:xfrm>
-            <a:off x="735063" y="1415962"/>
-            <a:ext cx="6122938" cy="5376416"/>
-          </a:xfrm>
-        </p:spPr>
-        <p:txBody>
-          <a:bodyPr/>
+            <a:off x="0" y="6745288"/>
+            <a:ext cx="9221788" cy="403225"/>
+          </a:xfrm>
+        </p:spPr>
+        <p:txBody>
+          <a:bodyPr>
+            <a:normAutofit fontScale="40000" lnSpcReduction="20000"/>
+          </a:bodyPr>
           <a:lstStyle/>
           <a:p>
             <a:r>
+              <a:rPr lang="en-US" noProof="0" dirty="0">
+                <a:hlinkClick r:id="rId3"/>
+              </a:rPr>
+              <a:t>https://cloud.google.com/blog/topics/developers-practitioners/serverless-vs-fully-managed-whats-difference</a:t>
+            </a:r>
+            <a:r>
               <a:rPr lang="en-US" noProof="0" dirty="0"/>
-              <a:t>Gartner Magic Quadrant</a:t>
-            </a:r>
-          </a:p>
-          <a:p>
-            <a:pPr lvl="1"/>
-            <a:r>
-              <a:rPr lang="en-US" noProof="0" dirty="0"/>
-              <a:t>Understanding the technology providers to consider for an investment</a:t>
-            </a:r>
-          </a:p>
-          <a:p>
-            <a:pPr lvl="1"/>
-            <a:r>
-              <a:rPr lang="en-US" b="1" noProof="0" dirty="0"/>
-              <a:t>Leaders</a:t>
-            </a:r>
-            <a:r>
-              <a:rPr lang="en-US" noProof="0" dirty="0"/>
-              <a:t> execute well and are well positioned for tomorrow</a:t>
-            </a:r>
-          </a:p>
-          <a:p>
-            <a:pPr lvl="1"/>
-            <a:r>
-              <a:rPr lang="en-US" b="1" noProof="0" dirty="0"/>
-              <a:t>Visionaries</a:t>
-            </a:r>
-            <a:r>
-              <a:rPr lang="en-US" noProof="0" dirty="0"/>
-              <a:t> understand where the market is going but do not yet execute well</a:t>
-            </a:r>
-          </a:p>
-          <a:p>
-            <a:pPr lvl="1"/>
-            <a:r>
-              <a:rPr lang="en-US" b="1" noProof="0" dirty="0"/>
-              <a:t>Niche Players</a:t>
-            </a:r>
-            <a:r>
-              <a:rPr lang="en-US" noProof="0" dirty="0"/>
-              <a:t> focus successfully on a small segment, or are unfocused and do not out-innovate or outperform others</a:t>
-            </a:r>
-          </a:p>
-          <a:p>
-            <a:pPr lvl="1"/>
-            <a:r>
-              <a:rPr lang="en-US" b="1" noProof="0" dirty="0"/>
-              <a:t>Challengers</a:t>
-            </a:r>
-            <a:r>
-              <a:rPr lang="en-US" noProof="0" dirty="0"/>
-              <a:t> execute well but do not demonstrate an understanding of market direction</a:t>
-            </a:r>
-          </a:p>
-          <a:p>
-            <a:pPr lvl="1"/>
-            <a:r>
-              <a:rPr lang="en-US" noProof="0" dirty="0"/>
-              <a:t>Focusing on leaders isn’t always the best</a:t>
-            </a:r>
-          </a:p>
-          <a:p>
-            <a:pPr lvl="2"/>
-            <a:r>
-              <a:rPr lang="en-US" noProof="0" dirty="0"/>
-              <a:t>A niche player may support needs better than a market leader. It depends on how the provider aligns with business goals</a:t>
-            </a:r>
-          </a:p>
-          <a:p>
-            <a:endParaRPr lang="en-US" dirty="0"/>
-          </a:p>
-        </p:txBody>
-      </p:sp>
-      <p:pic>
-        <p:nvPicPr>
-          <p:cNvPr id="11" name="Segnaposto contenuto 6">
-            <a:extLst>
-              <a:ext uri="{FF2B5EF4-FFF2-40B4-BE49-F238E27FC236}">
-                <a16:creationId xmlns:a16="http://schemas.microsoft.com/office/drawing/2014/main" id="{E65D7969-B354-47F3-81EE-AD1F5BC97A8A}"/>
-              </a:ext>
-            </a:extLst>
-          </p:cNvPr>
-          <p:cNvPicPr>
-            <a:picLocks noChangeAspect="1"/>
-          </p:cNvPicPr>
-          <p:nvPr/>
-        </p:nvPicPr>
-        <p:blipFill>
-          <a:blip r:embed="rId2" cstate="print">
-            <a:extLst>
-              <a:ext uri="{28A0092B-C50C-407E-A947-70E740481C1C}">
-                <a14:useLocalDpi xmlns:a14="http://schemas.microsoft.com/office/drawing/2010/main" val="0"/>
-              </a:ext>
-            </a:extLst>
-          </a:blip>
-          <a:stretch>
-            <a:fillRect/>
-          </a:stretch>
-        </p:blipFill>
-        <p:spPr>
-          <a:xfrm>
-            <a:off x="6896870" y="2065600"/>
-            <a:ext cx="3794943" cy="3815726"/>
-          </a:xfrm>
-          <a:prstGeom prst="rect">
-            <a:avLst/>
-          </a:prstGeom>
-        </p:spPr>
-      </p:pic>
+              <a:t> (accessed 2020-08-01)</a:t>
+            </a:r>
+          </a:p>
+        </p:txBody>
+      </p:sp>
     </p:spTree>
     <p:extLst>
       <p:ext uri="{BB962C8B-B14F-4D97-AF65-F5344CB8AC3E}">
-        <p14:creationId xmlns:p14="http://schemas.microsoft.com/office/powerpoint/2010/main" val="1607108792"/>
+        <p14:creationId xmlns:p14="http://schemas.microsoft.com/office/powerpoint/2010/main" val="2352931090"/>
       </p:ext>
     </p:extLst>
   </p:cSld>
@@ -9019,7 +8164,7 @@
           <p:cNvPr id="3" name="Segnaposto contenuto 2">
             <a:extLst>
               <a:ext uri="{FF2B5EF4-FFF2-40B4-BE49-F238E27FC236}">
-                <a16:creationId xmlns:a16="http://schemas.microsoft.com/office/drawing/2014/main" id="{8090F62A-127E-41CC-84E0-BB41FE65405F}"/>
+                <a16:creationId xmlns:a16="http://schemas.microsoft.com/office/drawing/2014/main" id="{4C8CE1CD-9BE9-9216-1C69-BFBB1B9C22AE}"/>
               </a:ext>
             </a:extLst>
           </p:cNvPr>
@@ -9030,113 +8175,54 @@
             <p:ph idx="1"/>
           </p:nvPr>
         </p:nvSpPr>
-        <p:spPr>
-          <a:xfrm>
-            <a:off x="735062" y="1432542"/>
-            <a:ext cx="9221689" cy="5376416"/>
-          </a:xfrm>
-        </p:spPr>
+        <p:spPr/>
         <p:txBody>
           <a:bodyPr>
-            <a:normAutofit fontScale="92500" lnSpcReduction="20000"/>
+            <a:normAutofit/>
           </a:bodyPr>
           <a:lstStyle/>
           <a:p>
             <a:r>
-              <a:rPr lang="en-US" dirty="0"/>
-              <a:t>On a cloud architecture, you can rely on serverless or managed services</a:t>
-            </a:r>
-          </a:p>
-          <a:p>
-            <a:r>
-              <a:rPr lang="en-US" dirty="0"/>
-              <a:t>Serverless</a:t>
+              <a:rPr lang="en-US" noProof="0" dirty="0"/>
+              <a:t>Understanding architectures is paramount to successful systems</a:t>
             </a:r>
           </a:p>
           <a:p>
             <a:pPr lvl="1"/>
             <a:r>
-              <a:rPr lang="en-US" dirty="0"/>
-              <a:t>Standalone independent services built for a specific purpose and integrated by cloud service provider</a:t>
+              <a:rPr lang="en-US" noProof="0" dirty="0"/>
+              <a:t>Good architectures help to scale</a:t>
             </a:r>
           </a:p>
           <a:p>
             <a:pPr lvl="1"/>
             <a:r>
-              <a:rPr lang="en-US" dirty="0"/>
-              <a:t>No visibility into the machines</a:t>
-            </a:r>
-          </a:p>
-          <a:p>
-            <a:pPr lvl="2"/>
-            <a:r>
-              <a:rPr lang="en-US" dirty="0"/>
-              <a:t>There are still servers in serverless, but they are abstracted away</a:t>
-            </a:r>
-          </a:p>
-          <a:p>
-            <a:pPr lvl="2"/>
-            <a:r>
-              <a:rPr lang="en-US" dirty="0"/>
-              <a:t>No server management, do not have to manage any servers or scale them</a:t>
-            </a:r>
-          </a:p>
-          <a:p>
-            <a:pPr lvl="2"/>
-            <a:r>
-              <a:rPr lang="en-US" dirty="0"/>
-              <a:t>E.g., when you run a query on </a:t>
-            </a:r>
-            <a:r>
-              <a:rPr lang="en-US" dirty="0" err="1">
-                <a:hlinkClick r:id="rId2"/>
-              </a:rPr>
-              <a:t>BigQuery</a:t>
-            </a:r>
-            <a:r>
-              <a:rPr lang="en-US" dirty="0"/>
-              <a:t> you do not know how many machines were used</a:t>
+              <a:rPr lang="en-US" noProof="0" dirty="0"/>
+              <a:t>Poor architectures cause issues that necessitate a costly rewrite</a:t>
+            </a:r>
+          </a:p>
+          <a:p>
+            <a:r>
+              <a:rPr lang="en-US" b="1" noProof="0" dirty="0" err="1"/>
+              <a:t>XaaS</a:t>
+            </a:r>
+            <a:r>
+              <a:rPr lang="en-US" b="1" noProof="0" dirty="0"/>
+              <a:t> (anything as a service)</a:t>
             </a:r>
           </a:p>
           <a:p>
             <a:pPr lvl="1"/>
             <a:r>
-              <a:rPr lang="en-US" dirty="0"/>
-              <a:t>Pay for what your application uses, usually per request or per usage </a:t>
-            </a:r>
-          </a:p>
-          <a:p>
-            <a:r>
-              <a:rPr lang="en-US" dirty="0"/>
-              <a:t>(Fully) Managed</a:t>
+              <a:rPr lang="en-US" noProof="0" dirty="0"/>
+              <a:t>A collective term that refers to the delivery of anything as a service</a:t>
             </a:r>
           </a:p>
           <a:p>
             <a:pPr lvl="1"/>
             <a:r>
-              <a:rPr lang="en-US" dirty="0"/>
-              <a:t>Visibility and control of machines</a:t>
-            </a:r>
-          </a:p>
-          <a:p>
-            <a:pPr lvl="2"/>
-            <a:r>
-              <a:rPr lang="en-US" dirty="0"/>
-              <a:t>You can choose the number of machines that are being used to run your application</a:t>
-            </a:r>
-          </a:p>
-          <a:p>
-            <a:pPr lvl="1"/>
-            <a:r>
-              <a:rPr lang="en-US" dirty="0"/>
-              <a:t>Do not have to set up any machines, the management and backup are taken care for you </a:t>
-            </a:r>
-          </a:p>
-          <a:p>
-            <a:pPr lvl="1"/>
-            <a:r>
-              <a:rPr lang="en-US" dirty="0"/>
-              <a:t>Pay for machine runtime, however long you run the machines and resources that your application uses</a:t>
+              <a:rPr lang="en-US" noProof="0" dirty="0"/>
+              <a:t>It encompasses the products, tools and technologies that vendors deliver to users</a:t>
             </a:r>
           </a:p>
         </p:txBody>
@@ -9157,14 +8243,11 @@
             <p:ph type="title"/>
           </p:nvPr>
         </p:nvSpPr>
-        <p:spPr>
-          <a:xfrm>
-            <a:off x="1718709" y="458473"/>
-            <a:ext cx="8858165" cy="481754"/>
-          </a:xfrm>
-        </p:spPr>
-        <p:txBody>
-          <a:bodyPr/>
+        <p:spPr/>
+        <p:txBody>
+          <a:bodyPr>
+            <a:normAutofit/>
+          </a:bodyPr>
           <a:lstStyle/>
           <a:p>
             <a:r>
@@ -9190,12 +8273,7 @@
             <p:ph type="sldNum" sz="quarter" idx="12"/>
           </p:nvPr>
         </p:nvSpPr>
-        <p:spPr>
-          <a:xfrm>
-            <a:off x="7551093" y="7006700"/>
-            <a:ext cx="2405658" cy="402483"/>
-          </a:xfrm>
-        </p:spPr>
+        <p:spPr/>
         <p:txBody>
           <a:bodyPr/>
           <a:lstStyle/>
@@ -9204,205 +8282,6 @@
               <a:rPr lang="it-IT" smtClean="0"/>
               <a:pPr/>
               <a:t>21</a:t>
-            </a:fld>
-            <a:endParaRPr lang="it-IT" dirty="0"/>
-          </a:p>
-        </p:txBody>
-      </p:sp>
-      <p:sp>
-        <p:nvSpPr>
-          <p:cNvPr id="6" name="Segnaposto contenuto 5">
-            <a:extLst>
-              <a:ext uri="{FF2B5EF4-FFF2-40B4-BE49-F238E27FC236}">
-                <a16:creationId xmlns:a16="http://schemas.microsoft.com/office/drawing/2014/main" id="{4119B3FC-47AE-FD35-C425-ABCBE7BB5DCE}"/>
-              </a:ext>
-            </a:extLst>
-          </p:cNvPr>
-          <p:cNvSpPr>
-            <a:spLocks noGrp="1"/>
-          </p:cNvSpPr>
-          <p:nvPr>
-            <p:ph idx="4294967295"/>
-          </p:nvPr>
-        </p:nvSpPr>
-        <p:spPr>
-          <a:xfrm>
-            <a:off x="0" y="6745288"/>
-            <a:ext cx="9221788" cy="403225"/>
-          </a:xfrm>
-        </p:spPr>
-        <p:txBody>
-          <a:bodyPr>
-            <a:normAutofit fontScale="40000" lnSpcReduction="20000"/>
-          </a:bodyPr>
-          <a:lstStyle/>
-          <a:p>
-            <a:r>
-              <a:rPr lang="en-US" noProof="0" dirty="0">
-                <a:hlinkClick r:id="rId3"/>
-              </a:rPr>
-              <a:t>https://cloud.google.com/blog/topics/developers-practitioners/serverless-vs-fully-managed-whats-difference</a:t>
-            </a:r>
-            <a:r>
-              <a:rPr lang="en-US" noProof="0" dirty="0"/>
-              <a:t> (accessed 2020-08-01)</a:t>
-            </a:r>
-          </a:p>
-        </p:txBody>
-      </p:sp>
-    </p:spTree>
-    <p:extLst>
-      <p:ext uri="{BB962C8B-B14F-4D97-AF65-F5344CB8AC3E}">
-        <p14:creationId xmlns:p14="http://schemas.microsoft.com/office/powerpoint/2010/main" val="2352931090"/>
-      </p:ext>
-    </p:extLst>
-  </p:cSld>
-  <p:clrMapOvr>
-    <a:masterClrMapping/>
-  </p:clrMapOvr>
-</p:sld>
-</file>
-
-<file path=ppt/slides/slide22.xml><?xml version="1.0" encoding="utf-8"?>
-<p:sld xmlns:a="http://schemas.openxmlformats.org/drawingml/2006/main" xmlns:r="http://schemas.openxmlformats.org/officeDocument/2006/relationships" xmlns:p="http://schemas.openxmlformats.org/presentationml/2006/main">
-  <p:cSld>
-    <p:spTree>
-      <p:nvGrpSpPr>
-        <p:cNvPr id="1" name=""/>
-        <p:cNvGrpSpPr/>
-        <p:nvPr/>
-      </p:nvGrpSpPr>
-      <p:grpSpPr>
-        <a:xfrm>
-          <a:off x="0" y="0"/>
-          <a:ext cx="0" cy="0"/>
-          <a:chOff x="0" y="0"/>
-          <a:chExt cx="0" cy="0"/>
-        </a:xfrm>
-      </p:grpSpPr>
-      <p:sp>
-        <p:nvSpPr>
-          <p:cNvPr id="3" name="Segnaposto contenuto 2">
-            <a:extLst>
-              <a:ext uri="{FF2B5EF4-FFF2-40B4-BE49-F238E27FC236}">
-                <a16:creationId xmlns:a16="http://schemas.microsoft.com/office/drawing/2014/main" id="{4C8CE1CD-9BE9-9216-1C69-BFBB1B9C22AE}"/>
-              </a:ext>
-            </a:extLst>
-          </p:cNvPr>
-          <p:cNvSpPr>
-            <a:spLocks noGrp="1"/>
-          </p:cNvSpPr>
-          <p:nvPr>
-            <p:ph idx="1"/>
-          </p:nvPr>
-        </p:nvSpPr>
-        <p:spPr/>
-        <p:txBody>
-          <a:bodyPr>
-            <a:normAutofit/>
-          </a:bodyPr>
-          <a:lstStyle/>
-          <a:p>
-            <a:r>
-              <a:rPr lang="en-US" noProof="0" dirty="0"/>
-              <a:t>Understanding architectures is paramount to successful systems</a:t>
-            </a:r>
-          </a:p>
-          <a:p>
-            <a:pPr lvl="1"/>
-            <a:r>
-              <a:rPr lang="en-US" noProof="0" dirty="0"/>
-              <a:t>Good architectures help to scale</a:t>
-            </a:r>
-          </a:p>
-          <a:p>
-            <a:pPr lvl="1"/>
-            <a:r>
-              <a:rPr lang="en-US" noProof="0" dirty="0"/>
-              <a:t>Poor architectures cause issues that necessitate a costly rewrite</a:t>
-            </a:r>
-          </a:p>
-          <a:p>
-            <a:r>
-              <a:rPr lang="en-US" b="1" noProof="0" dirty="0" err="1"/>
-              <a:t>XaaS</a:t>
-            </a:r>
-            <a:r>
-              <a:rPr lang="en-US" b="1" noProof="0" dirty="0"/>
-              <a:t> (anything as a service)</a:t>
-            </a:r>
-          </a:p>
-          <a:p>
-            <a:pPr lvl="1"/>
-            <a:r>
-              <a:rPr lang="en-US" noProof="0" dirty="0"/>
-              <a:t>A collective term that refers to the delivery of anything as a service</a:t>
-            </a:r>
-          </a:p>
-          <a:p>
-            <a:pPr lvl="1"/>
-            <a:r>
-              <a:rPr lang="en-US" noProof="0" dirty="0"/>
-              <a:t>It encompasses the products, tools and technologies that vendors deliver to users</a:t>
-            </a:r>
-          </a:p>
-        </p:txBody>
-      </p:sp>
-      <p:sp>
-        <p:nvSpPr>
-          <p:cNvPr id="2" name="Titolo 1">
-            <a:extLst>
-              <a:ext uri="{FF2B5EF4-FFF2-40B4-BE49-F238E27FC236}">
-                <a16:creationId xmlns:a16="http://schemas.microsoft.com/office/drawing/2014/main" id="{7CF2B1DE-1C5B-4D87-AF18-F73C2D884997}"/>
-              </a:ext>
-            </a:extLst>
-          </p:cNvPr>
-          <p:cNvSpPr>
-            <a:spLocks noGrp="1"/>
-          </p:cNvSpPr>
-          <p:nvPr>
-            <p:ph type="title"/>
-          </p:nvPr>
-        </p:nvSpPr>
-        <p:spPr/>
-        <p:txBody>
-          <a:bodyPr>
-            <a:normAutofit/>
-          </a:bodyPr>
-          <a:lstStyle/>
-          <a:p>
-            <a:r>
-              <a:rPr lang="en-US" noProof="0" dirty="0"/>
-              <a:t>Cloud computing: deployment models</a:t>
-            </a:r>
-          </a:p>
-        </p:txBody>
-      </p:sp>
-      <p:sp>
-        <p:nvSpPr>
-          <p:cNvPr id="5" name="Segnaposto numero diapositiva 4">
-            <a:extLst>
-              <a:ext uri="{FF2B5EF4-FFF2-40B4-BE49-F238E27FC236}">
-                <a16:creationId xmlns:a16="http://schemas.microsoft.com/office/drawing/2014/main" id="{A0230BAD-1813-4EB9-ABE5-CEE9DD844708}"/>
-              </a:ext>
-            </a:extLst>
-          </p:cNvPr>
-          <p:cNvSpPr>
-            <a:spLocks noGrp="1"/>
-          </p:cNvSpPr>
-          <p:nvPr>
-            <p:ph type="sldNum" sz="quarter" idx="12"/>
-          </p:nvPr>
-        </p:nvSpPr>
-        <p:spPr/>
-        <p:txBody>
-          <a:bodyPr/>
-          <a:lstStyle/>
-          <a:p>
-            <a:fld id="{5DD6F1BA-2510-46FC-9346-AB1F3CA1593B}" type="slidenum">
-              <a:rPr lang="it-IT" smtClean="0"/>
-              <a:pPr/>
-              <a:t>22</a:t>
             </a:fld>
             <a:endParaRPr lang="it-IT" dirty="0"/>
           </a:p>
@@ -9456,7 +8335,7 @@
 </p:sld>
 </file>
 
-<file path=ppt/slides/slide23.xml><?xml version="1.0" encoding="utf-8"?>
+<file path=ppt/slides/slide22.xml><?xml version="1.0" encoding="utf-8"?>
 <p:sld xmlns:a="http://schemas.openxmlformats.org/drawingml/2006/main" xmlns:r="http://schemas.openxmlformats.org/officeDocument/2006/relationships" xmlns:p="http://schemas.openxmlformats.org/presentationml/2006/main">
   <p:cSld>
     <p:spTree>
@@ -9655,7 +8534,7 @@
             <a:fld id="{5DD6F1BA-2510-46FC-9346-AB1F3CA1593B}" type="slidenum">
               <a:rPr lang="it-IT" smtClean="0"/>
               <a:pPr/>
-              <a:t>23</a:t>
+              <a:t>22</a:t>
             </a:fld>
             <a:endParaRPr lang="it-IT" dirty="0"/>
           </a:p>
@@ -9674,7 +8553,7 @@
 </p:sld>
 </file>
 
-<file path=ppt/slides/slide24.xml><?xml version="1.0" encoding="utf-8"?>
+<file path=ppt/slides/slide23.xml><?xml version="1.0" encoding="utf-8"?>
 <p:sld xmlns:a="http://schemas.openxmlformats.org/drawingml/2006/main" xmlns:r="http://schemas.openxmlformats.org/officeDocument/2006/relationships" xmlns:p="http://schemas.openxmlformats.org/presentationml/2006/main">
   <p:cSld>
     <p:spTree>
@@ -9774,7 +8653,7 @@
           <a:p>
             <a:fld id="{5DD6F1BA-2510-46FC-9346-AB1F3CA1593B}" type="slidenum">
               <a:rPr lang="it-IT" smtClean="0"/>
-              <a:t>24</a:t>
+              <a:t>23</a:t>
             </a:fld>
             <a:endParaRPr lang="it-IT" dirty="0"/>
           </a:p>
@@ -9837,7 +8716,7 @@
 </p:sld>
 </file>
 
-<file path=ppt/slides/slide25.xml><?xml version="1.0" encoding="utf-8"?>
+<file path=ppt/slides/slide24.xml><?xml version="1.0" encoding="utf-8"?>
 <p:sld xmlns:a="http://schemas.openxmlformats.org/drawingml/2006/main" xmlns:r="http://schemas.openxmlformats.org/officeDocument/2006/relationships" xmlns:p="http://schemas.openxmlformats.org/presentationml/2006/main">
   <p:cSld>
     <p:bg>
@@ -9931,7 +8810,7 @@
 </p:sld>
 </file>
 
-<file path=ppt/slides/slide26.xml><?xml version="1.0" encoding="utf-8"?>
+<file path=ppt/slides/slide25.xml><?xml version="1.0" encoding="utf-8"?>
 <p:sld xmlns:a="http://schemas.openxmlformats.org/drawingml/2006/main" xmlns:r="http://schemas.openxmlformats.org/officeDocument/2006/relationships" xmlns:p="http://schemas.openxmlformats.org/presentationml/2006/main">
   <p:cSld>
     <p:spTree>
@@ -10000,7 +8879,7 @@
           <a:p>
             <a:fld id="{5DD6F1BA-2510-46FC-9346-AB1F3CA1593B}" type="slidenum">
               <a:rPr lang="it-IT" smtClean="0"/>
-              <a:t>26</a:t>
+              <a:t>25</a:t>
             </a:fld>
             <a:endParaRPr lang="it-IT"/>
           </a:p>
@@ -10215,7 +9094,7 @@
 </p:sld>
 </file>
 
-<file path=ppt/slides/slide27.xml><?xml version="1.0" encoding="utf-8"?>
+<file path=ppt/slides/slide26.xml><?xml version="1.0" encoding="utf-8"?>
 <p:sld xmlns:a="http://schemas.openxmlformats.org/drawingml/2006/main" xmlns:r="http://schemas.openxmlformats.org/officeDocument/2006/relationships" xmlns:p="http://schemas.openxmlformats.org/presentationml/2006/main">
   <p:cSld>
     <p:spTree>
@@ -10494,7 +9373,7 @@
 </p:sld>
 </file>
 
-<file path=ppt/slides/slide28.xml><?xml version="1.0" encoding="utf-8"?>
+<file path=ppt/slides/slide27.xml><?xml version="1.0" encoding="utf-8"?>
 <p:sld xmlns:a="http://schemas.openxmlformats.org/drawingml/2006/main" xmlns:r="http://schemas.openxmlformats.org/officeDocument/2006/relationships" xmlns:p="http://schemas.openxmlformats.org/presentationml/2006/main">
   <p:cSld>
     <p:spTree>
@@ -13831,6 +12710,294 @@
 </p:sld>
 </file>
 
+<file path=ppt/slides/slide28.xml><?xml version="1.0" encoding="utf-8"?>
+<p:sld xmlns:a="http://schemas.openxmlformats.org/drawingml/2006/main" xmlns:r="http://schemas.openxmlformats.org/officeDocument/2006/relationships" xmlns:p="http://schemas.openxmlformats.org/presentationml/2006/main">
+  <p:cSld>
+    <p:spTree>
+      <p:nvGrpSpPr>
+        <p:cNvPr id="1" name=""/>
+        <p:cNvGrpSpPr/>
+        <p:nvPr/>
+      </p:nvGrpSpPr>
+      <p:grpSpPr>
+        <a:xfrm>
+          <a:off x="0" y="0"/>
+          <a:ext cx="0" cy="0"/>
+          <a:chOff x="0" y="0"/>
+          <a:chExt cx="0" cy="0"/>
+        </a:xfrm>
+      </p:grpSpPr>
+      <p:sp>
+        <p:nvSpPr>
+          <p:cNvPr id="3" name="Content Placeholder 2">
+            <a:extLst>
+              <a:ext uri="{FF2B5EF4-FFF2-40B4-BE49-F238E27FC236}">
+                <a16:creationId xmlns:a16="http://schemas.microsoft.com/office/drawing/2014/main" id="{F10ADF3A-29C8-4A15-ADBB-64BB243E2C2E}"/>
+              </a:ext>
+            </a:extLst>
+          </p:cNvPr>
+          <p:cNvSpPr>
+            <a:spLocks noGrp="1"/>
+          </p:cNvSpPr>
+          <p:nvPr>
+            <p:ph idx="1"/>
+          </p:nvPr>
+        </p:nvSpPr>
+        <p:spPr/>
+        <p:txBody>
+          <a:bodyPr>
+            <a:normAutofit/>
+          </a:bodyPr>
+          <a:lstStyle/>
+          <a:p>
+            <a:r>
+              <a:rPr lang="en-US" dirty="0"/>
+              <a:t>A modular data platform for precision agriculture</a:t>
+            </a:r>
+          </a:p>
+          <a:p>
+            <a:pPr lvl="1"/>
+            <a:r>
+              <a:rPr lang="en-US" dirty="0">
+                <a:solidFill>
+                  <a:srgbClr val="FF5050"/>
+                </a:solidFill>
+              </a:rPr>
+              <a:t>Collecting</a:t>
+            </a:r>
+            <a:r>
+              <a:rPr lang="en-US" dirty="0"/>
+              <a:t> data from </a:t>
+            </a:r>
+            <a:r>
+              <a:rPr lang="en-US" dirty="0">
+                <a:solidFill>
+                  <a:srgbClr val="FF5050"/>
+                </a:solidFill>
+              </a:rPr>
+              <a:t>heterogeneous</a:t>
+            </a:r>
+            <a:r>
+              <a:rPr lang="en-US" dirty="0"/>
+              <a:t> sources (e.g., MQTT devices and robots)</a:t>
+            </a:r>
+          </a:p>
+          <a:p>
+            <a:pPr lvl="1"/>
+            <a:r>
+              <a:rPr lang="en-US" dirty="0">
+                <a:solidFill>
+                  <a:srgbClr val="FF5050"/>
+                </a:solidFill>
+              </a:rPr>
+              <a:t>Augmenting</a:t>
+            </a:r>
+            <a:r>
+              <a:rPr lang="en-US" dirty="0"/>
+              <a:t> data with externally available knowledge (e.g., Open Street Map open data)</a:t>
+            </a:r>
+            <a:endParaRPr lang="en-US" dirty="0">
+              <a:solidFill>
+                <a:srgbClr val="FF5050"/>
+              </a:solidFill>
+            </a:endParaRPr>
+          </a:p>
+          <a:p>
+            <a:pPr lvl="1"/>
+            <a:r>
+              <a:rPr lang="en-US" dirty="0"/>
+              <a:t>Building a </a:t>
+            </a:r>
+            <a:r>
+              <a:rPr lang="en-US" dirty="0">
+                <a:solidFill>
+                  <a:srgbClr val="FF5050"/>
+                </a:solidFill>
+              </a:rPr>
+              <a:t>unifying data model </a:t>
+            </a:r>
+            <a:r>
+              <a:rPr lang="en-US" dirty="0"/>
+              <a:t>supporting precision agriculture</a:t>
+            </a:r>
+          </a:p>
+          <a:p>
+            <a:pPr lvl="1"/>
+            <a:r>
+              <a:rPr lang="en-US" dirty="0"/>
+              <a:t>Managing </a:t>
+            </a:r>
+            <a:r>
+              <a:rPr lang="en-US" dirty="0">
+                <a:solidFill>
+                  <a:srgbClr val="FF5050"/>
+                </a:solidFill>
+              </a:rPr>
+              <a:t>meta-data</a:t>
+            </a:r>
+            <a:r>
+              <a:rPr lang="en-US" dirty="0"/>
+              <a:t> supporting effective data access and management (e.g., access data depending on the geographical location)</a:t>
+            </a:r>
+          </a:p>
+          <a:p>
+            <a:pPr lvl="1"/>
+            <a:r>
+              <a:rPr lang="en-US" dirty="0"/>
+              <a:t>Enabling </a:t>
+            </a:r>
+            <a:r>
+              <a:rPr lang="en-US" dirty="0">
+                <a:solidFill>
+                  <a:srgbClr val="FF5050"/>
+                </a:solidFill>
+              </a:rPr>
+              <a:t>heterogenous data fruition</a:t>
+            </a:r>
+          </a:p>
+          <a:p>
+            <a:pPr lvl="2"/>
+            <a:r>
+              <a:rPr lang="en-US" dirty="0"/>
+              <a:t>Querying the collected data through well-known languages and APIs</a:t>
+            </a:r>
+          </a:p>
+          <a:p>
+            <a:pPr lvl="2"/>
+            <a:r>
+              <a:rPr lang="en-US" dirty="0"/>
+              <a:t>Dashboards of KPIs</a:t>
+            </a:r>
+          </a:p>
+          <a:p>
+            <a:pPr lvl="1"/>
+            <a:r>
+              <a:rPr lang="en-US" dirty="0"/>
+              <a:t>Maintaining </a:t>
+            </a:r>
+            <a:r>
+              <a:rPr lang="en-US" dirty="0">
+                <a:solidFill>
+                  <a:srgbClr val="FF5050"/>
+                </a:solidFill>
+              </a:rPr>
+              <a:t>digital twins</a:t>
+            </a:r>
+            <a:endParaRPr lang="en-US" dirty="0"/>
+          </a:p>
+          <a:p>
+            <a:pPr lvl="1"/>
+            <a:r>
+              <a:rPr lang="en-US" dirty="0"/>
+              <a:t>…</a:t>
+            </a:r>
+          </a:p>
+        </p:txBody>
+      </p:sp>
+      <p:sp>
+        <p:nvSpPr>
+          <p:cNvPr id="2" name="Title 1">
+            <a:extLst>
+              <a:ext uri="{FF2B5EF4-FFF2-40B4-BE49-F238E27FC236}">
+                <a16:creationId xmlns:a16="http://schemas.microsoft.com/office/drawing/2014/main" id="{DC948C86-4AB4-4376-9D45-6CEAD630BFD5}"/>
+              </a:ext>
+            </a:extLst>
+          </p:cNvPr>
+          <p:cNvSpPr>
+            <a:spLocks noGrp="1"/>
+          </p:cNvSpPr>
+          <p:nvPr>
+            <p:ph type="title"/>
+          </p:nvPr>
+        </p:nvSpPr>
+        <p:spPr/>
+        <p:txBody>
+          <a:bodyPr/>
+          <a:lstStyle/>
+          <a:p>
+            <a:r>
+              <a:rPr lang="en-US" dirty="0"/>
+              <a:t>Requirements</a:t>
+            </a:r>
+          </a:p>
+        </p:txBody>
+      </p:sp>
+      <p:sp>
+        <p:nvSpPr>
+          <p:cNvPr id="5" name="Slide Number Placeholder 4">
+            <a:extLst>
+              <a:ext uri="{FF2B5EF4-FFF2-40B4-BE49-F238E27FC236}">
+                <a16:creationId xmlns:a16="http://schemas.microsoft.com/office/drawing/2014/main" id="{15F106DF-12C9-458C-9BBD-2A23E378F110}"/>
+              </a:ext>
+            </a:extLst>
+          </p:cNvPr>
+          <p:cNvSpPr>
+            <a:spLocks noGrp="1"/>
+          </p:cNvSpPr>
+          <p:nvPr>
+            <p:ph type="sldNum" sz="quarter" idx="12"/>
+          </p:nvPr>
+        </p:nvSpPr>
+        <p:spPr/>
+        <p:txBody>
+          <a:bodyPr/>
+          <a:lstStyle/>
+          <a:p>
+            <a:fld id="{5DD6F1BA-2510-46FC-9346-AB1F3CA1593B}" type="slidenum">
+              <a:rPr lang="it-IT" smtClean="0"/>
+              <a:t>28</a:t>
+            </a:fld>
+            <a:endParaRPr lang="it-IT"/>
+          </a:p>
+        </p:txBody>
+      </p:sp>
+      <p:sp>
+        <p:nvSpPr>
+          <p:cNvPr id="4" name="Footer Placeholder 3">
+            <a:extLst>
+              <a:ext uri="{FF2B5EF4-FFF2-40B4-BE49-F238E27FC236}">
+                <a16:creationId xmlns:a16="http://schemas.microsoft.com/office/drawing/2014/main" id="{D4ABFDFF-1CCF-4DE8-A0DA-7B01EDFF7E8C}"/>
+              </a:ext>
+            </a:extLst>
+          </p:cNvPr>
+          <p:cNvSpPr>
+            <a:spLocks noGrp="1"/>
+          </p:cNvSpPr>
+          <p:nvPr>
+            <p:ph type="ftr" sz="quarter" idx="4294967295"/>
+          </p:nvPr>
+        </p:nvSpPr>
+        <p:spPr>
+          <a:xfrm>
+            <a:off x="0" y="7007225"/>
+            <a:ext cx="3608388" cy="401638"/>
+          </a:xfrm>
+          <a:prstGeom prst="rect">
+            <a:avLst/>
+          </a:prstGeom>
+        </p:spPr>
+        <p:txBody>
+          <a:bodyPr/>
+          <a:lstStyle/>
+          <a:p>
+            <a:pPr algn="l"/>
+            <a:endParaRPr lang="it-IT" dirty="0"/>
+          </a:p>
+        </p:txBody>
+      </p:sp>
+    </p:spTree>
+    <p:extLst>
+      <p:ext uri="{BB962C8B-B14F-4D97-AF65-F5344CB8AC3E}">
+        <p14:creationId xmlns:p14="http://schemas.microsoft.com/office/powerpoint/2010/main" val="286026364"/>
+      </p:ext>
+    </p:extLst>
+  </p:cSld>
+  <p:clrMapOvr>
+    <a:masterClrMapping/>
+  </p:clrMapOvr>
+</p:sld>
+</file>
+
 <file path=ppt/slides/slide29.xml><?xml version="1.0" encoding="utf-8"?>
 <p:sld xmlns:a="http://schemas.openxmlformats.org/drawingml/2006/main" xmlns:r="http://schemas.openxmlformats.org/officeDocument/2006/relationships" xmlns:p="http://schemas.openxmlformats.org/presentationml/2006/main">
   <p:cSld>
@@ -13850,10 +13017,108 @@
       </p:grpSpPr>
       <p:sp>
         <p:nvSpPr>
-          <p:cNvPr id="3" name="Content Placeholder 2">
+          <p:cNvPr id="3" name="Titolo 2">
             <a:extLst>
               <a:ext uri="{FF2B5EF4-FFF2-40B4-BE49-F238E27FC236}">
-                <a16:creationId xmlns:a16="http://schemas.microsoft.com/office/drawing/2014/main" id="{F10ADF3A-29C8-4A15-ADBB-64BB243E2C2E}"/>
+                <a16:creationId xmlns:a16="http://schemas.microsoft.com/office/drawing/2014/main" id="{3C2401F1-3DBC-40C2-B695-5FD020639ABA}"/>
+              </a:ext>
+            </a:extLst>
+          </p:cNvPr>
+          <p:cNvSpPr>
+            <a:spLocks noGrp="1"/>
+          </p:cNvSpPr>
+          <p:nvPr>
+            <p:ph type="title"/>
+          </p:nvPr>
+        </p:nvSpPr>
+        <p:spPr>
+          <a:xfrm>
+            <a:off x="1718709" y="458473"/>
+            <a:ext cx="8858165" cy="481754"/>
+          </a:xfrm>
+        </p:spPr>
+        <p:txBody>
+          <a:bodyPr/>
+          <a:lstStyle/>
+          <a:p>
+            <a:r>
+              <a:rPr lang="en-US" dirty="0"/>
+              <a:t>Digital Twins and Simulation</a:t>
+            </a:r>
+          </a:p>
+        </p:txBody>
+      </p:sp>
+      <p:pic>
+        <p:nvPicPr>
+          <p:cNvPr id="5" name="Immagine 46">
+            <a:extLst>
+              <a:ext uri="{FF2B5EF4-FFF2-40B4-BE49-F238E27FC236}">
+                <a16:creationId xmlns:a16="http://schemas.microsoft.com/office/drawing/2014/main" id="{18B4EAFC-F3E5-442A-AD6D-61E6BEC7A617}"/>
+              </a:ext>
+            </a:extLst>
+          </p:cNvPr>
+          <p:cNvPicPr/>
+          <p:nvPr/>
+        </p:nvPicPr>
+        <p:blipFill>
+          <a:blip r:embed="rId2"/>
+          <a:stretch/>
+        </p:blipFill>
+        <p:spPr>
+          <a:xfrm>
+            <a:off x="494280" y="6450120"/>
+            <a:ext cx="1888920" cy="1110240"/>
+          </a:xfrm>
+          <a:prstGeom prst="rect">
+            <a:avLst/>
+          </a:prstGeom>
+          <a:ln w="0">
+            <a:noFill/>
+          </a:ln>
+        </p:spPr>
+      </p:pic>
+      <p:pic>
+        <p:nvPicPr>
+          <p:cNvPr id="7" name="Immagine 6">
+            <a:extLst>
+              <a:ext uri="{FF2B5EF4-FFF2-40B4-BE49-F238E27FC236}">
+                <a16:creationId xmlns:a16="http://schemas.microsoft.com/office/drawing/2014/main" id="{9E0C1E11-CDFD-49D3-B04C-071F0159FCE9}"/>
+              </a:ext>
+            </a:extLst>
+          </p:cNvPr>
+          <p:cNvPicPr>
+            <a:picLocks noChangeAspect="1"/>
+          </p:cNvPicPr>
+          <p:nvPr/>
+        </p:nvPicPr>
+        <p:blipFill>
+          <a:blip r:embed="rId3" cstate="print">
+            <a:extLst>
+              <a:ext uri="{28A0092B-C50C-407E-A947-70E740481C1C}">
+                <a14:useLocalDpi xmlns:a14="http://schemas.microsoft.com/office/drawing/2010/main" val="0"/>
+              </a:ext>
+            </a:extLst>
+          </a:blip>
+          <a:stretch>
+            <a:fillRect/>
+          </a:stretch>
+        </p:blipFill>
+        <p:spPr>
+          <a:xfrm>
+            <a:off x="5686425" y="4369043"/>
+            <a:ext cx="5005388" cy="2815531"/>
+          </a:xfrm>
+          <a:prstGeom prst="rect">
+            <a:avLst/>
+          </a:prstGeom>
+        </p:spPr>
+      </p:pic>
+      <p:sp>
+        <p:nvSpPr>
+          <p:cNvPr id="2" name="Segnaposto contenuto 1">
+            <a:extLst>
+              <a:ext uri="{FF2B5EF4-FFF2-40B4-BE49-F238E27FC236}">
+                <a16:creationId xmlns:a16="http://schemas.microsoft.com/office/drawing/2014/main" id="{DC70555C-3F85-4BA0-B747-F0FA29615B2A}"/>
               </a:ext>
             </a:extLst>
           </p:cNvPr>
@@ -13864,7 +13129,12 @@
             <p:ph idx="1"/>
           </p:nvPr>
         </p:nvSpPr>
-        <p:spPr/>
+        <p:spPr>
+          <a:xfrm>
+            <a:off x="735013" y="1431925"/>
+            <a:ext cx="9371012" cy="5376863"/>
+          </a:xfrm>
+        </p:spPr>
         <p:txBody>
           <a:bodyPr>
             <a:normAutofit/>
@@ -13873,237 +13143,88 @@
           <a:p>
             <a:r>
               <a:rPr lang="en-US" dirty="0"/>
-              <a:t>A modular data platform for precision agriculture</a:t>
+              <a:t>Digital twin</a:t>
             </a:r>
           </a:p>
           <a:p>
             <a:pPr lvl="1"/>
             <a:r>
-              <a:rPr lang="en-US" dirty="0">
-                <a:solidFill>
-                  <a:srgbClr val="FF5050"/>
-                </a:solidFill>
-              </a:rPr>
-              <a:t>Collecting</a:t>
-            </a:r>
-            <a:r>
               <a:rPr lang="en-US" dirty="0"/>
-              <a:t> data from </a:t>
-            </a:r>
-            <a:r>
-              <a:rPr lang="en-US" dirty="0">
-                <a:solidFill>
-                  <a:srgbClr val="FF5050"/>
-                </a:solidFill>
-              </a:rPr>
-              <a:t>heterogeneous</a:t>
-            </a:r>
+              <a:t>A virtual representation of an object or system that spans its lifecycle, is updated from real-time data, and uses simulation, machine learning and reasoning to help decision making (IBM)</a:t>
+            </a:r>
+          </a:p>
+          <a:p>
             <a:r>
               <a:rPr lang="en-US" dirty="0"/>
-              <a:t> sources (e.g., MQTT devices and robots)</a:t>
+              <a:t>Component twins</a:t>
             </a:r>
           </a:p>
           <a:p>
             <a:pPr lvl="1"/>
             <a:r>
-              <a:rPr lang="en-US" dirty="0">
-                <a:solidFill>
-                  <a:srgbClr val="FF5050"/>
-                </a:solidFill>
-              </a:rPr>
-              <a:t>Augmenting</a:t>
-            </a:r>
-            <a:r>
               <a:rPr lang="en-US" dirty="0"/>
-              <a:t> data with externally available knowledge (e.g., Open Street Map open data)</a:t>
+              <a:t>Basic unit of digital twin, the smallest example of a functioning component</a:t>
+            </a:r>
+          </a:p>
+          <a:p>
+            <a:r>
+              <a:rPr lang="en-US" dirty="0"/>
+              <a:t>Asset twins</a:t>
             </a:r>
           </a:p>
           <a:p>
             <a:pPr lvl="1"/>
             <a:r>
               <a:rPr lang="en-US" dirty="0"/>
-              <a:t>Maintaining </a:t>
-            </a:r>
-            <a:r>
-              <a:rPr lang="en-US" dirty="0">
-                <a:solidFill>
-                  <a:srgbClr val="FF5050"/>
-                </a:solidFill>
-              </a:rPr>
-              <a:t>digital twins</a:t>
+              <a:t>Study the interaction of components</a:t>
+            </a:r>
+          </a:p>
+          <a:p>
+            <a:r>
+              <a:rPr lang="en-US" dirty="0"/>
+              <a:t>System twins</a:t>
             </a:r>
           </a:p>
           <a:p>
             <a:pPr lvl="1"/>
             <a:r>
               <a:rPr lang="en-US" dirty="0"/>
-              <a:t>Building a </a:t>
-            </a:r>
-            <a:r>
-              <a:rPr lang="en-US" dirty="0">
-                <a:solidFill>
-                  <a:srgbClr val="FF5050"/>
-                </a:solidFill>
-              </a:rPr>
-              <a:t>unifying data model </a:t>
-            </a:r>
-            <a:r>
+              <a:t>How different assets come together</a:t>
+            </a:r>
+            <a:br>
               <a:rPr lang="en-US" dirty="0"/>
-              <a:t>supporting precision agriculture</a:t>
+            </a:br>
+            <a:r>
+              <a:rPr lang="en-US" dirty="0"/>
+              <a:t>to form an entire functioning system</a:t>
+            </a:r>
+          </a:p>
+          <a:p>
+            <a:r>
+              <a:rPr lang="en-US" dirty="0"/>
+              <a:t>Process twins</a:t>
             </a:r>
           </a:p>
           <a:p>
             <a:pPr lvl="1"/>
             <a:r>
               <a:rPr lang="en-US" dirty="0"/>
-              <a:t>Managing </a:t>
-            </a:r>
-            <a:r>
-              <a:rPr lang="en-US" dirty="0">
-                <a:solidFill>
-                  <a:srgbClr val="FF5050"/>
-                </a:solidFill>
-              </a:rPr>
-              <a:t>meta-data</a:t>
-            </a:r>
-            <a:r>
+              <a:t>How systems work together to </a:t>
+            </a:r>
+            <a:br>
               <a:rPr lang="en-US" dirty="0"/>
-              <a:t> supporting effective data access and management (e.g., access data depending on the geographical location)</a:t>
-            </a:r>
-          </a:p>
-          <a:p>
-            <a:pPr lvl="1"/>
+            </a:br>
             <a:r>
               <a:rPr lang="en-US" dirty="0"/>
-              <a:t>Enabling </a:t>
-            </a:r>
-            <a:r>
-              <a:rPr lang="en-US" dirty="0">
-                <a:solidFill>
-                  <a:srgbClr val="FF5050"/>
-                </a:solidFill>
-              </a:rPr>
-              <a:t>heterogenous data fruition</a:t>
-            </a:r>
-          </a:p>
-          <a:p>
-            <a:pPr lvl="2"/>
-            <a:r>
-              <a:rPr lang="en-US" dirty="0"/>
-              <a:t>Querying the collected data through well-known languages and APIs</a:t>
-            </a:r>
-          </a:p>
-          <a:p>
-            <a:pPr lvl="2"/>
-            <a:r>
-              <a:rPr lang="en-US" dirty="0"/>
-              <a:t>Dashboards of KPIs</a:t>
-            </a:r>
-          </a:p>
-          <a:p>
-            <a:pPr lvl="1"/>
-            <a:r>
-              <a:rPr lang="en-US" dirty="0"/>
-              <a:t>…</a:t>
-            </a:r>
-          </a:p>
-        </p:txBody>
-      </p:sp>
-      <p:sp>
-        <p:nvSpPr>
-          <p:cNvPr id="2" name="Title 1">
-            <a:extLst>
-              <a:ext uri="{FF2B5EF4-FFF2-40B4-BE49-F238E27FC236}">
-                <a16:creationId xmlns:a16="http://schemas.microsoft.com/office/drawing/2014/main" id="{DC948C86-4AB4-4376-9D45-6CEAD630BFD5}"/>
-              </a:ext>
-            </a:extLst>
-          </p:cNvPr>
-          <p:cNvSpPr>
-            <a:spLocks noGrp="1"/>
-          </p:cNvSpPr>
-          <p:nvPr>
-            <p:ph type="title"/>
-          </p:nvPr>
-        </p:nvSpPr>
-        <p:spPr/>
-        <p:txBody>
-          <a:bodyPr/>
-          <a:lstStyle/>
-          <a:p>
-            <a:r>
-              <a:rPr lang="en-US" dirty="0"/>
-              <a:t>Requirements</a:t>
-            </a:r>
-          </a:p>
-        </p:txBody>
-      </p:sp>
-      <p:sp>
-        <p:nvSpPr>
-          <p:cNvPr id="5" name="Slide Number Placeholder 4">
-            <a:extLst>
-              <a:ext uri="{FF2B5EF4-FFF2-40B4-BE49-F238E27FC236}">
-                <a16:creationId xmlns:a16="http://schemas.microsoft.com/office/drawing/2014/main" id="{15F106DF-12C9-458C-9BBD-2A23E378F110}"/>
-              </a:ext>
-            </a:extLst>
-          </p:cNvPr>
-          <p:cNvSpPr>
-            <a:spLocks noGrp="1"/>
-          </p:cNvSpPr>
-          <p:nvPr>
-            <p:ph type="sldNum" sz="quarter" idx="12"/>
-          </p:nvPr>
-        </p:nvSpPr>
-        <p:spPr/>
-        <p:txBody>
-          <a:bodyPr/>
-          <a:lstStyle/>
-          <a:p>
-            <a:fld id="{5DD6F1BA-2510-46FC-9346-AB1F3CA1593B}" type="slidenum">
-              <a:rPr lang="it-IT" smtClean="0"/>
-              <a:t>29</a:t>
-            </a:fld>
-            <a:endParaRPr lang="it-IT"/>
-          </a:p>
-        </p:txBody>
-      </p:sp>
-      <p:sp>
-        <p:nvSpPr>
-          <p:cNvPr id="4" name="Footer Placeholder 3">
-            <a:extLst>
-              <a:ext uri="{FF2B5EF4-FFF2-40B4-BE49-F238E27FC236}">
-                <a16:creationId xmlns:a16="http://schemas.microsoft.com/office/drawing/2014/main" id="{D4ABFDFF-1CCF-4DE8-A0DA-7B01EDFF7E8C}"/>
-              </a:ext>
-            </a:extLst>
-          </p:cNvPr>
-          <p:cNvSpPr>
-            <a:spLocks noGrp="1"/>
-          </p:cNvSpPr>
-          <p:nvPr>
-            <p:ph type="ftr" sz="quarter" idx="4294967295"/>
-          </p:nvPr>
-        </p:nvSpPr>
-        <p:spPr>
-          <a:xfrm>
-            <a:off x="0" y="7007225"/>
-            <a:ext cx="3608388" cy="401638"/>
-          </a:xfrm>
-          <a:prstGeom prst="rect">
-            <a:avLst/>
-          </a:prstGeom>
-        </p:spPr>
-        <p:txBody>
-          <a:bodyPr/>
-          <a:lstStyle/>
-          <a:p>
-            <a:pPr algn="l"/>
-            <a:endParaRPr lang="it-IT" dirty="0"/>
+              <a:t>create an entire production facility</a:t>
+            </a:r>
           </a:p>
         </p:txBody>
       </p:sp>
     </p:spTree>
     <p:extLst>
       <p:ext uri="{BB962C8B-B14F-4D97-AF65-F5344CB8AC3E}">
-        <p14:creationId xmlns:p14="http://schemas.microsoft.com/office/powerpoint/2010/main" val="286026364"/>
+        <p14:creationId xmlns:p14="http://schemas.microsoft.com/office/powerpoint/2010/main" val="1863468246"/>
       </p:ext>
     </p:extLst>
   </p:cSld>
@@ -14114,100 +13235,6 @@
 </file>
 
 <file path=ppt/slides/slide3.xml><?xml version="1.0" encoding="utf-8"?>
-<p:sld xmlns:a="http://schemas.openxmlformats.org/drawingml/2006/main" xmlns:r="http://schemas.openxmlformats.org/officeDocument/2006/relationships" xmlns:p="http://schemas.openxmlformats.org/presentationml/2006/main">
-  <p:cSld>
-    <p:bg>
-      <p:bgPr>
-        <a:solidFill>
-          <a:srgbClr val="008000">
-            <a:alpha val="40000"/>
-          </a:srgbClr>
-        </a:solidFill>
-        <a:effectLst/>
-      </p:bgPr>
-    </p:bg>
-    <p:spTree>
-      <p:nvGrpSpPr>
-        <p:cNvPr id="1" name=""/>
-        <p:cNvGrpSpPr/>
-        <p:nvPr/>
-      </p:nvGrpSpPr>
-      <p:grpSpPr>
-        <a:xfrm>
-          <a:off x="0" y="0"/>
-          <a:ext cx="0" cy="0"/>
-          <a:chOff x="0" y="0"/>
-          <a:chExt cx="0" cy="0"/>
-        </a:xfrm>
-      </p:grpSpPr>
-      <p:sp>
-        <p:nvSpPr>
-          <p:cNvPr id="4" name="Title 3">
-            <a:extLst>
-              <a:ext uri="{FF2B5EF4-FFF2-40B4-BE49-F238E27FC236}">
-                <a16:creationId xmlns:a16="http://schemas.microsoft.com/office/drawing/2014/main" id="{131D4650-0CAE-44EA-A0F2-84FEF7ACF1D8}"/>
-              </a:ext>
-            </a:extLst>
-          </p:cNvPr>
-          <p:cNvSpPr>
-            <a:spLocks noGrp="1"/>
-          </p:cNvSpPr>
-          <p:nvPr>
-            <p:ph type="title"/>
-          </p:nvPr>
-        </p:nvSpPr>
-        <p:spPr/>
-        <p:txBody>
-          <a:bodyPr/>
-          <a:lstStyle/>
-          <a:p>
-            <a:r>
-              <a:rPr lang="it-IT" dirty="0"/>
-              <a:t>Background</a:t>
-            </a:r>
-            <a:endParaRPr lang="en-US" dirty="0"/>
-          </a:p>
-        </p:txBody>
-      </p:sp>
-      <p:sp>
-        <p:nvSpPr>
-          <p:cNvPr id="5" name="Text Placeholder 4">
-            <a:extLst>
-              <a:ext uri="{FF2B5EF4-FFF2-40B4-BE49-F238E27FC236}">
-                <a16:creationId xmlns:a16="http://schemas.microsoft.com/office/drawing/2014/main" id="{CEF1704A-4E2E-4A97-9722-03A39BC676DA}"/>
-              </a:ext>
-            </a:extLst>
-          </p:cNvPr>
-          <p:cNvSpPr>
-            <a:spLocks noGrp="1"/>
-          </p:cNvSpPr>
-          <p:nvPr>
-            <p:ph type="body" idx="1"/>
-          </p:nvPr>
-        </p:nvSpPr>
-        <p:spPr/>
-        <p:txBody>
-          <a:bodyPr/>
-          <a:lstStyle/>
-          <a:p>
-            <a:endParaRPr lang="en-US"/>
-          </a:p>
-        </p:txBody>
-      </p:sp>
-    </p:spTree>
-    <p:extLst>
-      <p:ext uri="{BB962C8B-B14F-4D97-AF65-F5344CB8AC3E}">
-        <p14:creationId xmlns:p14="http://schemas.microsoft.com/office/powerpoint/2010/main" val="1639076096"/>
-      </p:ext>
-    </p:extLst>
-  </p:cSld>
-  <p:clrMapOvr>
-    <a:masterClrMapping/>
-  </p:clrMapOvr>
-</p:sld>
-</file>
-
-<file path=ppt/slides/slide30.xml><?xml version="1.0" encoding="utf-8"?>
 <p:sld xmlns:a="http://schemas.openxmlformats.org/drawingml/2006/main" xmlns:r="http://schemas.openxmlformats.org/officeDocument/2006/relationships" xmlns:p="http://schemas.openxmlformats.org/presentationml/2006/main">
   <p:cSld>
     <p:spTree>
@@ -14226,10 +13253,10 @@
       </p:grpSpPr>
       <p:sp>
         <p:nvSpPr>
-          <p:cNvPr id="2" name="Segnaposto contenuto 1">
+          <p:cNvPr id="3" name="Segnaposto contenuto 2">
             <a:extLst>
               <a:ext uri="{FF2B5EF4-FFF2-40B4-BE49-F238E27FC236}">
-                <a16:creationId xmlns:a16="http://schemas.microsoft.com/office/drawing/2014/main" id="{DC70555C-3F85-4BA0-B747-F0FA29615B2A}"/>
+                <a16:creationId xmlns:a16="http://schemas.microsoft.com/office/drawing/2014/main" id="{DC911431-3C34-56ED-5A8C-4E7D60D0838E}"/>
               </a:ext>
             </a:extLst>
           </p:cNvPr>
@@ -14240,24 +13267,98 @@
             <p:ph idx="1"/>
           </p:nvPr>
         </p:nvSpPr>
-        <p:spPr/>
-        <p:txBody>
-          <a:bodyPr/>
+        <p:spPr>
+          <a:xfrm>
+            <a:off x="735062" y="1432542"/>
+            <a:ext cx="9221689" cy="5376416"/>
+          </a:xfrm>
+        </p:spPr>
+        <p:txBody>
+          <a:bodyPr>
+            <a:normAutofit fontScale="92500" lnSpcReduction="10000"/>
+          </a:bodyPr>
           <a:lstStyle/>
           <a:p>
-            <a:pPr marL="0" indent="0">
-              <a:buNone/>
-            </a:pPr>
-            <a:endParaRPr lang="en-US" dirty="0"/>
-          </a:p>
-        </p:txBody>
-      </p:sp>
-      <p:sp>
-        <p:nvSpPr>
-          <p:cNvPr id="3" name="Titolo 2">
+            <a:r>
+              <a:rPr lang="en-US" noProof="0" dirty="0"/>
+              <a:t>Data-Driven Innovation</a:t>
+            </a:r>
+          </a:p>
+          <a:p>
+            <a:pPr lvl="1"/>
+            <a:r>
+              <a:rPr lang="en-US" noProof="0" dirty="0"/>
+              <a:t>Use of data and analytics to foster new products, processes and markets</a:t>
+            </a:r>
+          </a:p>
+          <a:p>
+            <a:pPr lvl="1"/>
+            <a:r>
+              <a:rPr lang="en-US" noProof="0" dirty="0"/>
+              <a:t>Drive discovery and execution of innovation, achieving new services with a business value</a:t>
+            </a:r>
+          </a:p>
+          <a:p>
+            <a:r>
+              <a:rPr lang="en-US" noProof="0" dirty="0"/>
+              <a:t>Analytics</a:t>
+            </a:r>
+          </a:p>
+          <a:p>
+            <a:pPr lvl="1"/>
+            <a:r>
+              <a:rPr lang="en-US" noProof="0" dirty="0"/>
+              <a:t>A catch-all term for different business intelligence (BI)- and application-related initiatives</a:t>
+            </a:r>
+          </a:p>
+          <a:p>
+            <a:pPr lvl="2"/>
+            <a:r>
+              <a:rPr lang="en-US" noProof="0" dirty="0"/>
+              <a:t>E.g., of analyzing information from a particular domain</a:t>
+            </a:r>
+          </a:p>
+          <a:p>
+            <a:pPr lvl="2"/>
+            <a:r>
+              <a:rPr lang="en-US" noProof="0" dirty="0"/>
+              <a:t>E.g., applying BI capabilities to a specific content area (e.g., sales, service, supply chain)</a:t>
+            </a:r>
+          </a:p>
+          <a:p>
+            <a:r>
+              <a:rPr lang="en-US" noProof="0" dirty="0"/>
+              <a:t>Advanced Analytics</a:t>
+            </a:r>
+          </a:p>
+          <a:p>
+            <a:pPr lvl="1"/>
+            <a:r>
+              <a:rPr lang="en-US" noProof="0" dirty="0"/>
+              <a:t>(Semi-)Autonomous examination of data to discover deeper insights, make predictions, or generate recommendations (e.g., through data/text mining and machine learning)</a:t>
+            </a:r>
+          </a:p>
+          <a:p>
+            <a:r>
+              <a:rPr lang="en-US" noProof="0" dirty="0"/>
+              <a:t>Augmented Analytics</a:t>
+            </a:r>
+          </a:p>
+          <a:p>
+            <a:pPr lvl="1"/>
+            <a:r>
+              <a:rPr lang="en-US" noProof="0" dirty="0"/>
+              <a:t>Use of technologies such as machine learning and AI to assist with data preparation, insight generation and insight explanation to augment how people explore and analyze data</a:t>
+            </a:r>
+          </a:p>
+        </p:txBody>
+      </p:sp>
+      <p:sp>
+        <p:nvSpPr>
+          <p:cNvPr id="2" name="Titolo 1">
             <a:extLst>
               <a:ext uri="{FF2B5EF4-FFF2-40B4-BE49-F238E27FC236}">
-                <a16:creationId xmlns:a16="http://schemas.microsoft.com/office/drawing/2014/main" id="{3C2401F1-3DBC-40C2-B695-5FD020639ABA}"/>
+                <a16:creationId xmlns:a16="http://schemas.microsoft.com/office/drawing/2014/main" id="{A965ABE8-5590-AF58-D1CB-426E5B6AE187}"/>
               </a:ext>
             </a:extLst>
           </p:cNvPr>
@@ -14268,133 +13369,62 @@
             <p:ph type="title"/>
           </p:nvPr>
         </p:nvSpPr>
-        <p:spPr/>
+        <p:spPr>
+          <a:xfrm>
+            <a:off x="1718709" y="458473"/>
+            <a:ext cx="8858165" cy="481754"/>
+          </a:xfrm>
+        </p:spPr>
         <p:txBody>
           <a:bodyPr/>
           <a:lstStyle/>
           <a:p>
             <a:r>
-              <a:rPr lang="en-US" dirty="0"/>
-              <a:t>Digital Twins and Simulation</a:t>
-            </a:r>
-          </a:p>
-        </p:txBody>
-      </p:sp>
-      <p:pic>
-        <p:nvPicPr>
-          <p:cNvPr id="4" name="Picture 2" descr="http://mobile-website-reseller.com/us/wp-content/uploads/2013/07/mobiele-website-video-demo.jpg">
+              <a:rPr lang="en-US" noProof="0" dirty="0"/>
+              <a:t>How did we get here?</a:t>
+            </a:r>
+          </a:p>
+        </p:txBody>
+      </p:sp>
+      <p:sp>
+        <p:nvSpPr>
+          <p:cNvPr id="5" name="Segnaposto numero diapositiva 4">
             <a:extLst>
               <a:ext uri="{FF2B5EF4-FFF2-40B4-BE49-F238E27FC236}">
-                <a16:creationId xmlns:a16="http://schemas.microsoft.com/office/drawing/2014/main" id="{D05D7587-FEB8-43CF-A547-2A064468C837}"/>
+                <a16:creationId xmlns:a16="http://schemas.microsoft.com/office/drawing/2014/main" id="{AE9CD75A-9A31-0709-AAFF-EA8A3A233A70}"/>
               </a:ext>
             </a:extLst>
           </p:cNvPr>
-          <p:cNvPicPr>
-            <a:picLocks noChangeAspect="1" noChangeArrowheads="1"/>
-          </p:cNvPicPr>
-          <p:nvPr/>
-        </p:nvPicPr>
-        <p:blipFill>
-          <a:blip r:embed="rId2">
-            <a:extLst>
-              <a:ext uri="{28A0092B-C50C-407E-A947-70E740481C1C}">
-                <a14:useLocalDpi xmlns:a14="http://schemas.microsoft.com/office/drawing/2010/main" val="0"/>
-              </a:ext>
-            </a:extLst>
-          </a:blip>
-          <a:stretch>
-            <a:fillRect/>
-          </a:stretch>
-        </p:blipFill>
-        <p:spPr bwMode="auto">
+          <p:cNvSpPr>
+            <a:spLocks noGrp="1"/>
+          </p:cNvSpPr>
+          <p:nvPr>
+            <p:ph type="sldNum" sz="quarter" idx="12"/>
+          </p:nvPr>
+        </p:nvSpPr>
+        <p:spPr>
           <a:xfrm>
-            <a:off x="1104876" y="2512081"/>
-            <a:ext cx="3217333" cy="3217333"/>
-          </a:xfrm>
-          <a:prstGeom prst="rect">
-            <a:avLst/>
-          </a:prstGeom>
-          <a:noFill/>
-          <a:extLst>
-            <a:ext uri="{909E8E84-426E-40DD-AFC4-6F175D3DCCD1}">
-              <a14:hiddenFill xmlns:a14="http://schemas.microsoft.com/office/drawing/2010/main">
-                <a:solidFill>
-                  <a:srgbClr val="FFFFFF"/>
-                </a:solidFill>
-              </a14:hiddenFill>
-            </a:ext>
-          </a:extLst>
-        </p:spPr>
-      </p:pic>
-      <p:pic>
-        <p:nvPicPr>
-          <p:cNvPr id="5" name="Immagine 46">
-            <a:extLst>
-              <a:ext uri="{FF2B5EF4-FFF2-40B4-BE49-F238E27FC236}">
-                <a16:creationId xmlns:a16="http://schemas.microsoft.com/office/drawing/2014/main" id="{18B4EAFC-F3E5-442A-AD6D-61E6BEC7A617}"/>
-              </a:ext>
-            </a:extLst>
-          </p:cNvPr>
-          <p:cNvPicPr/>
-          <p:nvPr/>
-        </p:nvPicPr>
-        <p:blipFill>
-          <a:blip r:embed="rId3"/>
-          <a:stretch/>
-        </p:blipFill>
-        <p:spPr>
-          <a:xfrm>
-            <a:off x="494280" y="6450120"/>
-            <a:ext cx="1888920" cy="1110240"/>
-          </a:xfrm>
-          <a:prstGeom prst="rect">
-            <a:avLst/>
-          </a:prstGeom>
-          <a:ln w="0">
-            <a:noFill/>
-          </a:ln>
-        </p:spPr>
-      </p:pic>
-      <p:pic>
-        <p:nvPicPr>
-          <p:cNvPr id="7" name="Immagine 6">
-            <a:extLst>
-              <a:ext uri="{FF2B5EF4-FFF2-40B4-BE49-F238E27FC236}">
-                <a16:creationId xmlns:a16="http://schemas.microsoft.com/office/drawing/2014/main" id="{9E0C1E11-CDFD-49D3-B04C-071F0159FCE9}"/>
-              </a:ext>
-            </a:extLst>
-          </p:cNvPr>
-          <p:cNvPicPr>
-            <a:picLocks noChangeAspect="1"/>
-          </p:cNvPicPr>
-          <p:nvPr/>
-        </p:nvPicPr>
-        <p:blipFill>
-          <a:blip r:embed="rId4" cstate="print">
-            <a:extLst>
-              <a:ext uri="{28A0092B-C50C-407E-A947-70E740481C1C}">
-                <a14:useLocalDpi xmlns:a14="http://schemas.microsoft.com/office/drawing/2010/main" val="0"/>
-              </a:ext>
-            </a:extLst>
-          </a:blip>
-          <a:stretch>
-            <a:fillRect/>
-          </a:stretch>
-        </p:blipFill>
-        <p:spPr>
-          <a:xfrm>
-            <a:off x="5061240" y="2676166"/>
-            <a:ext cx="5136293" cy="2889165"/>
-          </a:xfrm>
-          <a:prstGeom prst="rect">
-            <a:avLst/>
-          </a:prstGeom>
-        </p:spPr>
-      </p:pic>
+            <a:off x="7551093" y="7006700"/>
+            <a:ext cx="2405658" cy="402483"/>
+          </a:xfrm>
+        </p:spPr>
+        <p:txBody>
+          <a:bodyPr/>
+          <a:lstStyle/>
+          <a:p>
+            <a:fld id="{5DD6F1BA-2510-46FC-9346-AB1F3CA1593B}" type="slidenum">
+              <a:rPr lang="en-US" smtClean="0"/>
+              <a:pPr/>
+              <a:t>3</a:t>
+            </a:fld>
+            <a:endParaRPr lang="en-US" dirty="0"/>
+          </a:p>
+        </p:txBody>
+      </p:sp>
     </p:spTree>
     <p:extLst>
       <p:ext uri="{BB962C8B-B14F-4D97-AF65-F5344CB8AC3E}">
-        <p14:creationId xmlns:p14="http://schemas.microsoft.com/office/powerpoint/2010/main" val="1863468246"/>
+        <p14:creationId xmlns:p14="http://schemas.microsoft.com/office/powerpoint/2010/main" val="3547589054"/>
       </p:ext>
     </p:extLst>
   </p:cSld>
@@ -14404,7 +13434,7 @@
 </p:sld>
 </file>
 
-<file path=ppt/slides/slide31.xml><?xml version="1.0" encoding="utf-8"?>
+<file path=ppt/slides/slide30.xml><?xml version="1.0" encoding="utf-8"?>
 <p:sld xmlns:a="http://schemas.openxmlformats.org/drawingml/2006/main" xmlns:r="http://schemas.openxmlformats.org/officeDocument/2006/relationships" xmlns:p="http://schemas.openxmlformats.org/presentationml/2006/main">
   <p:cSld>
     <p:spTree>
@@ -14603,7 +13633,7 @@
           <a:p>
             <a:fld id="{5DD6F1BA-2510-46FC-9346-AB1F3CA1593B}" type="slidenum">
               <a:rPr lang="it-IT" smtClean="0"/>
-              <a:t>31</a:t>
+              <a:t>30</a:t>
             </a:fld>
             <a:endParaRPr lang="it-IT"/>
           </a:p>
@@ -14613,6 +13643,827 @@
     <p:extLst>
       <p:ext uri="{BB962C8B-B14F-4D97-AF65-F5344CB8AC3E}">
         <p14:creationId xmlns:p14="http://schemas.microsoft.com/office/powerpoint/2010/main" val="3802579605"/>
+      </p:ext>
+    </p:extLst>
+  </p:cSld>
+  <p:clrMapOvr>
+    <a:masterClrMapping/>
+  </p:clrMapOvr>
+</p:sld>
+</file>
+
+<file path=ppt/slides/slide31.xml><?xml version="1.0" encoding="utf-8"?>
+<p:sld xmlns:a="http://schemas.openxmlformats.org/drawingml/2006/main" xmlns:r="http://schemas.openxmlformats.org/officeDocument/2006/relationships" xmlns:p="http://schemas.openxmlformats.org/presentationml/2006/main">
+  <p:cSld>
+    <p:spTree>
+      <p:nvGrpSpPr>
+        <p:cNvPr id="1" name=""/>
+        <p:cNvGrpSpPr/>
+        <p:nvPr/>
+      </p:nvGrpSpPr>
+      <p:grpSpPr>
+        <a:xfrm>
+          <a:off x="0" y="0"/>
+          <a:ext cx="0" cy="0"/>
+          <a:chOff x="0" y="0"/>
+          <a:chExt cx="0" cy="0"/>
+        </a:xfrm>
+      </p:grpSpPr>
+      <p:sp>
+        <p:nvSpPr>
+          <p:cNvPr id="3" name="Content Placeholder 2">
+            <a:extLst>
+              <a:ext uri="{FF2B5EF4-FFF2-40B4-BE49-F238E27FC236}">
+                <a16:creationId xmlns:a16="http://schemas.microsoft.com/office/drawing/2014/main" id="{36A54F86-D140-4D0C-966D-E440D15C15BA}"/>
+              </a:ext>
+            </a:extLst>
+          </p:cNvPr>
+          <p:cNvSpPr>
+            <a:spLocks noGrp="1"/>
+          </p:cNvSpPr>
+          <p:nvPr>
+            <p:ph idx="1"/>
+          </p:nvPr>
+        </p:nvSpPr>
+        <p:spPr/>
+        <p:txBody>
+          <a:bodyPr>
+            <a:normAutofit fontScale="92500" lnSpcReduction="10000"/>
+          </a:bodyPr>
+          <a:lstStyle/>
+          <a:p>
+            <a:r>
+              <a:rPr lang="en-US" sz="1579" dirty="0">
+                <a:solidFill>
+                  <a:srgbClr val="FF5050"/>
+                </a:solidFill>
+              </a:rPr>
+              <a:t>GET /v2/entities/{</a:t>
+            </a:r>
+            <a:r>
+              <a:rPr lang="en-US" sz="1579" dirty="0" err="1">
+                <a:solidFill>
+                  <a:srgbClr val="FF5050"/>
+                </a:solidFill>
+              </a:rPr>
+              <a:t>entityID</a:t>
+            </a:r>
+            <a:r>
+              <a:rPr lang="en-US" sz="1579" dirty="0">
+                <a:solidFill>
+                  <a:srgbClr val="FF5050"/>
+                </a:solidFill>
+              </a:rPr>
+              <a:t>}/</a:t>
+            </a:r>
+            <a:r>
+              <a:rPr lang="en-US" sz="1579" dirty="0" err="1">
+                <a:solidFill>
+                  <a:srgbClr val="FF5050"/>
+                </a:solidFill>
+              </a:rPr>
+              <a:t>attrs</a:t>
+            </a:r>
+            <a:r>
+              <a:rPr lang="en-US" sz="1579" dirty="0">
+                <a:solidFill>
+                  <a:srgbClr val="FF5050"/>
+                </a:solidFill>
+              </a:rPr>
+              <a:t>/{</a:t>
+            </a:r>
+            <a:r>
+              <a:rPr lang="en-US" sz="1579" dirty="0" err="1">
+                <a:solidFill>
+                  <a:srgbClr val="FF5050"/>
+                </a:solidFill>
+              </a:rPr>
+              <a:t>attrName</a:t>
+            </a:r>
+            <a:r>
+              <a:rPr lang="en-US" sz="1579" dirty="0">
+                <a:solidFill>
+                  <a:srgbClr val="FF5050"/>
+                </a:solidFill>
+              </a:rPr>
+              <a:t>}</a:t>
+            </a:r>
+            <a:endParaRPr lang="en-GB" sz="1579" dirty="0">
+              <a:solidFill>
+                <a:srgbClr val="FF5050"/>
+              </a:solidFill>
+            </a:endParaRPr>
+          </a:p>
+          <a:p>
+            <a:pPr lvl="1"/>
+            <a:r>
+              <a:rPr lang="en-US" sz="1228" dirty="0"/>
+              <a:t>retrieve an attribute’s data</a:t>
+            </a:r>
+            <a:endParaRPr lang="en-GB" sz="1228" dirty="0"/>
+          </a:p>
+          <a:p>
+            <a:r>
+              <a:rPr lang="en-US" sz="1579" dirty="0">
+                <a:solidFill>
+                  <a:srgbClr val="FF5050"/>
+                </a:solidFill>
+              </a:rPr>
+              <a:t>PUT /v2/entities/{</a:t>
+            </a:r>
+            <a:r>
+              <a:rPr lang="en-US" sz="1579" dirty="0" err="1">
+                <a:solidFill>
+                  <a:srgbClr val="FF5050"/>
+                </a:solidFill>
+              </a:rPr>
+              <a:t>entityID</a:t>
+            </a:r>
+            <a:r>
+              <a:rPr lang="en-US" sz="1579" dirty="0">
+                <a:solidFill>
+                  <a:srgbClr val="FF5050"/>
+                </a:solidFill>
+              </a:rPr>
+              <a:t>}/</a:t>
+            </a:r>
+            <a:r>
+              <a:rPr lang="en-US" sz="1579" dirty="0" err="1">
+                <a:solidFill>
+                  <a:srgbClr val="FF5050"/>
+                </a:solidFill>
+              </a:rPr>
+              <a:t>attrs</a:t>
+            </a:r>
+            <a:r>
+              <a:rPr lang="en-US" sz="1579" dirty="0">
+                <a:solidFill>
+                  <a:srgbClr val="FF5050"/>
+                </a:solidFill>
+              </a:rPr>
+              <a:t>/{</a:t>
+            </a:r>
+            <a:r>
+              <a:rPr lang="en-US" sz="1579" dirty="0" err="1">
+                <a:solidFill>
+                  <a:srgbClr val="FF5050"/>
+                </a:solidFill>
+              </a:rPr>
+              <a:t>attrName</a:t>
+            </a:r>
+            <a:r>
+              <a:rPr lang="en-US" sz="1579" dirty="0">
+                <a:solidFill>
+                  <a:srgbClr val="FF5050"/>
+                </a:solidFill>
+              </a:rPr>
+              <a:t>}</a:t>
+            </a:r>
+            <a:endParaRPr lang="en-GB" sz="1579" dirty="0">
+              <a:solidFill>
+                <a:srgbClr val="FF5050"/>
+              </a:solidFill>
+            </a:endParaRPr>
+          </a:p>
+          <a:p>
+            <a:pPr lvl="1"/>
+            <a:r>
+              <a:rPr lang="en-US" sz="1228" dirty="0"/>
+              <a:t>updates an attribute’s data</a:t>
+            </a:r>
+            <a:endParaRPr lang="en-GB" sz="1228" dirty="0"/>
+          </a:p>
+          <a:p>
+            <a:r>
+              <a:rPr lang="en-US" sz="1579" dirty="0">
+                <a:solidFill>
+                  <a:srgbClr val="FF5050"/>
+                </a:solidFill>
+              </a:rPr>
+              <a:t>DELETE /v2/entities/{</a:t>
+            </a:r>
+            <a:r>
+              <a:rPr lang="en-US" sz="1579" dirty="0" err="1">
+                <a:solidFill>
+                  <a:srgbClr val="FF5050"/>
+                </a:solidFill>
+              </a:rPr>
+              <a:t>entityID</a:t>
+            </a:r>
+            <a:r>
+              <a:rPr lang="en-US" sz="1579" dirty="0">
+                <a:solidFill>
+                  <a:srgbClr val="FF5050"/>
+                </a:solidFill>
+              </a:rPr>
+              <a:t>}/</a:t>
+            </a:r>
+            <a:r>
+              <a:rPr lang="en-US" sz="1579" dirty="0" err="1">
+                <a:solidFill>
+                  <a:srgbClr val="FF5050"/>
+                </a:solidFill>
+              </a:rPr>
+              <a:t>attrs</a:t>
+            </a:r>
+            <a:r>
+              <a:rPr lang="en-US" sz="1579" dirty="0">
+                <a:solidFill>
+                  <a:srgbClr val="FF5050"/>
+                </a:solidFill>
+              </a:rPr>
+              <a:t>/{</a:t>
+            </a:r>
+            <a:r>
+              <a:rPr lang="en-US" sz="1579" dirty="0" err="1">
+                <a:solidFill>
+                  <a:srgbClr val="FF5050"/>
+                </a:solidFill>
+              </a:rPr>
+              <a:t>attrName</a:t>
+            </a:r>
+            <a:r>
+              <a:rPr lang="en-US" sz="1579" dirty="0">
+                <a:solidFill>
+                  <a:srgbClr val="FF5050"/>
+                </a:solidFill>
+              </a:rPr>
+              <a:t>}</a:t>
+            </a:r>
+            <a:endParaRPr lang="en-GB" sz="1579" dirty="0">
+              <a:solidFill>
+                <a:srgbClr val="FF5050"/>
+              </a:solidFill>
+            </a:endParaRPr>
+          </a:p>
+          <a:p>
+            <a:pPr lvl="1"/>
+            <a:r>
+              <a:rPr lang="en-US" sz="1228" dirty="0"/>
+              <a:t>deletes an attribute</a:t>
+            </a:r>
+            <a:endParaRPr lang="en-GB" sz="1228" dirty="0"/>
+          </a:p>
+          <a:p>
+            <a:r>
+              <a:rPr lang="en-US" sz="1579" dirty="0">
+                <a:solidFill>
+                  <a:srgbClr val="FF5050"/>
+                </a:solidFill>
+              </a:rPr>
+              <a:t>GET /v2/entities/{</a:t>
+            </a:r>
+            <a:r>
+              <a:rPr lang="en-US" sz="1579" dirty="0" err="1">
+                <a:solidFill>
+                  <a:srgbClr val="FF5050"/>
+                </a:solidFill>
+              </a:rPr>
+              <a:t>entityID</a:t>
+            </a:r>
+            <a:r>
+              <a:rPr lang="en-US" sz="1579" dirty="0">
+                <a:solidFill>
+                  <a:srgbClr val="FF5050"/>
+                </a:solidFill>
+              </a:rPr>
+              <a:t>}/</a:t>
+            </a:r>
+            <a:r>
+              <a:rPr lang="en-US" sz="1579" dirty="0" err="1">
+                <a:solidFill>
+                  <a:srgbClr val="FF5050"/>
+                </a:solidFill>
+              </a:rPr>
+              <a:t>attrs</a:t>
+            </a:r>
+            <a:r>
+              <a:rPr lang="en-US" sz="1579" dirty="0">
+                <a:solidFill>
+                  <a:srgbClr val="FF5050"/>
+                </a:solidFill>
+              </a:rPr>
+              <a:t>/{</a:t>
+            </a:r>
+            <a:r>
+              <a:rPr lang="en-US" sz="1579" dirty="0" err="1">
+                <a:solidFill>
+                  <a:srgbClr val="FF5050"/>
+                </a:solidFill>
+              </a:rPr>
+              <a:t>attrName</a:t>
+            </a:r>
+            <a:r>
+              <a:rPr lang="en-US" sz="1579" dirty="0">
+                <a:solidFill>
+                  <a:srgbClr val="FF5050"/>
+                </a:solidFill>
+              </a:rPr>
+              <a:t>}/value</a:t>
+            </a:r>
+            <a:endParaRPr lang="en-GB" sz="1579" dirty="0">
+              <a:solidFill>
+                <a:srgbClr val="FF5050"/>
+              </a:solidFill>
+            </a:endParaRPr>
+          </a:p>
+          <a:p>
+            <a:pPr lvl="1"/>
+            <a:r>
+              <a:rPr lang="en-US" sz="1228" dirty="0"/>
+              <a:t>retrieves an attribute’s value</a:t>
+            </a:r>
+            <a:endParaRPr lang="en-GB" sz="1228" dirty="0"/>
+          </a:p>
+          <a:p>
+            <a:r>
+              <a:rPr lang="en-US" sz="1579" dirty="0">
+                <a:solidFill>
+                  <a:srgbClr val="FF5050"/>
+                </a:solidFill>
+              </a:rPr>
+              <a:t>PUT /v2/entities/{</a:t>
+            </a:r>
+            <a:r>
+              <a:rPr lang="en-US" sz="1579" dirty="0" err="1">
+                <a:solidFill>
+                  <a:srgbClr val="FF5050"/>
+                </a:solidFill>
+              </a:rPr>
+              <a:t>entityID</a:t>
+            </a:r>
+            <a:r>
+              <a:rPr lang="en-US" sz="1579" dirty="0">
+                <a:solidFill>
+                  <a:srgbClr val="FF5050"/>
+                </a:solidFill>
+              </a:rPr>
+              <a:t>}/</a:t>
+            </a:r>
+            <a:r>
+              <a:rPr lang="en-US" sz="1579" dirty="0" err="1">
+                <a:solidFill>
+                  <a:srgbClr val="FF5050"/>
+                </a:solidFill>
+              </a:rPr>
+              <a:t>attrs</a:t>
+            </a:r>
+            <a:r>
+              <a:rPr lang="en-US" sz="1579" dirty="0">
+                <a:solidFill>
+                  <a:srgbClr val="FF5050"/>
+                </a:solidFill>
+              </a:rPr>
+              <a:t>/{</a:t>
+            </a:r>
+            <a:r>
+              <a:rPr lang="en-US" sz="1579" dirty="0" err="1">
+                <a:solidFill>
+                  <a:srgbClr val="FF5050"/>
+                </a:solidFill>
+              </a:rPr>
+              <a:t>attrName</a:t>
+            </a:r>
+            <a:r>
+              <a:rPr lang="en-US" sz="1579" dirty="0">
+                <a:solidFill>
+                  <a:srgbClr val="FF5050"/>
+                </a:solidFill>
+              </a:rPr>
+              <a:t>}/value</a:t>
+            </a:r>
+            <a:endParaRPr lang="en-GB" sz="1579" dirty="0">
+              <a:solidFill>
+                <a:srgbClr val="FF5050"/>
+              </a:solidFill>
+            </a:endParaRPr>
+          </a:p>
+          <a:p>
+            <a:pPr lvl="1"/>
+            <a:r>
+              <a:rPr lang="en-US" sz="1228" dirty="0"/>
+              <a:t>updates an attribute’s value</a:t>
+            </a:r>
+          </a:p>
+          <a:p>
+            <a:r>
+              <a:rPr lang="en-US" sz="1579" dirty="0">
+                <a:solidFill>
+                  <a:srgbClr val="FF5050"/>
+                </a:solidFill>
+              </a:rPr>
+              <a:t>GET /v2/entities/{</a:t>
+            </a:r>
+            <a:r>
+              <a:rPr lang="en-US" sz="1579" dirty="0" err="1">
+                <a:solidFill>
+                  <a:srgbClr val="FF5050"/>
+                </a:solidFill>
+              </a:rPr>
+              <a:t>entityID</a:t>
+            </a:r>
+            <a:r>
+              <a:rPr lang="en-US" sz="1579" dirty="0">
+                <a:solidFill>
+                  <a:srgbClr val="FF5050"/>
+                </a:solidFill>
+              </a:rPr>
+              <a:t>}/</a:t>
+            </a:r>
+            <a:r>
+              <a:rPr lang="en-US" sz="1579" dirty="0" err="1">
+                <a:solidFill>
+                  <a:srgbClr val="FF5050"/>
+                </a:solidFill>
+              </a:rPr>
+              <a:t>attrs</a:t>
+            </a:r>
+            <a:r>
+              <a:rPr lang="en-US" sz="1579" dirty="0">
+                <a:solidFill>
+                  <a:srgbClr val="FF5050"/>
+                </a:solidFill>
+              </a:rPr>
+              <a:t>/{</a:t>
+            </a:r>
+            <a:r>
+              <a:rPr lang="en-US" sz="1579" dirty="0" err="1">
+                <a:solidFill>
+                  <a:srgbClr val="FF5050"/>
+                </a:solidFill>
+              </a:rPr>
+              <a:t>attrName</a:t>
+            </a:r>
+            <a:r>
+              <a:rPr lang="en-US" sz="1579" dirty="0">
+                <a:solidFill>
+                  <a:srgbClr val="FF5050"/>
+                </a:solidFill>
+              </a:rPr>
+              <a:t>}</a:t>
+            </a:r>
+            <a:endParaRPr lang="en-GB" sz="1579" dirty="0">
+              <a:solidFill>
+                <a:srgbClr val="FF5050"/>
+              </a:solidFill>
+            </a:endParaRPr>
+          </a:p>
+          <a:p>
+            <a:pPr lvl="1"/>
+            <a:r>
+              <a:rPr lang="en-US" sz="1228" dirty="0"/>
+              <a:t>retrieve an attribute’s data</a:t>
+            </a:r>
+            <a:endParaRPr lang="en-GB" sz="1228" dirty="0"/>
+          </a:p>
+          <a:p>
+            <a:r>
+              <a:rPr lang="en-US" sz="1579" dirty="0">
+                <a:solidFill>
+                  <a:srgbClr val="FF5050"/>
+                </a:solidFill>
+              </a:rPr>
+              <a:t>PUT /v2/entities/{</a:t>
+            </a:r>
+            <a:r>
+              <a:rPr lang="en-US" sz="1579" dirty="0" err="1">
+                <a:solidFill>
+                  <a:srgbClr val="FF5050"/>
+                </a:solidFill>
+              </a:rPr>
+              <a:t>entityID</a:t>
+            </a:r>
+            <a:r>
+              <a:rPr lang="en-US" sz="1579" dirty="0">
+                <a:solidFill>
+                  <a:srgbClr val="FF5050"/>
+                </a:solidFill>
+              </a:rPr>
+              <a:t>}/</a:t>
+            </a:r>
+            <a:r>
+              <a:rPr lang="en-US" sz="1579" dirty="0" err="1">
+                <a:solidFill>
+                  <a:srgbClr val="FF5050"/>
+                </a:solidFill>
+              </a:rPr>
+              <a:t>attrs</a:t>
+            </a:r>
+            <a:r>
+              <a:rPr lang="en-US" sz="1579" dirty="0">
+                <a:solidFill>
+                  <a:srgbClr val="FF5050"/>
+                </a:solidFill>
+              </a:rPr>
+              <a:t>/{</a:t>
+            </a:r>
+            <a:r>
+              <a:rPr lang="en-US" sz="1579" dirty="0" err="1">
+                <a:solidFill>
+                  <a:srgbClr val="FF5050"/>
+                </a:solidFill>
+              </a:rPr>
+              <a:t>attrName</a:t>
+            </a:r>
+            <a:r>
+              <a:rPr lang="en-US" sz="1579" dirty="0">
+                <a:solidFill>
+                  <a:srgbClr val="FF5050"/>
+                </a:solidFill>
+              </a:rPr>
+              <a:t>}</a:t>
+            </a:r>
+            <a:endParaRPr lang="en-GB" sz="1579" dirty="0">
+              <a:solidFill>
+                <a:srgbClr val="FF5050"/>
+              </a:solidFill>
+            </a:endParaRPr>
+          </a:p>
+          <a:p>
+            <a:pPr lvl="1"/>
+            <a:r>
+              <a:rPr lang="en-US" sz="1228" dirty="0"/>
+              <a:t>updates an attribute’s data</a:t>
+            </a:r>
+            <a:endParaRPr lang="en-GB" sz="1228" dirty="0"/>
+          </a:p>
+          <a:p>
+            <a:r>
+              <a:rPr lang="en-US" sz="1579" dirty="0">
+                <a:solidFill>
+                  <a:srgbClr val="FF5050"/>
+                </a:solidFill>
+              </a:rPr>
+              <a:t>DELETE /v2/entities/{</a:t>
+            </a:r>
+            <a:r>
+              <a:rPr lang="en-US" sz="1579" dirty="0" err="1">
+                <a:solidFill>
+                  <a:srgbClr val="FF5050"/>
+                </a:solidFill>
+              </a:rPr>
+              <a:t>entityID</a:t>
+            </a:r>
+            <a:r>
+              <a:rPr lang="en-US" sz="1579" dirty="0">
+                <a:solidFill>
+                  <a:srgbClr val="FF5050"/>
+                </a:solidFill>
+              </a:rPr>
+              <a:t>}/</a:t>
+            </a:r>
+            <a:r>
+              <a:rPr lang="en-US" sz="1579" dirty="0" err="1">
+                <a:solidFill>
+                  <a:srgbClr val="FF5050"/>
+                </a:solidFill>
+              </a:rPr>
+              <a:t>attrs</a:t>
+            </a:r>
+            <a:r>
+              <a:rPr lang="en-US" sz="1579" dirty="0">
+                <a:solidFill>
+                  <a:srgbClr val="FF5050"/>
+                </a:solidFill>
+              </a:rPr>
+              <a:t>/{</a:t>
+            </a:r>
+            <a:r>
+              <a:rPr lang="en-US" sz="1579" dirty="0" err="1">
+                <a:solidFill>
+                  <a:srgbClr val="FF5050"/>
+                </a:solidFill>
+              </a:rPr>
+              <a:t>attrName</a:t>
+            </a:r>
+            <a:r>
+              <a:rPr lang="en-US" sz="1579" dirty="0">
+                <a:solidFill>
+                  <a:srgbClr val="FF5050"/>
+                </a:solidFill>
+              </a:rPr>
+              <a:t>}</a:t>
+            </a:r>
+            <a:endParaRPr lang="en-GB" sz="1579" dirty="0">
+              <a:solidFill>
+                <a:srgbClr val="FF5050"/>
+              </a:solidFill>
+            </a:endParaRPr>
+          </a:p>
+          <a:p>
+            <a:pPr lvl="1"/>
+            <a:r>
+              <a:rPr lang="en-US" sz="1228" dirty="0"/>
+              <a:t>deletes an attribute</a:t>
+            </a:r>
+            <a:endParaRPr lang="en-GB" sz="1228" dirty="0"/>
+          </a:p>
+          <a:p>
+            <a:r>
+              <a:rPr lang="en-US" sz="1579" dirty="0">
+                <a:solidFill>
+                  <a:srgbClr val="FF5050"/>
+                </a:solidFill>
+              </a:rPr>
+              <a:t>GET /v2/entities/{</a:t>
+            </a:r>
+            <a:r>
+              <a:rPr lang="en-US" sz="1579" dirty="0" err="1">
+                <a:solidFill>
+                  <a:srgbClr val="FF5050"/>
+                </a:solidFill>
+              </a:rPr>
+              <a:t>entityID</a:t>
+            </a:r>
+            <a:r>
+              <a:rPr lang="en-US" sz="1579" dirty="0">
+                <a:solidFill>
+                  <a:srgbClr val="FF5050"/>
+                </a:solidFill>
+              </a:rPr>
+              <a:t>}/</a:t>
+            </a:r>
+            <a:r>
+              <a:rPr lang="en-US" sz="1579" dirty="0" err="1">
+                <a:solidFill>
+                  <a:srgbClr val="FF5050"/>
+                </a:solidFill>
+              </a:rPr>
+              <a:t>attrs</a:t>
+            </a:r>
+            <a:r>
+              <a:rPr lang="en-US" sz="1579" dirty="0">
+                <a:solidFill>
+                  <a:srgbClr val="FF5050"/>
+                </a:solidFill>
+              </a:rPr>
+              <a:t>/{</a:t>
+            </a:r>
+            <a:r>
+              <a:rPr lang="en-US" sz="1579" dirty="0" err="1">
+                <a:solidFill>
+                  <a:srgbClr val="FF5050"/>
+                </a:solidFill>
+              </a:rPr>
+              <a:t>attrName</a:t>
+            </a:r>
+            <a:r>
+              <a:rPr lang="en-US" sz="1579" dirty="0">
+                <a:solidFill>
+                  <a:srgbClr val="FF5050"/>
+                </a:solidFill>
+              </a:rPr>
+              <a:t>}/value</a:t>
+            </a:r>
+            <a:endParaRPr lang="en-GB" sz="1579" dirty="0">
+              <a:solidFill>
+                <a:srgbClr val="FF5050"/>
+              </a:solidFill>
+            </a:endParaRPr>
+          </a:p>
+          <a:p>
+            <a:pPr lvl="1"/>
+            <a:r>
+              <a:rPr lang="en-US" sz="1228" dirty="0"/>
+              <a:t>retrieves an attribute’s value</a:t>
+            </a:r>
+            <a:endParaRPr lang="en-GB" sz="1228" dirty="0"/>
+          </a:p>
+          <a:p>
+            <a:r>
+              <a:rPr lang="en-US" sz="1579" dirty="0">
+                <a:solidFill>
+                  <a:srgbClr val="FF5050"/>
+                </a:solidFill>
+              </a:rPr>
+              <a:t>PUT /v2/entities/{</a:t>
+            </a:r>
+            <a:r>
+              <a:rPr lang="en-US" sz="1579" dirty="0" err="1">
+                <a:solidFill>
+                  <a:srgbClr val="FF5050"/>
+                </a:solidFill>
+              </a:rPr>
+              <a:t>entityID</a:t>
+            </a:r>
+            <a:r>
+              <a:rPr lang="en-US" sz="1579" dirty="0">
+                <a:solidFill>
+                  <a:srgbClr val="FF5050"/>
+                </a:solidFill>
+              </a:rPr>
+              <a:t>}/</a:t>
+            </a:r>
+            <a:r>
+              <a:rPr lang="en-US" sz="1579" dirty="0" err="1">
+                <a:solidFill>
+                  <a:srgbClr val="FF5050"/>
+                </a:solidFill>
+              </a:rPr>
+              <a:t>attrs</a:t>
+            </a:r>
+            <a:r>
+              <a:rPr lang="en-US" sz="1579" dirty="0">
+                <a:solidFill>
+                  <a:srgbClr val="FF5050"/>
+                </a:solidFill>
+              </a:rPr>
+              <a:t>/{</a:t>
+            </a:r>
+            <a:r>
+              <a:rPr lang="en-US" sz="1579" dirty="0" err="1">
+                <a:solidFill>
+                  <a:srgbClr val="FF5050"/>
+                </a:solidFill>
+              </a:rPr>
+              <a:t>attrName</a:t>
+            </a:r>
+            <a:r>
+              <a:rPr lang="en-US" sz="1579" dirty="0">
+                <a:solidFill>
+                  <a:srgbClr val="FF5050"/>
+                </a:solidFill>
+              </a:rPr>
+              <a:t>}/value</a:t>
+            </a:r>
+            <a:endParaRPr lang="en-GB" sz="1579" dirty="0">
+              <a:solidFill>
+                <a:srgbClr val="FF5050"/>
+              </a:solidFill>
+            </a:endParaRPr>
+          </a:p>
+          <a:p>
+            <a:pPr lvl="1"/>
+            <a:r>
+              <a:rPr lang="en-US" sz="1228" dirty="0"/>
+              <a:t>updates an attribute’s value</a:t>
+            </a:r>
+            <a:endParaRPr lang="en-GB" sz="1228" dirty="0"/>
+          </a:p>
+        </p:txBody>
+      </p:sp>
+      <p:sp>
+        <p:nvSpPr>
+          <p:cNvPr id="2" name="Title 1">
+            <a:extLst>
+              <a:ext uri="{FF2B5EF4-FFF2-40B4-BE49-F238E27FC236}">
+                <a16:creationId xmlns:a16="http://schemas.microsoft.com/office/drawing/2014/main" id="{63A5F419-B230-4DBA-94D6-7480ED09FC55}"/>
+              </a:ext>
+            </a:extLst>
+          </p:cNvPr>
+          <p:cNvSpPr>
+            <a:spLocks noGrp="1"/>
+          </p:cNvSpPr>
+          <p:nvPr>
+            <p:ph type="title"/>
+          </p:nvPr>
+        </p:nvSpPr>
+        <p:spPr/>
+        <p:txBody>
+          <a:bodyPr/>
+          <a:lstStyle/>
+          <a:p>
+            <a:r>
+              <a:rPr lang="en-US" dirty="0"/>
+              <a:t>FIWARE</a:t>
+            </a:r>
+          </a:p>
+        </p:txBody>
+      </p:sp>
+      <p:sp>
+        <p:nvSpPr>
+          <p:cNvPr id="6" name="Slide Number Placeholder 5">
+            <a:extLst>
+              <a:ext uri="{FF2B5EF4-FFF2-40B4-BE49-F238E27FC236}">
+                <a16:creationId xmlns:a16="http://schemas.microsoft.com/office/drawing/2014/main" id="{4350092C-70EB-4582-B255-63CA6518F3CD}"/>
+              </a:ext>
+            </a:extLst>
+          </p:cNvPr>
+          <p:cNvSpPr>
+            <a:spLocks noGrp="1"/>
+          </p:cNvSpPr>
+          <p:nvPr>
+            <p:ph type="sldNum" sz="quarter" idx="12"/>
+          </p:nvPr>
+        </p:nvSpPr>
+        <p:spPr/>
+        <p:txBody>
+          <a:bodyPr/>
+          <a:lstStyle/>
+          <a:p>
+            <a:fld id="{5DD6F1BA-2510-46FC-9346-AB1F3CA1593B}" type="slidenum">
+              <a:rPr lang="it-IT" smtClean="0"/>
+              <a:pPr/>
+              <a:t>31</a:t>
+            </a:fld>
+            <a:endParaRPr lang="it-IT"/>
+          </a:p>
+        </p:txBody>
+      </p:sp>
+    </p:spTree>
+    <p:extLst>
+      <p:ext uri="{BB962C8B-B14F-4D97-AF65-F5344CB8AC3E}">
+        <p14:creationId xmlns:p14="http://schemas.microsoft.com/office/powerpoint/2010/main" val="668464320"/>
       </p:ext>
     </p:extLst>
   </p:cSld>
@@ -14641,10 +14492,10 @@
       </p:grpSpPr>
       <p:sp>
         <p:nvSpPr>
-          <p:cNvPr id="3" name="Content Placeholder 2">
+          <p:cNvPr id="2" name="Content Placeholder 1">
             <a:extLst>
               <a:ext uri="{FF2B5EF4-FFF2-40B4-BE49-F238E27FC236}">
-                <a16:creationId xmlns:a16="http://schemas.microsoft.com/office/drawing/2014/main" id="{36A54F86-D140-4D0C-966D-E440D15C15BA}"/>
+                <a16:creationId xmlns:a16="http://schemas.microsoft.com/office/drawing/2014/main" id="{55B4FF78-F76F-45EA-A7C7-9330E9C923A7}"/>
               </a:ext>
             </a:extLst>
           </p:cNvPr>
@@ -14655,373 +14506,712 @@
             <p:ph idx="1"/>
           </p:nvPr>
         </p:nvSpPr>
-        <p:spPr/>
+        <p:spPr>
+          <a:xfrm>
+            <a:off x="735063" y="1432542"/>
+            <a:ext cx="9591694" cy="5376416"/>
+          </a:xfrm>
+        </p:spPr>
         <p:txBody>
           <a:bodyPr/>
           <a:lstStyle/>
           <a:p>
-            <a:r>
-              <a:rPr lang="en-US" sz="1579" dirty="0">
+            <a:pPr marL="0" indent="0" defTabSz="914400" eaLnBrk="0" fontAlgn="base" hangingPunct="0">
+              <a:lnSpc>
+                <a:spcPct val="100000"/>
+              </a:lnSpc>
+              <a:spcBef>
+                <a:spcPct val="0"/>
+              </a:spcBef>
+              <a:spcAft>
+                <a:spcPct val="0"/>
+              </a:spcAft>
+              <a:buNone/>
+            </a:pPr>
+            <a:r>
+              <a:rPr lang="en-US" altLang="en-US" sz="1600" dirty="0"/>
+              <a:t>Example of FIWARE entity and Weeding Heatmap</a:t>
+            </a:r>
+            <a:br>
+              <a:rPr lang="en-US" altLang="en-US" sz="1500" b="0" dirty="0">
                 <a:solidFill>
-                  <a:srgbClr val="FF5050"/>
+                  <a:schemeClr val="tx1"/>
                 </a:solidFill>
+                <a:latin typeface="Consolas" panose="020B0609020204030204" pitchFamily="49" charset="0"/>
               </a:rPr>
-              <a:t>GET /v2/entities/{</a:t>
-            </a:r>
-            <a:r>
-              <a:rPr lang="en-US" sz="1579" dirty="0" err="1">
+            </a:br>
+            <a:r>
+              <a:rPr kumimoji="0" lang="en-US" altLang="en-US" sz="1500" b="0" i="0" u="none" strike="noStrike" cap="none" normalizeH="0" baseline="0" dirty="0">
+                <a:ln>
+                  <a:noFill/>
+                </a:ln>
                 <a:solidFill>
-                  <a:srgbClr val="FF5050"/>
+                  <a:schemeClr val="tx1"/>
                 </a:solidFill>
+                <a:effectLst/>
+                <a:latin typeface="Consolas" panose="020B0609020204030204" pitchFamily="49" charset="0"/>
               </a:rPr>
-              <a:t>entityID</a:t>
-            </a:r>
-            <a:r>
-              <a:rPr lang="en-US" sz="1579" dirty="0">
+              <a:t>{ </a:t>
+            </a:r>
+          </a:p>
+          <a:p>
+            <a:pPr marL="0" marR="0" lvl="0" indent="0" algn="l" defTabSz="914400" rtl="0" eaLnBrk="0" fontAlgn="base" latinLnBrk="0" hangingPunct="0">
+              <a:lnSpc>
+                <a:spcPct val="100000"/>
+              </a:lnSpc>
+              <a:spcBef>
+                <a:spcPct val="0"/>
+              </a:spcBef>
+              <a:spcAft>
+                <a:spcPct val="0"/>
+              </a:spcAft>
+              <a:buClrTx/>
+              <a:buSzTx/>
+              <a:buFontTx/>
+              <a:buNone/>
+              <a:tabLst/>
+            </a:pPr>
+            <a:r>
+              <a:rPr lang="en-US" altLang="en-US" sz="1500" b="0" dirty="0">
                 <a:solidFill>
-                  <a:srgbClr val="FF5050"/>
+                  <a:schemeClr val="tx1"/>
                 </a:solidFill>
+                <a:latin typeface="Consolas" panose="020B0609020204030204" pitchFamily="49" charset="0"/>
               </a:rPr>
-              <a:t>}/</a:t>
-            </a:r>
-            <a:r>
-              <a:rPr lang="en-US" sz="1579" dirty="0" err="1">
+              <a:t>    </a:t>
+            </a:r>
+            <a:r>
+              <a:rPr kumimoji="0" lang="en-US" altLang="en-US" sz="1500" b="0" i="0" u="none" strike="noStrike" cap="none" normalizeH="0" baseline="0" dirty="0">
+                <a:ln>
+                  <a:noFill/>
+                </a:ln>
                 <a:solidFill>
-                  <a:srgbClr val="FF5050"/>
+                  <a:schemeClr val="tx1"/>
                 </a:solidFill>
+                <a:effectLst/>
+                <a:latin typeface="Consolas" panose="020B0609020204030204" pitchFamily="49" charset="0"/>
               </a:rPr>
-              <a:t>attrs</a:t>
-            </a:r>
-            <a:r>
-              <a:rPr lang="en-US" sz="1579" dirty="0">
+              <a:t>"</a:t>
+            </a:r>
+            <a:r>
+              <a:rPr kumimoji="0" lang="en-US" altLang="en-US" sz="1500" b="0" i="0" u="none" strike="noStrike" cap="none" normalizeH="0" baseline="0" dirty="0">
+                <a:ln>
+                  <a:noFill/>
+                </a:ln>
                 <a:solidFill>
-                  <a:srgbClr val="FF5050"/>
+                  <a:srgbClr val="0070C0"/>
                 </a:solidFill>
+                <a:effectLst/>
+                <a:latin typeface="Consolas" panose="020B0609020204030204" pitchFamily="49" charset="0"/>
               </a:rPr>
-              <a:t>/{</a:t>
-            </a:r>
-            <a:r>
-              <a:rPr lang="en-US" sz="1579" dirty="0" err="1">
+              <a:t>type</a:t>
+            </a:r>
+            <a:r>
+              <a:rPr kumimoji="0" lang="en-US" altLang="en-US" sz="1500" b="0" i="0" u="none" strike="noStrike" cap="none" normalizeH="0" baseline="0" dirty="0">
+                <a:ln>
+                  <a:noFill/>
+                </a:ln>
                 <a:solidFill>
-                  <a:srgbClr val="FF5050"/>
+                  <a:schemeClr val="tx1"/>
                 </a:solidFill>
+                <a:effectLst/>
+                <a:latin typeface="Consolas" panose="020B0609020204030204" pitchFamily="49" charset="0"/>
               </a:rPr>
-              <a:t>attrName</a:t>
-            </a:r>
-            <a:r>
-              <a:rPr lang="en-US" sz="1579" dirty="0">
+              <a:t>": "Device",</a:t>
+            </a:r>
+            <a:br>
+              <a:rPr kumimoji="0" lang="en-US" altLang="en-US" sz="1500" b="0" i="0" u="none" strike="noStrike" cap="none" normalizeH="0" baseline="0" dirty="0">
+                <a:ln>
+                  <a:noFill/>
+                </a:ln>
                 <a:solidFill>
-                  <a:srgbClr val="FF5050"/>
+                  <a:schemeClr val="tx1"/>
                 </a:solidFill>
+                <a:effectLst/>
+                <a:latin typeface="Consolas" panose="020B0609020204030204" pitchFamily="49" charset="0"/>
               </a:rPr>
-              <a:t>}</a:t>
-            </a:r>
-            <a:endParaRPr lang="en-GB" sz="1579" dirty="0">
-              <a:solidFill>
-                <a:srgbClr val="FF5050"/>
-              </a:solidFill>
-            </a:endParaRPr>
-          </a:p>
-          <a:p>
-            <a:pPr lvl="1"/>
-            <a:r>
-              <a:rPr lang="en-US" sz="1228" dirty="0"/>
-              <a:t>retrieve an attribute’s data</a:t>
-            </a:r>
-            <a:endParaRPr lang="en-GB" sz="1228" dirty="0"/>
-          </a:p>
-          <a:p>
-            <a:r>
-              <a:rPr lang="en-US" sz="1579" dirty="0">
+            </a:br>
+            <a:r>
+              <a:rPr kumimoji="0" lang="en-US" altLang="en-US" sz="1500" b="0" i="0" u="none" strike="noStrike" cap="none" normalizeH="0" baseline="0" dirty="0">
+                <a:ln>
+                  <a:noFill/>
+                </a:ln>
                 <a:solidFill>
-                  <a:srgbClr val="FF5050"/>
+                  <a:schemeClr val="tx1"/>
                 </a:solidFill>
+                <a:effectLst/>
+                <a:latin typeface="Consolas" panose="020B0609020204030204" pitchFamily="49" charset="0"/>
               </a:rPr>
-              <a:t>PUT /v2/entities/{</a:t>
-            </a:r>
-            <a:r>
-              <a:rPr lang="en-US" sz="1579" dirty="0" err="1">
+              <a:t>    "</a:t>
+            </a:r>
+            <a:r>
+              <a:rPr kumimoji="0" lang="en-US" altLang="en-US" sz="1500" b="0" i="0" u="none" strike="noStrike" cap="none" normalizeH="0" baseline="0" dirty="0">
+                <a:ln>
+                  <a:noFill/>
+                </a:ln>
                 <a:solidFill>
-                  <a:srgbClr val="FF5050"/>
+                  <a:srgbClr val="0070C0"/>
                 </a:solidFill>
+                <a:effectLst/>
+                <a:latin typeface="Consolas" panose="020B0609020204030204" pitchFamily="49" charset="0"/>
               </a:rPr>
-              <a:t>entityID</a:t>
-            </a:r>
-            <a:r>
-              <a:rPr lang="en-US" sz="1579" dirty="0">
+              <a:t>name</a:t>
+            </a:r>
+            <a:r>
+              <a:rPr kumimoji="0" lang="en-US" altLang="en-US" sz="1500" b="0" i="0" u="none" strike="noStrike" cap="none" normalizeH="0" baseline="0" dirty="0">
+                <a:ln>
+                  <a:noFill/>
+                </a:ln>
                 <a:solidFill>
-                  <a:srgbClr val="FF5050"/>
+                  <a:schemeClr val="tx1"/>
                 </a:solidFill>
+                <a:effectLst/>
+                <a:latin typeface="Consolas" panose="020B0609020204030204" pitchFamily="49" charset="0"/>
               </a:rPr>
-              <a:t>}/</a:t>
-            </a:r>
-            <a:r>
-              <a:rPr lang="en-US" sz="1579" dirty="0" err="1">
+              <a:t>": “Laser-123",</a:t>
+            </a:r>
+          </a:p>
+          <a:p>
+            <a:pPr marL="0" marR="0" lvl="0" indent="0" algn="l" defTabSz="914400" rtl="0" eaLnBrk="0" fontAlgn="base" latinLnBrk="0" hangingPunct="0">
+              <a:lnSpc>
+                <a:spcPct val="100000"/>
+              </a:lnSpc>
+              <a:spcBef>
+                <a:spcPct val="0"/>
+              </a:spcBef>
+              <a:spcAft>
+                <a:spcPct val="0"/>
+              </a:spcAft>
+              <a:buClrTx/>
+              <a:buSzTx/>
+              <a:buFontTx/>
+              <a:buNone/>
+              <a:tabLst/>
+            </a:pPr>
+            <a:r>
+              <a:rPr lang="en-US" altLang="en-US" sz="1500" b="0" dirty="0">
                 <a:solidFill>
-                  <a:srgbClr val="FF5050"/>
+                  <a:schemeClr val="tx1"/>
                 </a:solidFill>
+                <a:latin typeface="Consolas" panose="020B0609020204030204" pitchFamily="49" charset="0"/>
               </a:rPr>
-              <a:t>attrs</a:t>
-            </a:r>
-            <a:r>
-              <a:rPr lang="en-US" sz="1579" dirty="0">
+              <a:t>    </a:t>
+            </a:r>
+            <a:r>
+              <a:rPr kumimoji="0" lang="en-US" altLang="en-US" sz="1500" b="0" i="0" u="none" strike="noStrike" cap="none" normalizeH="0" baseline="0" dirty="0">
+                <a:ln>
+                  <a:noFill/>
+                </a:ln>
                 <a:solidFill>
-                  <a:srgbClr val="FF5050"/>
+                  <a:schemeClr val="tx1"/>
                 </a:solidFill>
+                <a:effectLst/>
+                <a:latin typeface="Consolas" panose="020B0609020204030204" pitchFamily="49" charset="0"/>
               </a:rPr>
-              <a:t>/{</a:t>
-            </a:r>
-            <a:r>
-              <a:rPr lang="en-US" sz="1579" dirty="0" err="1">
+              <a:t>"</a:t>
+            </a:r>
+            <a:r>
+              <a:rPr kumimoji="0" lang="en-US" altLang="en-US" sz="1500" b="0" i="0" u="none" strike="noStrike" cap="none" normalizeH="0" baseline="0" dirty="0">
+                <a:ln>
+                  <a:noFill/>
+                </a:ln>
                 <a:solidFill>
-                  <a:srgbClr val="FF5050"/>
+                  <a:srgbClr val="0070C0"/>
                 </a:solidFill>
+                <a:effectLst/>
+                <a:latin typeface="Consolas" panose="020B0609020204030204" pitchFamily="49" charset="0"/>
               </a:rPr>
-              <a:t>attrName</a:t>
-            </a:r>
-            <a:r>
-              <a:rPr lang="en-US" sz="1579" dirty="0">
+              <a:t>id</a:t>
+            </a:r>
+            <a:r>
+              <a:rPr kumimoji="0" lang="en-US" altLang="en-US" sz="1500" b="0" i="0" u="none" strike="noStrike" cap="none" normalizeH="0" baseline="0" dirty="0">
+                <a:ln>
+                  <a:noFill/>
+                </a:ln>
                 <a:solidFill>
-                  <a:srgbClr val="FF5050"/>
+                  <a:schemeClr val="tx1"/>
                 </a:solidFill>
+                <a:effectLst/>
+                <a:latin typeface="Consolas" panose="020B0609020204030204" pitchFamily="49" charset="0"/>
               </a:rPr>
-              <a:t>}</a:t>
-            </a:r>
-            <a:endParaRPr lang="en-GB" sz="1579" dirty="0">
-              <a:solidFill>
-                <a:srgbClr val="FF5050"/>
-              </a:solidFill>
-            </a:endParaRPr>
-          </a:p>
-          <a:p>
-            <a:pPr lvl="1"/>
-            <a:r>
-              <a:rPr lang="en-US" sz="1228" dirty="0"/>
-              <a:t>updates an attribute’s data</a:t>
-            </a:r>
-            <a:endParaRPr lang="en-GB" sz="1228" dirty="0"/>
-          </a:p>
-          <a:p>
-            <a:r>
-              <a:rPr lang="en-US" sz="1579" dirty="0">
+              <a:t>": "urn:ngsi-ld:Device:Laser123",</a:t>
+            </a:r>
+          </a:p>
+          <a:p>
+            <a:pPr marL="0" marR="0" lvl="0" indent="0" algn="l" defTabSz="914400" rtl="0" eaLnBrk="0" fontAlgn="base" latinLnBrk="0" hangingPunct="0">
+              <a:lnSpc>
+                <a:spcPct val="100000"/>
+              </a:lnSpc>
+              <a:spcBef>
+                <a:spcPct val="0"/>
+              </a:spcBef>
+              <a:spcAft>
+                <a:spcPct val="0"/>
+              </a:spcAft>
+              <a:buClrTx/>
+              <a:buSzTx/>
+              <a:buFontTx/>
+              <a:buNone/>
+              <a:tabLst/>
+            </a:pPr>
+            <a:r>
+              <a:rPr lang="en-US" altLang="en-US" sz="1500" b="0" dirty="0">
                 <a:solidFill>
-                  <a:srgbClr val="FF5050"/>
+                  <a:schemeClr val="tx1"/>
                 </a:solidFill>
+                <a:latin typeface="Consolas" panose="020B0609020204030204" pitchFamily="49" charset="0"/>
               </a:rPr>
-              <a:t>DELETE /v2/entities/{</a:t>
-            </a:r>
-            <a:r>
-              <a:rPr lang="en-US" sz="1579" dirty="0" err="1">
+              <a:t>    </a:t>
+            </a:r>
+            <a:r>
+              <a:rPr kumimoji="0" lang="en-US" altLang="en-US" sz="1500" b="0" i="0" u="none" strike="noStrike" cap="none" normalizeH="0" baseline="0" dirty="0">
+                <a:ln>
+                  <a:noFill/>
+                </a:ln>
                 <a:solidFill>
-                  <a:srgbClr val="FF5050"/>
+                  <a:schemeClr val="tx1"/>
                 </a:solidFill>
+                <a:effectLst/>
+                <a:latin typeface="Consolas" panose="020B0609020204030204" pitchFamily="49" charset="0"/>
               </a:rPr>
-              <a:t>entityID</a:t>
-            </a:r>
-            <a:r>
-              <a:rPr lang="en-US" sz="1579" dirty="0">
+              <a:t>"</a:t>
+            </a:r>
+            <a:r>
+              <a:rPr kumimoji="0" lang="en-US" altLang="en-US" sz="1500" b="0" i="0" u="none" strike="noStrike" cap="none" normalizeH="0" baseline="0" dirty="0" err="1">
+                <a:ln>
+                  <a:noFill/>
+                </a:ln>
                 <a:solidFill>
-                  <a:srgbClr val="FF5050"/>
+                  <a:srgbClr val="0070C0"/>
                 </a:solidFill>
+                <a:effectLst/>
+                <a:latin typeface="Consolas" panose="020B0609020204030204" pitchFamily="49" charset="0"/>
               </a:rPr>
-              <a:t>}/</a:t>
-            </a:r>
-            <a:r>
-              <a:rPr lang="en-US" sz="1579" dirty="0" err="1">
+              <a:t>areaServed</a:t>
+            </a:r>
+            <a:r>
+              <a:rPr kumimoji="0" lang="en-US" altLang="en-US" sz="1500" b="0" i="0" u="none" strike="noStrike" cap="none" normalizeH="0" baseline="0" dirty="0">
+                <a:ln>
+                  <a:noFill/>
+                </a:ln>
                 <a:solidFill>
-                  <a:srgbClr val="FF5050"/>
+                  <a:schemeClr val="tx1"/>
                 </a:solidFill>
+                <a:effectLst/>
+                <a:latin typeface="Consolas" panose="020B0609020204030204" pitchFamily="49" charset="0"/>
               </a:rPr>
-              <a:t>attrs</a:t>
-            </a:r>
-            <a:r>
-              <a:rPr lang="en-US" sz="1579" dirty="0">
+              <a:t>": "urn:ngsi-ld:AgriFarm:123",</a:t>
+            </a:r>
+          </a:p>
+          <a:p>
+            <a:pPr marL="0" marR="0" lvl="0" indent="0" algn="l" defTabSz="914400" rtl="0" eaLnBrk="0" fontAlgn="base" latinLnBrk="0" hangingPunct="0">
+              <a:lnSpc>
+                <a:spcPct val="100000"/>
+              </a:lnSpc>
+              <a:spcBef>
+                <a:spcPct val="0"/>
+              </a:spcBef>
+              <a:spcAft>
+                <a:spcPct val="0"/>
+              </a:spcAft>
+              <a:buClrTx/>
+              <a:buSzTx/>
+              <a:buFontTx/>
+              <a:buNone/>
+              <a:tabLst/>
+            </a:pPr>
+            <a:r>
+              <a:rPr kumimoji="0" lang="en-US" altLang="en-US" sz="1500" b="0" i="0" u="none" strike="noStrike" cap="none" normalizeH="0" baseline="0" dirty="0">
+                <a:ln>
+                  <a:noFill/>
+                </a:ln>
                 <a:solidFill>
-                  <a:srgbClr val="FF5050"/>
+                  <a:schemeClr val="tx1"/>
                 </a:solidFill>
+                <a:effectLst/>
+                <a:latin typeface="Consolas" panose="020B0609020204030204" pitchFamily="49" charset="0"/>
               </a:rPr>
-              <a:t>/{</a:t>
-            </a:r>
-            <a:r>
-              <a:rPr lang="en-US" sz="1579" dirty="0" err="1">
+              <a:t>    "</a:t>
+            </a:r>
+            <a:r>
+              <a:rPr kumimoji="0" lang="en-US" altLang="en-US" sz="1500" b="0" i="0" u="none" strike="noStrike" cap="none" normalizeH="0" baseline="0" dirty="0">
+                <a:ln>
+                  <a:noFill/>
+                </a:ln>
                 <a:solidFill>
-                  <a:srgbClr val="FF5050"/>
+                  <a:srgbClr val="0070C0"/>
                 </a:solidFill>
+                <a:effectLst/>
+                <a:latin typeface="Consolas" panose="020B0609020204030204" pitchFamily="49" charset="0"/>
               </a:rPr>
-              <a:t>attrName</a:t>
-            </a:r>
-            <a:r>
-              <a:rPr lang="en-US" sz="1579" dirty="0">
+              <a:t>location</a:t>
+            </a:r>
+            <a:r>
+              <a:rPr kumimoji="0" lang="en-US" altLang="en-US" sz="1500" b="0" i="0" u="none" strike="noStrike" cap="none" normalizeH="0" baseline="0" dirty="0">
+                <a:ln>
+                  <a:noFill/>
+                </a:ln>
                 <a:solidFill>
-                  <a:srgbClr val="FF5050"/>
+                  <a:schemeClr val="tx1"/>
                 </a:solidFill>
+                <a:effectLst/>
+                <a:latin typeface="Consolas" panose="020B0609020204030204" pitchFamily="49" charset="0"/>
               </a:rPr>
-              <a:t>}</a:t>
-            </a:r>
-            <a:endParaRPr lang="en-GB" sz="1579" dirty="0">
-              <a:solidFill>
-                <a:srgbClr val="FF5050"/>
-              </a:solidFill>
-            </a:endParaRPr>
-          </a:p>
-          <a:p>
-            <a:pPr lvl="1"/>
-            <a:r>
-              <a:rPr lang="en-US" sz="1228" dirty="0"/>
-              <a:t>deletes an attribute</a:t>
-            </a:r>
-            <a:endParaRPr lang="en-GB" sz="1228" dirty="0"/>
-          </a:p>
-          <a:p>
-            <a:r>
-              <a:rPr lang="en-US" sz="1579" dirty="0">
+              <a:t>": { "type": "Point", "coordinates": [-3.481, 40.312 ] },</a:t>
+            </a:r>
+          </a:p>
+          <a:p>
+            <a:pPr marL="0" marR="0" lvl="0" indent="0" algn="l" defTabSz="914400" rtl="0" eaLnBrk="0" fontAlgn="base" latinLnBrk="0" hangingPunct="0">
+              <a:lnSpc>
+                <a:spcPct val="100000"/>
+              </a:lnSpc>
+              <a:spcBef>
+                <a:spcPct val="0"/>
+              </a:spcBef>
+              <a:spcAft>
+                <a:spcPct val="0"/>
+              </a:spcAft>
+              <a:buClrTx/>
+              <a:buSzTx/>
+              <a:buFontTx/>
+              <a:buNone/>
+              <a:tabLst/>
+            </a:pPr>
+            <a:r>
+              <a:rPr lang="en-US" altLang="en-US" sz="1500" b="0" dirty="0">
                 <a:solidFill>
-                  <a:srgbClr val="FF5050"/>
+                  <a:schemeClr val="tx1"/>
                 </a:solidFill>
+                <a:latin typeface="Consolas" panose="020B0609020204030204" pitchFamily="49" charset="0"/>
               </a:rPr>
-              <a:t>GET /v2/entities/{</a:t>
-            </a:r>
-            <a:r>
-              <a:rPr lang="en-US" sz="1579" dirty="0" err="1">
+              <a:t>    </a:t>
+            </a:r>
+            <a:r>
+              <a:rPr kumimoji="0" lang="en-US" altLang="en-US" sz="1500" b="0" i="0" u="none" strike="noStrike" cap="none" normalizeH="0" baseline="0" dirty="0">
+                <a:ln>
+                  <a:noFill/>
+                </a:ln>
                 <a:solidFill>
-                  <a:srgbClr val="FF5050"/>
+                  <a:schemeClr val="tx1"/>
                 </a:solidFill>
+                <a:effectLst/>
+                <a:latin typeface="Consolas" panose="020B0609020204030204" pitchFamily="49" charset="0"/>
               </a:rPr>
-              <a:t>entityID</a:t>
-            </a:r>
-            <a:r>
-              <a:rPr lang="en-US" sz="1579" dirty="0">
+              <a:t>"</a:t>
+            </a:r>
+            <a:r>
+              <a:rPr lang="en-US" altLang="en-US" sz="1500" b="0" dirty="0">
                 <a:solidFill>
-                  <a:srgbClr val="FF5050"/>
+                  <a:srgbClr val="0070C0"/>
                 </a:solidFill>
+                <a:latin typeface="Consolas" panose="020B0609020204030204" pitchFamily="49" charset="0"/>
               </a:rPr>
-              <a:t>}/</a:t>
-            </a:r>
-            <a:r>
-              <a:rPr lang="en-US" sz="1579" dirty="0" err="1">
+              <a:t>timestamp</a:t>
+            </a:r>
+            <a:r>
+              <a:rPr kumimoji="0" lang="en-US" altLang="en-US" sz="1500" b="0" i="0" u="none" strike="noStrike" cap="none" normalizeH="0" baseline="0" dirty="0">
+                <a:ln>
+                  <a:noFill/>
+                </a:ln>
                 <a:solidFill>
-                  <a:srgbClr val="FF5050"/>
+                  <a:schemeClr val="tx1"/>
                 </a:solidFill>
+                <a:effectLst/>
+                <a:latin typeface="Consolas" panose="020B0609020204030204" pitchFamily="49" charset="0"/>
               </a:rPr>
-              <a:t>attrs</a:t>
-            </a:r>
-            <a:r>
-              <a:rPr lang="en-US" sz="1579" dirty="0">
+              <a:t>"</a:t>
+            </a:r>
+            <a:r>
+              <a:rPr lang="en-US" altLang="en-US" sz="1500" b="0" dirty="0">
                 <a:solidFill>
-                  <a:srgbClr val="FF5050"/>
+                  <a:schemeClr val="tx1"/>
                 </a:solidFill>
+                <a:latin typeface="Consolas" panose="020B0609020204030204" pitchFamily="49" charset="0"/>
               </a:rPr>
-              <a:t>/{</a:t>
-            </a:r>
-            <a:r>
-              <a:rPr lang="en-US" sz="1579" dirty="0" err="1">
+              <a:t>: “2023-04-10T08:30:59”</a:t>
+            </a:r>
+          </a:p>
+          <a:p>
+            <a:pPr marL="0" marR="0" lvl="0" indent="0" algn="l" defTabSz="914400" rtl="0" eaLnBrk="0" fontAlgn="base" latinLnBrk="0" hangingPunct="0">
+              <a:lnSpc>
+                <a:spcPct val="100000"/>
+              </a:lnSpc>
+              <a:spcBef>
+                <a:spcPct val="0"/>
+              </a:spcBef>
+              <a:spcAft>
+                <a:spcPct val="0"/>
+              </a:spcAft>
+              <a:buClrTx/>
+              <a:buSzTx/>
+              <a:buFontTx/>
+              <a:buNone/>
+              <a:tabLst/>
+            </a:pPr>
+            <a:r>
+              <a:rPr kumimoji="0" lang="en-US" altLang="en-US" sz="1500" b="0" i="0" u="none" strike="noStrike" cap="none" normalizeH="0" baseline="0" dirty="0">
+                <a:ln>
+                  <a:noFill/>
+                </a:ln>
                 <a:solidFill>
-                  <a:srgbClr val="FF5050"/>
+                  <a:schemeClr val="tx1"/>
                 </a:solidFill>
+                <a:effectLst/>
+                <a:latin typeface="Consolas" panose="020B0609020204030204" pitchFamily="49" charset="0"/>
               </a:rPr>
-              <a:t>attrName</a:t>
-            </a:r>
-            <a:r>
-              <a:rPr lang="en-US" sz="1579" dirty="0">
+              <a:t>    "</a:t>
+            </a:r>
+            <a:r>
+              <a:rPr kumimoji="0" lang="en-US" altLang="en-US" sz="1500" b="0" i="0" u="none" strike="noStrike" cap="none" normalizeH="0" baseline="0" dirty="0" err="1">
+                <a:ln>
+                  <a:noFill/>
+                </a:ln>
                 <a:solidFill>
-                  <a:srgbClr val="FF5050"/>
+                  <a:srgbClr val="0070C0"/>
                 </a:solidFill>
+                <a:effectLst/>
+                <a:latin typeface="Consolas" panose="020B0609020204030204" pitchFamily="49" charset="0"/>
               </a:rPr>
-              <a:t>}/value</a:t>
-            </a:r>
-            <a:endParaRPr lang="en-GB" sz="1579" dirty="0">
-              <a:solidFill>
-                <a:srgbClr val="FF5050"/>
-              </a:solidFill>
-            </a:endParaRPr>
-          </a:p>
-          <a:p>
-            <a:pPr lvl="1"/>
-            <a:r>
-              <a:rPr lang="en-US" sz="1228" dirty="0"/>
-              <a:t>retrieves an attribute’s value</a:t>
-            </a:r>
-            <a:endParaRPr lang="en-GB" sz="1228" dirty="0"/>
-          </a:p>
-          <a:p>
-            <a:r>
-              <a:rPr lang="en-US" sz="1579" dirty="0">
+              <a:t>controlledProperty</a:t>
+            </a:r>
+            <a:r>
+              <a:rPr kumimoji="0" lang="en-US" altLang="en-US" sz="1500" b="0" i="0" u="none" strike="noStrike" cap="none" normalizeH="0" baseline="0" dirty="0">
+                <a:ln>
+                  <a:noFill/>
+                </a:ln>
                 <a:solidFill>
-                  <a:srgbClr val="FF5050"/>
+                  <a:schemeClr val="tx1"/>
                 </a:solidFill>
+                <a:effectLst/>
+                <a:latin typeface="Consolas" panose="020B0609020204030204" pitchFamily="49" charset="0"/>
               </a:rPr>
-              <a:t>PUT /v2/entities/{</a:t>
-            </a:r>
-            <a:r>
-              <a:rPr lang="en-US" sz="1579" dirty="0" err="1">
+              <a:t>": [ “</a:t>
+            </a:r>
+            <a:r>
+              <a:rPr kumimoji="0" lang="en-US" altLang="en-US" sz="1500" b="0" i="0" u="none" strike="noStrike" cap="none" normalizeH="0" baseline="0" dirty="0" err="1">
+                <a:ln>
+                  <a:noFill/>
+                </a:ln>
                 <a:solidFill>
-                  <a:srgbClr val="FF5050"/>
+                  <a:schemeClr val="accent2"/>
                 </a:solidFill>
+                <a:effectLst/>
+                <a:latin typeface="Consolas" panose="020B0609020204030204" pitchFamily="49" charset="0"/>
               </a:rPr>
-              <a:t>entityID</a:t>
-            </a:r>
-            <a:r>
-              <a:rPr lang="en-US" sz="1579" dirty="0">
+              <a:t>detectedWeeds</a:t>
+            </a:r>
+            <a:r>
+              <a:rPr lang="en-US" altLang="en-US" sz="1500" b="0" dirty="0">
                 <a:solidFill>
-                  <a:srgbClr val="FF5050"/>
+                  <a:schemeClr val="tx1"/>
                 </a:solidFill>
+                <a:latin typeface="Consolas" panose="020B0609020204030204" pitchFamily="49" charset="0"/>
               </a:rPr>
-              <a:t>}/</a:t>
-            </a:r>
-            <a:r>
-              <a:rPr lang="en-US" sz="1579" dirty="0" err="1">
+              <a:t>”</a:t>
+            </a:r>
+            <a:r>
+              <a:rPr kumimoji="0" lang="en-US" altLang="en-US" sz="1500" b="0" i="0" u="none" strike="noStrike" cap="none" normalizeH="0" baseline="0" dirty="0">
+                <a:ln>
+                  <a:noFill/>
+                </a:ln>
                 <a:solidFill>
-                  <a:srgbClr val="FF5050"/>
+                  <a:schemeClr val="tx1"/>
                 </a:solidFill>
+                <a:effectLst/>
+                <a:latin typeface="Consolas" panose="020B0609020204030204" pitchFamily="49" charset="0"/>
               </a:rPr>
-              <a:t>attrs</a:t>
-            </a:r>
-            <a:r>
-              <a:rPr lang="en-US" sz="1579" dirty="0">
+              <a:t>, “</a:t>
+            </a:r>
+            <a:r>
+              <a:rPr kumimoji="0" lang="en-US" altLang="en-US" sz="1500" b="0" i="0" u="none" strike="noStrike" cap="none" normalizeH="0" baseline="0" dirty="0" err="1">
+                <a:ln>
+                  <a:noFill/>
+                </a:ln>
                 <a:solidFill>
-                  <a:srgbClr val="FF5050"/>
+                  <a:srgbClr val="FF0000"/>
                 </a:solidFill>
+                <a:effectLst/>
+                <a:latin typeface="Consolas" panose="020B0609020204030204" pitchFamily="49" charset="0"/>
               </a:rPr>
-              <a:t>/{</a:t>
-            </a:r>
-            <a:r>
-              <a:rPr lang="en-US" sz="1579" dirty="0" err="1">
+              <a:t>treatedWeeds</a:t>
+            </a:r>
+            <a:r>
+              <a:rPr kumimoji="0" lang="en-US" altLang="en-US" sz="1500" b="0" i="0" u="none" strike="noStrike" cap="none" normalizeH="0" baseline="0" dirty="0">
+                <a:ln>
+                  <a:noFill/>
+                </a:ln>
                 <a:solidFill>
-                  <a:srgbClr val="FF5050"/>
+                  <a:schemeClr val="tx1"/>
                 </a:solidFill>
+                <a:effectLst/>
+                <a:latin typeface="Consolas" panose="020B0609020204030204" pitchFamily="49" charset="0"/>
               </a:rPr>
-              <a:t>attrName</a:t>
-            </a:r>
-            <a:r>
-              <a:rPr lang="en-US" sz="1579" dirty="0">
+              <a:t>” ],</a:t>
+            </a:r>
+          </a:p>
+          <a:p>
+            <a:pPr marL="0" marR="0" lvl="0" indent="0" algn="l" defTabSz="914400" rtl="0" eaLnBrk="0" fontAlgn="base" latinLnBrk="0" hangingPunct="0">
+              <a:lnSpc>
+                <a:spcPct val="100000"/>
+              </a:lnSpc>
+              <a:spcBef>
+                <a:spcPct val="0"/>
+              </a:spcBef>
+              <a:spcAft>
+                <a:spcPct val="0"/>
+              </a:spcAft>
+              <a:buClrTx/>
+              <a:buSzTx/>
+              <a:buFontTx/>
+              <a:buNone/>
+              <a:tabLst/>
+            </a:pPr>
+            <a:r>
+              <a:rPr lang="en-US" altLang="en-US" sz="1500" b="0" dirty="0">
                 <a:solidFill>
-                  <a:srgbClr val="FF5050"/>
+                  <a:schemeClr val="tx1"/>
                 </a:solidFill>
+                <a:latin typeface="Consolas" panose="020B0609020204030204" pitchFamily="49" charset="0"/>
               </a:rPr>
-              <a:t>}/value</a:t>
-            </a:r>
-            <a:endParaRPr lang="en-GB" sz="1579" dirty="0">
-              <a:solidFill>
-                <a:srgbClr val="FF5050"/>
-              </a:solidFill>
-            </a:endParaRPr>
-          </a:p>
-          <a:p>
-            <a:pPr lvl="1"/>
-            <a:r>
-              <a:rPr lang="en-US" sz="1228" dirty="0"/>
-              <a:t>updates an attribute’s value</a:t>
-            </a:r>
-            <a:endParaRPr lang="en-GB" sz="1228" dirty="0"/>
-          </a:p>
-        </p:txBody>
-      </p:sp>
-      <p:sp>
-        <p:nvSpPr>
-          <p:cNvPr id="2" name="Title 1">
+              <a:t>    </a:t>
+            </a:r>
+            <a:r>
+              <a:rPr kumimoji="0" lang="en-US" altLang="en-US" sz="1500" b="0" i="0" u="none" strike="noStrike" cap="none" normalizeH="0" baseline="0" dirty="0">
+                <a:ln>
+                  <a:noFill/>
+                </a:ln>
+                <a:solidFill>
+                  <a:schemeClr val="tx1"/>
+                </a:solidFill>
+                <a:effectLst/>
+                <a:latin typeface="Consolas" panose="020B0609020204030204" pitchFamily="49" charset="0"/>
+              </a:rPr>
+              <a:t>"</a:t>
+            </a:r>
+            <a:r>
+              <a:rPr kumimoji="0" lang="en-US" altLang="en-US" sz="1500" b="0" i="0" u="none" strike="noStrike" cap="none" normalizeH="0" baseline="0" dirty="0">
+                <a:ln>
+                  <a:noFill/>
+                </a:ln>
+                <a:solidFill>
+                  <a:srgbClr val="0070C0"/>
+                </a:solidFill>
+                <a:effectLst/>
+                <a:latin typeface="Consolas" panose="020B0609020204030204" pitchFamily="49" charset="0"/>
+              </a:rPr>
+              <a:t>value</a:t>
+            </a:r>
+            <a:r>
+              <a:rPr kumimoji="0" lang="en-US" altLang="en-US" sz="1500" b="0" i="0" u="none" strike="noStrike" cap="none" normalizeH="0" baseline="0" dirty="0">
+                <a:ln>
+                  <a:noFill/>
+                </a:ln>
+                <a:solidFill>
+                  <a:schemeClr val="tx1"/>
+                </a:solidFill>
+                <a:effectLst/>
+                <a:latin typeface="Consolas" panose="020B0609020204030204" pitchFamily="49" charset="0"/>
+              </a:rPr>
+              <a:t>": [ </a:t>
+            </a:r>
+            <a:r>
+              <a:rPr kumimoji="0" lang="en-US" altLang="en-US" sz="1500" b="0" i="0" u="none" strike="noStrike" cap="none" normalizeH="0" baseline="0" dirty="0">
+                <a:ln>
+                  <a:noFill/>
+                </a:ln>
+                <a:solidFill>
+                  <a:schemeClr val="accent2"/>
+                </a:solidFill>
+                <a:effectLst/>
+                <a:latin typeface="Consolas" panose="020B0609020204030204" pitchFamily="49" charset="0"/>
+              </a:rPr>
+              <a:t>123</a:t>
+            </a:r>
+            <a:r>
+              <a:rPr kumimoji="0" lang="en-US" altLang="en-US" sz="1500" b="0" i="0" u="none" strike="noStrike" cap="none" normalizeH="0" baseline="0" dirty="0">
+                <a:ln>
+                  <a:noFill/>
+                </a:ln>
+                <a:solidFill>
+                  <a:schemeClr val="tx1"/>
+                </a:solidFill>
+                <a:effectLst/>
+                <a:latin typeface="Consolas" panose="020B0609020204030204" pitchFamily="49" charset="0"/>
+              </a:rPr>
+              <a:t>, </a:t>
+            </a:r>
+            <a:r>
+              <a:rPr kumimoji="0" lang="en-US" altLang="en-US" sz="1500" b="0" i="0" u="none" strike="noStrike" cap="none" normalizeH="0" baseline="0" dirty="0">
+                <a:ln>
+                  <a:noFill/>
+                </a:ln>
+                <a:solidFill>
+                  <a:srgbClr val="FF0000"/>
+                </a:solidFill>
+                <a:effectLst/>
+                <a:latin typeface="Consolas" panose="020B0609020204030204" pitchFamily="49" charset="0"/>
+              </a:rPr>
+              <a:t>100 </a:t>
+            </a:r>
+            <a:r>
+              <a:rPr kumimoji="0" lang="en-US" altLang="en-US" sz="1500" b="0" i="0" u="none" strike="noStrike" cap="none" normalizeH="0" baseline="0" dirty="0">
+                <a:ln>
+                  <a:noFill/>
+                </a:ln>
+                <a:solidFill>
+                  <a:schemeClr val="tx1"/>
+                </a:solidFill>
+                <a:effectLst/>
+                <a:latin typeface="Consolas" panose="020B0609020204030204" pitchFamily="49" charset="0"/>
+              </a:rPr>
+              <a:t>] </a:t>
+            </a:r>
+          </a:p>
+          <a:p>
+            <a:pPr marL="0" marR="0" lvl="0" indent="0" algn="l" defTabSz="914400" rtl="0" eaLnBrk="0" fontAlgn="base" latinLnBrk="0" hangingPunct="0">
+              <a:lnSpc>
+                <a:spcPct val="100000"/>
+              </a:lnSpc>
+              <a:spcBef>
+                <a:spcPct val="0"/>
+              </a:spcBef>
+              <a:spcAft>
+                <a:spcPct val="0"/>
+              </a:spcAft>
+              <a:buClrTx/>
+              <a:buSzTx/>
+              <a:buFontTx/>
+              <a:buNone/>
+              <a:tabLst/>
+            </a:pPr>
+            <a:r>
+              <a:rPr kumimoji="0" lang="en-US" altLang="en-US" sz="1500" b="0" i="0" u="none" strike="noStrike" cap="none" normalizeH="0" baseline="0" dirty="0">
+                <a:ln>
+                  <a:noFill/>
+                </a:ln>
+                <a:solidFill>
+                  <a:schemeClr val="tx1"/>
+                </a:solidFill>
+                <a:effectLst/>
+                <a:latin typeface="Consolas" panose="020B0609020204030204" pitchFamily="49" charset="0"/>
+              </a:rPr>
+              <a:t>} </a:t>
+            </a:r>
+          </a:p>
+          <a:p>
+            <a:pPr marL="0" indent="0">
+              <a:buNone/>
+            </a:pPr>
+            <a:endParaRPr lang="en-US" dirty="0"/>
+          </a:p>
+        </p:txBody>
+      </p:sp>
+      <p:sp>
+        <p:nvSpPr>
+          <p:cNvPr id="3" name="Title 2">
             <a:extLst>
               <a:ext uri="{FF2B5EF4-FFF2-40B4-BE49-F238E27FC236}">
-                <a16:creationId xmlns:a16="http://schemas.microsoft.com/office/drawing/2014/main" id="{63A5F419-B230-4DBA-94D6-7480ED09FC55}"/>
+                <a16:creationId xmlns:a16="http://schemas.microsoft.com/office/drawing/2014/main" id="{25F88F3B-C819-461F-BBA9-0123C75201F8}"/>
               </a:ext>
             </a:extLst>
           </p:cNvPr>
@@ -15038,434 +15228,174 @@
           <a:lstStyle/>
           <a:p>
             <a:r>
-              <a:rPr lang="en-US" dirty="0"/>
-              <a:t>FIWARE</a:t>
-            </a:r>
-          </a:p>
-        </p:txBody>
-      </p:sp>
-      <p:sp>
-        <p:nvSpPr>
-          <p:cNvPr id="6" name="Slide Number Placeholder 5">
+              <a:rPr lang="it-IT" dirty="0"/>
+              <a:t>Smart Data Models</a:t>
+            </a:r>
+            <a:endParaRPr lang="en-US" dirty="0"/>
+          </a:p>
+        </p:txBody>
+      </p:sp>
+      <p:pic>
+        <p:nvPicPr>
+          <p:cNvPr id="4" name="Picture 3">
             <a:extLst>
               <a:ext uri="{FF2B5EF4-FFF2-40B4-BE49-F238E27FC236}">
-                <a16:creationId xmlns:a16="http://schemas.microsoft.com/office/drawing/2014/main" id="{4350092C-70EB-4582-B255-63CA6518F3CD}"/>
+                <a16:creationId xmlns:a16="http://schemas.microsoft.com/office/drawing/2014/main" id="{1AEF9A15-9DEA-4A97-BDA5-A45678BCD9B9}"/>
               </a:ext>
             </a:extLst>
           </p:cNvPr>
-          <p:cNvSpPr>
-            <a:spLocks noGrp="1"/>
-          </p:cNvSpPr>
-          <p:nvPr>
-            <p:ph type="sldNum" sz="quarter" idx="12"/>
-          </p:nvPr>
-        </p:nvSpPr>
-        <p:spPr/>
-        <p:txBody>
-          <a:bodyPr/>
-          <a:lstStyle/>
-          <a:p>
-            <a:fld id="{5DD6F1BA-2510-46FC-9346-AB1F3CA1593B}" type="slidenum">
-              <a:rPr lang="it-IT" smtClean="0"/>
-              <a:pPr/>
-              <a:t>32</a:t>
-            </a:fld>
-            <a:endParaRPr lang="it-IT"/>
-          </a:p>
-        </p:txBody>
-      </p:sp>
-      <p:sp>
-        <p:nvSpPr>
-          <p:cNvPr id="12" name="Content Placeholder 11">
-            <a:extLst>
-              <a:ext uri="{FF2B5EF4-FFF2-40B4-BE49-F238E27FC236}">
-                <a16:creationId xmlns:a16="http://schemas.microsoft.com/office/drawing/2014/main" id="{B3D06B86-D5F3-4E4E-A24D-3D96F7A2B5B9}"/>
-              </a:ext>
-            </a:extLst>
-          </p:cNvPr>
-          <p:cNvSpPr>
-            <a:spLocks noGrp="1"/>
-          </p:cNvSpPr>
-          <p:nvPr>
-            <p:ph sz="half" idx="4294967295"/>
-          </p:nvPr>
-        </p:nvSpPr>
+          <p:cNvPicPr>
+            <a:picLocks noChangeAspect="1"/>
+          </p:cNvPicPr>
+          <p:nvPr/>
+        </p:nvPicPr>
+        <p:blipFill>
+          <a:blip r:embed="rId2"/>
+          <a:stretch>
+            <a:fillRect/>
+          </a:stretch>
+        </p:blipFill>
         <p:spPr>
           <a:xfrm>
-            <a:off x="6148388" y="2012950"/>
-            <a:ext cx="4543425" cy="4795838"/>
-          </a:xfrm>
-        </p:spPr>
-        <p:txBody>
-          <a:bodyPr/>
-          <a:lstStyle/>
-          <a:p>
-            <a:r>
-              <a:rPr lang="en-US" sz="1579" dirty="0">
-                <a:solidFill>
-                  <a:srgbClr val="FF5050"/>
-                </a:solidFill>
-              </a:rPr>
-              <a:t>GET /v2/entities/{</a:t>
-            </a:r>
-            <a:r>
-              <a:rPr lang="en-US" sz="1579" dirty="0" err="1">
-                <a:solidFill>
-                  <a:srgbClr val="FF5050"/>
-                </a:solidFill>
-              </a:rPr>
-              <a:t>entityID</a:t>
-            </a:r>
-            <a:r>
-              <a:rPr lang="en-US" sz="1579" dirty="0">
-                <a:solidFill>
-                  <a:srgbClr val="FF5050"/>
-                </a:solidFill>
-              </a:rPr>
-              <a:t>}/</a:t>
-            </a:r>
-            <a:r>
-              <a:rPr lang="en-US" sz="1579" dirty="0" err="1">
-                <a:solidFill>
-                  <a:srgbClr val="FF5050"/>
-                </a:solidFill>
-              </a:rPr>
-              <a:t>attrs</a:t>
-            </a:r>
-            <a:r>
-              <a:rPr lang="en-US" sz="1579" dirty="0">
-                <a:solidFill>
-                  <a:srgbClr val="FF5050"/>
-                </a:solidFill>
-              </a:rPr>
-              <a:t>/{</a:t>
-            </a:r>
-            <a:r>
-              <a:rPr lang="en-US" sz="1579" dirty="0" err="1">
-                <a:solidFill>
-                  <a:srgbClr val="FF5050"/>
-                </a:solidFill>
-              </a:rPr>
-              <a:t>attrName</a:t>
-            </a:r>
-            <a:r>
-              <a:rPr lang="en-US" sz="1579" dirty="0">
-                <a:solidFill>
-                  <a:srgbClr val="FF5050"/>
-                </a:solidFill>
-              </a:rPr>
-              <a:t>}</a:t>
-            </a:r>
-            <a:endParaRPr lang="en-GB" sz="1579" dirty="0">
-              <a:solidFill>
-                <a:srgbClr val="FF5050"/>
-              </a:solidFill>
-            </a:endParaRPr>
-          </a:p>
-          <a:p>
-            <a:pPr lvl="1"/>
-            <a:r>
-              <a:rPr lang="en-US" sz="1228" dirty="0"/>
-              <a:t>retrieve an attribute’s data</a:t>
-            </a:r>
-            <a:endParaRPr lang="en-GB" sz="1228" dirty="0"/>
-          </a:p>
-          <a:p>
-            <a:r>
-              <a:rPr lang="en-US" sz="1579" dirty="0">
-                <a:solidFill>
-                  <a:srgbClr val="FF5050"/>
-                </a:solidFill>
-              </a:rPr>
-              <a:t>PUT /v2/entities/{</a:t>
-            </a:r>
-            <a:r>
-              <a:rPr lang="en-US" sz="1579" dirty="0" err="1">
-                <a:solidFill>
-                  <a:srgbClr val="FF5050"/>
-                </a:solidFill>
-              </a:rPr>
-              <a:t>entityID</a:t>
-            </a:r>
-            <a:r>
-              <a:rPr lang="en-US" sz="1579" dirty="0">
-                <a:solidFill>
-                  <a:srgbClr val="FF5050"/>
-                </a:solidFill>
-              </a:rPr>
-              <a:t>}/</a:t>
-            </a:r>
-            <a:r>
-              <a:rPr lang="en-US" sz="1579" dirty="0" err="1">
-                <a:solidFill>
-                  <a:srgbClr val="FF5050"/>
-                </a:solidFill>
-              </a:rPr>
-              <a:t>attrs</a:t>
-            </a:r>
-            <a:r>
-              <a:rPr lang="en-US" sz="1579" dirty="0">
-                <a:solidFill>
-                  <a:srgbClr val="FF5050"/>
-                </a:solidFill>
-              </a:rPr>
-              <a:t>/{</a:t>
-            </a:r>
-            <a:r>
-              <a:rPr lang="en-US" sz="1579" dirty="0" err="1">
-                <a:solidFill>
-                  <a:srgbClr val="FF5050"/>
-                </a:solidFill>
-              </a:rPr>
-              <a:t>attrName</a:t>
-            </a:r>
-            <a:r>
-              <a:rPr lang="en-US" sz="1579" dirty="0">
-                <a:solidFill>
-                  <a:srgbClr val="FF5050"/>
-                </a:solidFill>
-              </a:rPr>
-              <a:t>}</a:t>
-            </a:r>
-            <a:endParaRPr lang="en-GB" sz="1579" dirty="0">
-              <a:solidFill>
-                <a:srgbClr val="FF5050"/>
-              </a:solidFill>
-            </a:endParaRPr>
-          </a:p>
-          <a:p>
-            <a:pPr lvl="1"/>
-            <a:r>
-              <a:rPr lang="en-US" sz="1228" dirty="0"/>
-              <a:t>updates an attribute’s data</a:t>
-            </a:r>
-            <a:endParaRPr lang="en-GB" sz="1228" dirty="0"/>
-          </a:p>
-          <a:p>
-            <a:r>
-              <a:rPr lang="en-US" sz="1579" dirty="0">
-                <a:solidFill>
-                  <a:srgbClr val="FF5050"/>
-                </a:solidFill>
-              </a:rPr>
-              <a:t>DELETE /v2/entities/{</a:t>
-            </a:r>
-            <a:r>
-              <a:rPr lang="en-US" sz="1579" dirty="0" err="1">
-                <a:solidFill>
-                  <a:srgbClr val="FF5050"/>
-                </a:solidFill>
-              </a:rPr>
-              <a:t>entityID</a:t>
-            </a:r>
-            <a:r>
-              <a:rPr lang="en-US" sz="1579" dirty="0">
-                <a:solidFill>
-                  <a:srgbClr val="FF5050"/>
-                </a:solidFill>
-              </a:rPr>
-              <a:t>}/</a:t>
-            </a:r>
-            <a:r>
-              <a:rPr lang="en-US" sz="1579" dirty="0" err="1">
-                <a:solidFill>
-                  <a:srgbClr val="FF5050"/>
-                </a:solidFill>
-              </a:rPr>
-              <a:t>attrs</a:t>
-            </a:r>
-            <a:r>
-              <a:rPr lang="en-US" sz="1579" dirty="0">
-                <a:solidFill>
-                  <a:srgbClr val="FF5050"/>
-                </a:solidFill>
-              </a:rPr>
-              <a:t>/{</a:t>
-            </a:r>
-            <a:r>
-              <a:rPr lang="en-US" sz="1579" dirty="0" err="1">
-                <a:solidFill>
-                  <a:srgbClr val="FF5050"/>
-                </a:solidFill>
-              </a:rPr>
-              <a:t>attrName</a:t>
-            </a:r>
-            <a:r>
-              <a:rPr lang="en-US" sz="1579" dirty="0">
-                <a:solidFill>
-                  <a:srgbClr val="FF5050"/>
-                </a:solidFill>
-              </a:rPr>
-              <a:t>}</a:t>
-            </a:r>
-            <a:endParaRPr lang="en-GB" sz="1579" dirty="0">
-              <a:solidFill>
-                <a:srgbClr val="FF5050"/>
-              </a:solidFill>
-            </a:endParaRPr>
-          </a:p>
-          <a:p>
-            <a:pPr lvl="1"/>
-            <a:r>
-              <a:rPr lang="en-US" sz="1228" dirty="0"/>
-              <a:t>deletes an attribute</a:t>
-            </a:r>
-            <a:endParaRPr lang="en-GB" sz="1228" dirty="0"/>
-          </a:p>
-          <a:p>
-            <a:r>
-              <a:rPr lang="en-US" sz="1579" dirty="0">
-                <a:solidFill>
-                  <a:srgbClr val="FF5050"/>
-                </a:solidFill>
-              </a:rPr>
-              <a:t>GET /v2/entities/{</a:t>
-            </a:r>
-            <a:r>
-              <a:rPr lang="en-US" sz="1579" dirty="0" err="1">
-                <a:solidFill>
-                  <a:srgbClr val="FF5050"/>
-                </a:solidFill>
-              </a:rPr>
-              <a:t>entityID</a:t>
-            </a:r>
-            <a:r>
-              <a:rPr lang="en-US" sz="1579" dirty="0">
-                <a:solidFill>
-                  <a:srgbClr val="FF5050"/>
-                </a:solidFill>
-              </a:rPr>
-              <a:t>}/</a:t>
-            </a:r>
-            <a:r>
-              <a:rPr lang="en-US" sz="1579" dirty="0" err="1">
-                <a:solidFill>
-                  <a:srgbClr val="FF5050"/>
-                </a:solidFill>
-              </a:rPr>
-              <a:t>attrs</a:t>
-            </a:r>
-            <a:r>
-              <a:rPr lang="en-US" sz="1579" dirty="0">
-                <a:solidFill>
-                  <a:srgbClr val="FF5050"/>
-                </a:solidFill>
-              </a:rPr>
-              <a:t>/{</a:t>
-            </a:r>
-            <a:r>
-              <a:rPr lang="en-US" sz="1579" dirty="0" err="1">
-                <a:solidFill>
-                  <a:srgbClr val="FF5050"/>
-                </a:solidFill>
-              </a:rPr>
-              <a:t>attrName</a:t>
-            </a:r>
-            <a:r>
-              <a:rPr lang="en-US" sz="1579" dirty="0">
-                <a:solidFill>
-                  <a:srgbClr val="FF5050"/>
-                </a:solidFill>
-              </a:rPr>
-              <a:t>}/value</a:t>
-            </a:r>
-            <a:endParaRPr lang="en-GB" sz="1579" dirty="0">
-              <a:solidFill>
-                <a:srgbClr val="FF5050"/>
-              </a:solidFill>
-            </a:endParaRPr>
-          </a:p>
-          <a:p>
-            <a:pPr lvl="1"/>
-            <a:r>
-              <a:rPr lang="en-US" sz="1228" dirty="0"/>
-              <a:t>retrieves an attribute’s value</a:t>
-            </a:r>
-            <a:endParaRPr lang="en-GB" sz="1228" dirty="0"/>
-          </a:p>
-          <a:p>
-            <a:r>
-              <a:rPr lang="en-US" sz="1579" dirty="0">
-                <a:solidFill>
-                  <a:srgbClr val="FF5050"/>
-                </a:solidFill>
-              </a:rPr>
-              <a:t>PUT /v2/entities/{</a:t>
-            </a:r>
-            <a:r>
-              <a:rPr lang="en-US" sz="1579" dirty="0" err="1">
-                <a:solidFill>
-                  <a:srgbClr val="FF5050"/>
-                </a:solidFill>
-              </a:rPr>
-              <a:t>entityID</a:t>
-            </a:r>
-            <a:r>
-              <a:rPr lang="en-US" sz="1579" dirty="0">
-                <a:solidFill>
-                  <a:srgbClr val="FF5050"/>
-                </a:solidFill>
-              </a:rPr>
-              <a:t>}/</a:t>
-            </a:r>
-            <a:r>
-              <a:rPr lang="en-US" sz="1579" dirty="0" err="1">
-                <a:solidFill>
-                  <a:srgbClr val="FF5050"/>
-                </a:solidFill>
-              </a:rPr>
-              <a:t>attrs</a:t>
-            </a:r>
-            <a:r>
-              <a:rPr lang="en-US" sz="1579" dirty="0">
-                <a:solidFill>
-                  <a:srgbClr val="FF5050"/>
-                </a:solidFill>
-              </a:rPr>
-              <a:t>/{</a:t>
-            </a:r>
-            <a:r>
-              <a:rPr lang="en-US" sz="1579" dirty="0" err="1">
-                <a:solidFill>
-                  <a:srgbClr val="FF5050"/>
-                </a:solidFill>
-              </a:rPr>
-              <a:t>attrName</a:t>
-            </a:r>
-            <a:r>
-              <a:rPr lang="en-US" sz="1579" dirty="0">
-                <a:solidFill>
-                  <a:srgbClr val="FF5050"/>
-                </a:solidFill>
-              </a:rPr>
-              <a:t>}/value</a:t>
-            </a:r>
-            <a:endParaRPr lang="en-GB" sz="1579" dirty="0">
-              <a:solidFill>
-                <a:srgbClr val="FF5050"/>
-              </a:solidFill>
-            </a:endParaRPr>
-          </a:p>
-          <a:p>
-            <a:pPr lvl="1"/>
-            <a:r>
-              <a:rPr lang="en-US" sz="1228" dirty="0"/>
-              <a:t>updates an attribute’s value</a:t>
-            </a:r>
-            <a:endParaRPr lang="en-GB" sz="1228" dirty="0"/>
-          </a:p>
-        </p:txBody>
-      </p:sp>
+            <a:off x="5586512" y="3779837"/>
+            <a:ext cx="5105301" cy="3797590"/>
+          </a:xfrm>
+          <a:prstGeom prst="rect">
+            <a:avLst/>
+          </a:prstGeom>
+        </p:spPr>
+      </p:pic>
     </p:spTree>
     <p:extLst>
       <p:ext uri="{BB962C8B-B14F-4D97-AF65-F5344CB8AC3E}">
-        <p14:creationId xmlns:p14="http://schemas.microsoft.com/office/powerpoint/2010/main" val="668464320"/>
+        <p14:creationId xmlns:p14="http://schemas.microsoft.com/office/powerpoint/2010/main" val="3487072911"/>
       </p:ext>
     </p:extLst>
   </p:cSld>
   <p:clrMapOvr>
     <a:masterClrMapping/>
   </p:clrMapOvr>
+  <p:timing>
+    <p:tnLst>
+      <p:par>
+        <p:cTn id="1" dur="indefinite" restart="never" nodeType="tmRoot">
+          <p:childTnLst>
+            <p:seq concurrent="1" nextAc="seek">
+              <p:cTn id="2" dur="indefinite" nodeType="mainSeq">
+                <p:childTnLst>
+                  <p:par>
+                    <p:cTn id="3" fill="hold">
+                      <p:stCondLst>
+                        <p:cond delay="indefinite"/>
+                      </p:stCondLst>
+                      <p:childTnLst>
+                        <p:par>
+                          <p:cTn id="4" fill="hold">
+                            <p:stCondLst>
+                              <p:cond delay="0"/>
+                            </p:stCondLst>
+                            <p:childTnLst>
+                              <p:par>
+                                <p:cTn id="5" presetID="2" presetClass="entr" presetSubtype="4" fill="hold" nodeType="clickEffect">
+                                  <p:stCondLst>
+                                    <p:cond delay="0"/>
+                                  </p:stCondLst>
+                                  <p:childTnLst>
+                                    <p:set>
+                                      <p:cBhvr>
+                                        <p:cTn id="6" dur="1" fill="hold">
+                                          <p:stCondLst>
+                                            <p:cond delay="0"/>
+                                          </p:stCondLst>
+                                        </p:cTn>
+                                        <p:tgtEl>
+                                          <p:spTgt spid="4"/>
+                                        </p:tgtEl>
+                                        <p:attrNameLst>
+                                          <p:attrName>style.visibility</p:attrName>
+                                        </p:attrNameLst>
+                                      </p:cBhvr>
+                                      <p:to>
+                                        <p:strVal val="visible"/>
+                                      </p:to>
+                                    </p:set>
+                                    <p:anim calcmode="lin" valueType="num">
+                                      <p:cBhvr additive="base">
+                                        <p:cTn id="7" dur="500" fill="hold"/>
+                                        <p:tgtEl>
+                                          <p:spTgt spid="4"/>
+                                        </p:tgtEl>
+                                        <p:attrNameLst>
+                                          <p:attrName>ppt_x</p:attrName>
+                                        </p:attrNameLst>
+                                      </p:cBhvr>
+                                      <p:tavLst>
+                                        <p:tav tm="0">
+                                          <p:val>
+                                            <p:strVal val="#ppt_x"/>
+                                          </p:val>
+                                        </p:tav>
+                                        <p:tav tm="100000">
+                                          <p:val>
+                                            <p:strVal val="#ppt_x"/>
+                                          </p:val>
+                                        </p:tav>
+                                      </p:tavLst>
+                                    </p:anim>
+                                    <p:anim calcmode="lin" valueType="num">
+                                      <p:cBhvr additive="base">
+                                        <p:cTn id="8" dur="500" fill="hold"/>
+                                        <p:tgtEl>
+                                          <p:spTgt spid="4"/>
+                                        </p:tgtEl>
+                                        <p:attrNameLst>
+                                          <p:attrName>ppt_y</p:attrName>
+                                        </p:attrNameLst>
+                                      </p:cBhvr>
+                                      <p:tavLst>
+                                        <p:tav tm="0">
+                                          <p:val>
+                                            <p:strVal val="1+#ppt_h/2"/>
+                                          </p:val>
+                                        </p:tav>
+                                        <p:tav tm="100000">
+                                          <p:val>
+                                            <p:strVal val="#ppt_y"/>
+                                          </p:val>
+                                        </p:tav>
+                                      </p:tavLst>
+                                    </p:anim>
+                                  </p:childTnLst>
+                                </p:cTn>
+                              </p:par>
+                            </p:childTnLst>
+                          </p:cTn>
+                        </p:par>
+                      </p:childTnLst>
+                    </p:cTn>
+                  </p:par>
+                </p:childTnLst>
+              </p:cTn>
+              <p:prevCondLst>
+                <p:cond evt="onPrev" delay="0">
+                  <p:tgtEl>
+                    <p:sldTgt/>
+                  </p:tgtEl>
+                </p:cond>
+              </p:prevCondLst>
+              <p:nextCondLst>
+                <p:cond evt="onNext" delay="0">
+                  <p:tgtEl>
+                    <p:sldTgt/>
+                  </p:tgtEl>
+                </p:cond>
+              </p:nextCondLst>
+            </p:seq>
+          </p:childTnLst>
+        </p:cTn>
+      </p:par>
+    </p:tnLst>
+  </p:timing>
 </p:sld>
 </file>
 
@@ -18597,932 +18527,6 @@
 </file>
 
 <file path=ppt/slides/slide34.xml><?xml version="1.0" encoding="utf-8"?>
-<p:sld xmlns:a="http://schemas.openxmlformats.org/drawingml/2006/main" xmlns:r="http://schemas.openxmlformats.org/officeDocument/2006/relationships" xmlns:p="http://schemas.openxmlformats.org/presentationml/2006/main">
-  <p:cSld>
-    <p:spTree>
-      <p:nvGrpSpPr>
-        <p:cNvPr id="1" name=""/>
-        <p:cNvGrpSpPr/>
-        <p:nvPr/>
-      </p:nvGrpSpPr>
-      <p:grpSpPr>
-        <a:xfrm>
-          <a:off x="0" y="0"/>
-          <a:ext cx="0" cy="0"/>
-          <a:chOff x="0" y="0"/>
-          <a:chExt cx="0" cy="0"/>
-        </a:xfrm>
-      </p:grpSpPr>
-      <p:sp>
-        <p:nvSpPr>
-          <p:cNvPr id="2" name="Content Placeholder 1">
-            <a:extLst>
-              <a:ext uri="{FF2B5EF4-FFF2-40B4-BE49-F238E27FC236}">
-                <a16:creationId xmlns:a16="http://schemas.microsoft.com/office/drawing/2014/main" id="{55B4FF78-F76F-45EA-A7C7-9330E9C923A7}"/>
-              </a:ext>
-            </a:extLst>
-          </p:cNvPr>
-          <p:cNvSpPr>
-            <a:spLocks noGrp="1"/>
-          </p:cNvSpPr>
-          <p:nvPr>
-            <p:ph idx="1"/>
-          </p:nvPr>
-        </p:nvSpPr>
-        <p:spPr>
-          <a:xfrm>
-            <a:off x="735063" y="1432542"/>
-            <a:ext cx="9591694" cy="5376416"/>
-          </a:xfrm>
-        </p:spPr>
-        <p:txBody>
-          <a:bodyPr/>
-          <a:lstStyle/>
-          <a:p>
-            <a:pPr marL="0" indent="0" defTabSz="914400" eaLnBrk="0" fontAlgn="base" hangingPunct="0">
-              <a:lnSpc>
-                <a:spcPct val="100000"/>
-              </a:lnSpc>
-              <a:spcBef>
-                <a:spcPct val="0"/>
-              </a:spcBef>
-              <a:spcAft>
-                <a:spcPct val="0"/>
-              </a:spcAft>
-              <a:buNone/>
-            </a:pPr>
-            <a:r>
-              <a:rPr lang="en-US" altLang="en-US" sz="1600" dirty="0"/>
-              <a:t>Example of FIWARE entity and Weeding Heatmap</a:t>
-            </a:r>
-            <a:br>
-              <a:rPr lang="en-US" altLang="en-US" sz="1500" b="0" dirty="0">
-                <a:solidFill>
-                  <a:schemeClr val="tx1"/>
-                </a:solidFill>
-                <a:latin typeface="Consolas" panose="020B0609020204030204" pitchFamily="49" charset="0"/>
-              </a:rPr>
-            </a:br>
-            <a:r>
-              <a:rPr kumimoji="0" lang="en-US" altLang="en-US" sz="1500" b="0" i="0" u="none" strike="noStrike" cap="none" normalizeH="0" baseline="0" dirty="0">
-                <a:ln>
-                  <a:noFill/>
-                </a:ln>
-                <a:solidFill>
-                  <a:schemeClr val="tx1"/>
-                </a:solidFill>
-                <a:effectLst/>
-                <a:latin typeface="Consolas" panose="020B0609020204030204" pitchFamily="49" charset="0"/>
-              </a:rPr>
-              <a:t>{ </a:t>
-            </a:r>
-          </a:p>
-          <a:p>
-            <a:pPr marL="0" marR="0" lvl="0" indent="0" algn="l" defTabSz="914400" rtl="0" eaLnBrk="0" fontAlgn="base" latinLnBrk="0" hangingPunct="0">
-              <a:lnSpc>
-                <a:spcPct val="100000"/>
-              </a:lnSpc>
-              <a:spcBef>
-                <a:spcPct val="0"/>
-              </a:spcBef>
-              <a:spcAft>
-                <a:spcPct val="0"/>
-              </a:spcAft>
-              <a:buClrTx/>
-              <a:buSzTx/>
-              <a:buFontTx/>
-              <a:buNone/>
-              <a:tabLst/>
-            </a:pPr>
-            <a:r>
-              <a:rPr lang="en-US" altLang="en-US" sz="1500" b="0" dirty="0">
-                <a:solidFill>
-                  <a:schemeClr val="tx1"/>
-                </a:solidFill>
-                <a:latin typeface="Consolas" panose="020B0609020204030204" pitchFamily="49" charset="0"/>
-              </a:rPr>
-              <a:t>    </a:t>
-            </a:r>
-            <a:r>
-              <a:rPr kumimoji="0" lang="en-US" altLang="en-US" sz="1500" b="0" i="0" u="none" strike="noStrike" cap="none" normalizeH="0" baseline="0" dirty="0">
-                <a:ln>
-                  <a:noFill/>
-                </a:ln>
-                <a:solidFill>
-                  <a:schemeClr val="tx1"/>
-                </a:solidFill>
-                <a:effectLst/>
-                <a:latin typeface="Consolas" panose="020B0609020204030204" pitchFamily="49" charset="0"/>
-              </a:rPr>
-              <a:t>"</a:t>
-            </a:r>
-            <a:r>
-              <a:rPr kumimoji="0" lang="en-US" altLang="en-US" sz="1500" b="0" i="0" u="none" strike="noStrike" cap="none" normalizeH="0" baseline="0" dirty="0">
-                <a:ln>
-                  <a:noFill/>
-                </a:ln>
-                <a:solidFill>
-                  <a:srgbClr val="0070C0"/>
-                </a:solidFill>
-                <a:effectLst/>
-                <a:latin typeface="Consolas" panose="020B0609020204030204" pitchFamily="49" charset="0"/>
-              </a:rPr>
-              <a:t>type</a:t>
-            </a:r>
-            <a:r>
-              <a:rPr kumimoji="0" lang="en-US" altLang="en-US" sz="1500" b="0" i="0" u="none" strike="noStrike" cap="none" normalizeH="0" baseline="0" dirty="0">
-                <a:ln>
-                  <a:noFill/>
-                </a:ln>
-                <a:solidFill>
-                  <a:schemeClr val="tx1"/>
-                </a:solidFill>
-                <a:effectLst/>
-                <a:latin typeface="Consolas" panose="020B0609020204030204" pitchFamily="49" charset="0"/>
-              </a:rPr>
-              <a:t>": "Device",</a:t>
-            </a:r>
-            <a:br>
-              <a:rPr kumimoji="0" lang="en-US" altLang="en-US" sz="1500" b="0" i="0" u="none" strike="noStrike" cap="none" normalizeH="0" baseline="0" dirty="0">
-                <a:ln>
-                  <a:noFill/>
-                </a:ln>
-                <a:solidFill>
-                  <a:schemeClr val="tx1"/>
-                </a:solidFill>
-                <a:effectLst/>
-                <a:latin typeface="Consolas" panose="020B0609020204030204" pitchFamily="49" charset="0"/>
-              </a:rPr>
-            </a:br>
-            <a:r>
-              <a:rPr kumimoji="0" lang="en-US" altLang="en-US" sz="1500" b="0" i="0" u="none" strike="noStrike" cap="none" normalizeH="0" baseline="0" dirty="0">
-                <a:ln>
-                  <a:noFill/>
-                </a:ln>
-                <a:solidFill>
-                  <a:schemeClr val="tx1"/>
-                </a:solidFill>
-                <a:effectLst/>
-                <a:latin typeface="Consolas" panose="020B0609020204030204" pitchFamily="49" charset="0"/>
-              </a:rPr>
-              <a:t>    "</a:t>
-            </a:r>
-            <a:r>
-              <a:rPr kumimoji="0" lang="en-US" altLang="en-US" sz="1500" b="0" i="0" u="none" strike="noStrike" cap="none" normalizeH="0" baseline="0" dirty="0">
-                <a:ln>
-                  <a:noFill/>
-                </a:ln>
-                <a:solidFill>
-                  <a:srgbClr val="0070C0"/>
-                </a:solidFill>
-                <a:effectLst/>
-                <a:latin typeface="Consolas" panose="020B0609020204030204" pitchFamily="49" charset="0"/>
-              </a:rPr>
-              <a:t>name</a:t>
-            </a:r>
-            <a:r>
-              <a:rPr kumimoji="0" lang="en-US" altLang="en-US" sz="1500" b="0" i="0" u="none" strike="noStrike" cap="none" normalizeH="0" baseline="0" dirty="0">
-                <a:ln>
-                  <a:noFill/>
-                </a:ln>
-                <a:solidFill>
-                  <a:schemeClr val="tx1"/>
-                </a:solidFill>
-                <a:effectLst/>
-                <a:latin typeface="Consolas" panose="020B0609020204030204" pitchFamily="49" charset="0"/>
-              </a:rPr>
-              <a:t>": “Laser-123",</a:t>
-            </a:r>
-          </a:p>
-          <a:p>
-            <a:pPr marL="0" marR="0" lvl="0" indent="0" algn="l" defTabSz="914400" rtl="0" eaLnBrk="0" fontAlgn="base" latinLnBrk="0" hangingPunct="0">
-              <a:lnSpc>
-                <a:spcPct val="100000"/>
-              </a:lnSpc>
-              <a:spcBef>
-                <a:spcPct val="0"/>
-              </a:spcBef>
-              <a:spcAft>
-                <a:spcPct val="0"/>
-              </a:spcAft>
-              <a:buClrTx/>
-              <a:buSzTx/>
-              <a:buFontTx/>
-              <a:buNone/>
-              <a:tabLst/>
-            </a:pPr>
-            <a:r>
-              <a:rPr lang="en-US" altLang="en-US" sz="1500" b="0" dirty="0">
-                <a:solidFill>
-                  <a:schemeClr val="tx1"/>
-                </a:solidFill>
-                <a:latin typeface="Consolas" panose="020B0609020204030204" pitchFamily="49" charset="0"/>
-              </a:rPr>
-              <a:t>    </a:t>
-            </a:r>
-            <a:r>
-              <a:rPr kumimoji="0" lang="en-US" altLang="en-US" sz="1500" b="0" i="0" u="none" strike="noStrike" cap="none" normalizeH="0" baseline="0" dirty="0">
-                <a:ln>
-                  <a:noFill/>
-                </a:ln>
-                <a:solidFill>
-                  <a:schemeClr val="tx1"/>
-                </a:solidFill>
-                <a:effectLst/>
-                <a:latin typeface="Consolas" panose="020B0609020204030204" pitchFamily="49" charset="0"/>
-              </a:rPr>
-              <a:t>"</a:t>
-            </a:r>
-            <a:r>
-              <a:rPr kumimoji="0" lang="en-US" altLang="en-US" sz="1500" b="0" i="0" u="none" strike="noStrike" cap="none" normalizeH="0" baseline="0" dirty="0">
-                <a:ln>
-                  <a:noFill/>
-                </a:ln>
-                <a:solidFill>
-                  <a:srgbClr val="0070C0"/>
-                </a:solidFill>
-                <a:effectLst/>
-                <a:latin typeface="Consolas" panose="020B0609020204030204" pitchFamily="49" charset="0"/>
-              </a:rPr>
-              <a:t>id</a:t>
-            </a:r>
-            <a:r>
-              <a:rPr kumimoji="0" lang="en-US" altLang="en-US" sz="1500" b="0" i="0" u="none" strike="noStrike" cap="none" normalizeH="0" baseline="0" dirty="0">
-                <a:ln>
-                  <a:noFill/>
-                </a:ln>
-                <a:solidFill>
-                  <a:schemeClr val="tx1"/>
-                </a:solidFill>
-                <a:effectLst/>
-                <a:latin typeface="Consolas" panose="020B0609020204030204" pitchFamily="49" charset="0"/>
-              </a:rPr>
-              <a:t>": "urn:ngsi-ld:Device:Laser123",</a:t>
-            </a:r>
-          </a:p>
-          <a:p>
-            <a:pPr marL="0" marR="0" lvl="0" indent="0" algn="l" defTabSz="914400" rtl="0" eaLnBrk="0" fontAlgn="base" latinLnBrk="0" hangingPunct="0">
-              <a:lnSpc>
-                <a:spcPct val="100000"/>
-              </a:lnSpc>
-              <a:spcBef>
-                <a:spcPct val="0"/>
-              </a:spcBef>
-              <a:spcAft>
-                <a:spcPct val="0"/>
-              </a:spcAft>
-              <a:buClrTx/>
-              <a:buSzTx/>
-              <a:buFontTx/>
-              <a:buNone/>
-              <a:tabLst/>
-            </a:pPr>
-            <a:r>
-              <a:rPr lang="en-US" altLang="en-US" sz="1500" b="0" dirty="0">
-                <a:solidFill>
-                  <a:schemeClr val="tx1"/>
-                </a:solidFill>
-                <a:latin typeface="Consolas" panose="020B0609020204030204" pitchFamily="49" charset="0"/>
-              </a:rPr>
-              <a:t>    </a:t>
-            </a:r>
-            <a:r>
-              <a:rPr kumimoji="0" lang="en-US" altLang="en-US" sz="1500" b="0" i="0" u="none" strike="noStrike" cap="none" normalizeH="0" baseline="0" dirty="0">
-                <a:ln>
-                  <a:noFill/>
-                </a:ln>
-                <a:solidFill>
-                  <a:schemeClr val="tx1"/>
-                </a:solidFill>
-                <a:effectLst/>
-                <a:latin typeface="Consolas" panose="020B0609020204030204" pitchFamily="49" charset="0"/>
-              </a:rPr>
-              <a:t>"</a:t>
-            </a:r>
-            <a:r>
-              <a:rPr kumimoji="0" lang="en-US" altLang="en-US" sz="1500" b="0" i="0" u="none" strike="noStrike" cap="none" normalizeH="0" baseline="0" dirty="0" err="1">
-                <a:ln>
-                  <a:noFill/>
-                </a:ln>
-                <a:solidFill>
-                  <a:srgbClr val="0070C0"/>
-                </a:solidFill>
-                <a:effectLst/>
-                <a:latin typeface="Consolas" panose="020B0609020204030204" pitchFamily="49" charset="0"/>
-              </a:rPr>
-              <a:t>areaServed</a:t>
-            </a:r>
-            <a:r>
-              <a:rPr kumimoji="0" lang="en-US" altLang="en-US" sz="1500" b="0" i="0" u="none" strike="noStrike" cap="none" normalizeH="0" baseline="0" dirty="0">
-                <a:ln>
-                  <a:noFill/>
-                </a:ln>
-                <a:solidFill>
-                  <a:schemeClr val="tx1"/>
-                </a:solidFill>
-                <a:effectLst/>
-                <a:latin typeface="Consolas" panose="020B0609020204030204" pitchFamily="49" charset="0"/>
-              </a:rPr>
-              <a:t>": "urn:ngsi-ld:AgriFarm:123",</a:t>
-            </a:r>
-          </a:p>
-          <a:p>
-            <a:pPr marL="0" marR="0" lvl="0" indent="0" algn="l" defTabSz="914400" rtl="0" eaLnBrk="0" fontAlgn="base" latinLnBrk="0" hangingPunct="0">
-              <a:lnSpc>
-                <a:spcPct val="100000"/>
-              </a:lnSpc>
-              <a:spcBef>
-                <a:spcPct val="0"/>
-              </a:spcBef>
-              <a:spcAft>
-                <a:spcPct val="0"/>
-              </a:spcAft>
-              <a:buClrTx/>
-              <a:buSzTx/>
-              <a:buFontTx/>
-              <a:buNone/>
-              <a:tabLst/>
-            </a:pPr>
-            <a:r>
-              <a:rPr kumimoji="0" lang="en-US" altLang="en-US" sz="1500" b="0" i="0" u="none" strike="noStrike" cap="none" normalizeH="0" baseline="0" dirty="0">
-                <a:ln>
-                  <a:noFill/>
-                </a:ln>
-                <a:solidFill>
-                  <a:schemeClr val="tx1"/>
-                </a:solidFill>
-                <a:effectLst/>
-                <a:latin typeface="Consolas" panose="020B0609020204030204" pitchFamily="49" charset="0"/>
-              </a:rPr>
-              <a:t>    "</a:t>
-            </a:r>
-            <a:r>
-              <a:rPr kumimoji="0" lang="en-US" altLang="en-US" sz="1500" b="0" i="0" u="none" strike="noStrike" cap="none" normalizeH="0" baseline="0" dirty="0">
-                <a:ln>
-                  <a:noFill/>
-                </a:ln>
-                <a:solidFill>
-                  <a:srgbClr val="0070C0"/>
-                </a:solidFill>
-                <a:effectLst/>
-                <a:latin typeface="Consolas" panose="020B0609020204030204" pitchFamily="49" charset="0"/>
-              </a:rPr>
-              <a:t>location</a:t>
-            </a:r>
-            <a:r>
-              <a:rPr kumimoji="0" lang="en-US" altLang="en-US" sz="1500" b="0" i="0" u="none" strike="noStrike" cap="none" normalizeH="0" baseline="0" dirty="0">
-                <a:ln>
-                  <a:noFill/>
-                </a:ln>
-                <a:solidFill>
-                  <a:schemeClr val="tx1"/>
-                </a:solidFill>
-                <a:effectLst/>
-                <a:latin typeface="Consolas" panose="020B0609020204030204" pitchFamily="49" charset="0"/>
-              </a:rPr>
-              <a:t>": { "type": "Point", "coordinates": [-3.481, 40.312 ] },</a:t>
-            </a:r>
-          </a:p>
-          <a:p>
-            <a:pPr marL="0" marR="0" lvl="0" indent="0" algn="l" defTabSz="914400" rtl="0" eaLnBrk="0" fontAlgn="base" latinLnBrk="0" hangingPunct="0">
-              <a:lnSpc>
-                <a:spcPct val="100000"/>
-              </a:lnSpc>
-              <a:spcBef>
-                <a:spcPct val="0"/>
-              </a:spcBef>
-              <a:spcAft>
-                <a:spcPct val="0"/>
-              </a:spcAft>
-              <a:buClrTx/>
-              <a:buSzTx/>
-              <a:buFontTx/>
-              <a:buNone/>
-              <a:tabLst/>
-            </a:pPr>
-            <a:r>
-              <a:rPr lang="en-US" altLang="en-US" sz="1500" b="0" dirty="0">
-                <a:solidFill>
-                  <a:schemeClr val="tx1"/>
-                </a:solidFill>
-                <a:latin typeface="Consolas" panose="020B0609020204030204" pitchFamily="49" charset="0"/>
-              </a:rPr>
-              <a:t>    </a:t>
-            </a:r>
-            <a:r>
-              <a:rPr kumimoji="0" lang="en-US" altLang="en-US" sz="1500" b="0" i="0" u="none" strike="noStrike" cap="none" normalizeH="0" baseline="0" dirty="0">
-                <a:ln>
-                  <a:noFill/>
-                </a:ln>
-                <a:solidFill>
-                  <a:schemeClr val="tx1"/>
-                </a:solidFill>
-                <a:effectLst/>
-                <a:latin typeface="Consolas" panose="020B0609020204030204" pitchFamily="49" charset="0"/>
-              </a:rPr>
-              <a:t>"</a:t>
-            </a:r>
-            <a:r>
-              <a:rPr lang="en-US" altLang="en-US" sz="1500" b="0" dirty="0">
-                <a:solidFill>
-                  <a:srgbClr val="0070C0"/>
-                </a:solidFill>
-                <a:latin typeface="Consolas" panose="020B0609020204030204" pitchFamily="49" charset="0"/>
-              </a:rPr>
-              <a:t>timestamp</a:t>
-            </a:r>
-            <a:r>
-              <a:rPr kumimoji="0" lang="en-US" altLang="en-US" sz="1500" b="0" i="0" u="none" strike="noStrike" cap="none" normalizeH="0" baseline="0" dirty="0">
-                <a:ln>
-                  <a:noFill/>
-                </a:ln>
-                <a:solidFill>
-                  <a:schemeClr val="tx1"/>
-                </a:solidFill>
-                <a:effectLst/>
-                <a:latin typeface="Consolas" panose="020B0609020204030204" pitchFamily="49" charset="0"/>
-              </a:rPr>
-              <a:t>"</a:t>
-            </a:r>
-            <a:r>
-              <a:rPr lang="en-US" altLang="en-US" sz="1500" b="0" dirty="0">
-                <a:solidFill>
-                  <a:schemeClr val="tx1"/>
-                </a:solidFill>
-                <a:latin typeface="Consolas" panose="020B0609020204030204" pitchFamily="49" charset="0"/>
-              </a:rPr>
-              <a:t>: “2023-04-10T08:30:59”</a:t>
-            </a:r>
-          </a:p>
-          <a:p>
-            <a:pPr marL="0" marR="0" lvl="0" indent="0" algn="l" defTabSz="914400" rtl="0" eaLnBrk="0" fontAlgn="base" latinLnBrk="0" hangingPunct="0">
-              <a:lnSpc>
-                <a:spcPct val="100000"/>
-              </a:lnSpc>
-              <a:spcBef>
-                <a:spcPct val="0"/>
-              </a:spcBef>
-              <a:spcAft>
-                <a:spcPct val="0"/>
-              </a:spcAft>
-              <a:buClrTx/>
-              <a:buSzTx/>
-              <a:buFontTx/>
-              <a:buNone/>
-              <a:tabLst/>
-            </a:pPr>
-            <a:r>
-              <a:rPr kumimoji="0" lang="en-US" altLang="en-US" sz="1500" b="0" i="0" u="none" strike="noStrike" cap="none" normalizeH="0" baseline="0" dirty="0">
-                <a:ln>
-                  <a:noFill/>
-                </a:ln>
-                <a:solidFill>
-                  <a:schemeClr val="tx1"/>
-                </a:solidFill>
-                <a:effectLst/>
-                <a:latin typeface="Consolas" panose="020B0609020204030204" pitchFamily="49" charset="0"/>
-              </a:rPr>
-              <a:t>    "</a:t>
-            </a:r>
-            <a:r>
-              <a:rPr kumimoji="0" lang="en-US" altLang="en-US" sz="1500" b="0" i="0" u="none" strike="noStrike" cap="none" normalizeH="0" baseline="0" dirty="0" err="1">
-                <a:ln>
-                  <a:noFill/>
-                </a:ln>
-                <a:solidFill>
-                  <a:srgbClr val="0070C0"/>
-                </a:solidFill>
-                <a:effectLst/>
-                <a:latin typeface="Consolas" panose="020B0609020204030204" pitchFamily="49" charset="0"/>
-              </a:rPr>
-              <a:t>controlledProperty</a:t>
-            </a:r>
-            <a:r>
-              <a:rPr kumimoji="0" lang="en-US" altLang="en-US" sz="1500" b="0" i="0" u="none" strike="noStrike" cap="none" normalizeH="0" baseline="0" dirty="0">
-                <a:ln>
-                  <a:noFill/>
-                </a:ln>
-                <a:solidFill>
-                  <a:schemeClr val="tx1"/>
-                </a:solidFill>
-                <a:effectLst/>
-                <a:latin typeface="Consolas" panose="020B0609020204030204" pitchFamily="49" charset="0"/>
-              </a:rPr>
-              <a:t>": [ “</a:t>
-            </a:r>
-            <a:r>
-              <a:rPr kumimoji="0" lang="en-US" altLang="en-US" sz="1500" b="0" i="0" u="none" strike="noStrike" cap="none" normalizeH="0" baseline="0" dirty="0" err="1">
-                <a:ln>
-                  <a:noFill/>
-                </a:ln>
-                <a:solidFill>
-                  <a:schemeClr val="accent2"/>
-                </a:solidFill>
-                <a:effectLst/>
-                <a:latin typeface="Consolas" panose="020B0609020204030204" pitchFamily="49" charset="0"/>
-              </a:rPr>
-              <a:t>detectedWeeds</a:t>
-            </a:r>
-            <a:r>
-              <a:rPr lang="en-US" altLang="en-US" sz="1500" b="0" dirty="0">
-                <a:solidFill>
-                  <a:schemeClr val="tx1"/>
-                </a:solidFill>
-                <a:latin typeface="Consolas" panose="020B0609020204030204" pitchFamily="49" charset="0"/>
-              </a:rPr>
-              <a:t>”</a:t>
-            </a:r>
-            <a:r>
-              <a:rPr kumimoji="0" lang="en-US" altLang="en-US" sz="1500" b="0" i="0" u="none" strike="noStrike" cap="none" normalizeH="0" baseline="0" dirty="0">
-                <a:ln>
-                  <a:noFill/>
-                </a:ln>
-                <a:solidFill>
-                  <a:schemeClr val="tx1"/>
-                </a:solidFill>
-                <a:effectLst/>
-                <a:latin typeface="Consolas" panose="020B0609020204030204" pitchFamily="49" charset="0"/>
-              </a:rPr>
-              <a:t>, “</a:t>
-            </a:r>
-            <a:r>
-              <a:rPr kumimoji="0" lang="en-US" altLang="en-US" sz="1500" b="0" i="0" u="none" strike="noStrike" cap="none" normalizeH="0" baseline="0" dirty="0" err="1">
-                <a:ln>
-                  <a:noFill/>
-                </a:ln>
-                <a:solidFill>
-                  <a:srgbClr val="FF0000"/>
-                </a:solidFill>
-                <a:effectLst/>
-                <a:latin typeface="Consolas" panose="020B0609020204030204" pitchFamily="49" charset="0"/>
-              </a:rPr>
-              <a:t>treatedWeeds</a:t>
-            </a:r>
-            <a:r>
-              <a:rPr kumimoji="0" lang="en-US" altLang="en-US" sz="1500" b="0" i="0" u="none" strike="noStrike" cap="none" normalizeH="0" baseline="0" dirty="0">
-                <a:ln>
-                  <a:noFill/>
-                </a:ln>
-                <a:solidFill>
-                  <a:schemeClr val="tx1"/>
-                </a:solidFill>
-                <a:effectLst/>
-                <a:latin typeface="Consolas" panose="020B0609020204030204" pitchFamily="49" charset="0"/>
-              </a:rPr>
-              <a:t>” ],</a:t>
-            </a:r>
-          </a:p>
-          <a:p>
-            <a:pPr marL="0" marR="0" lvl="0" indent="0" algn="l" defTabSz="914400" rtl="0" eaLnBrk="0" fontAlgn="base" latinLnBrk="0" hangingPunct="0">
-              <a:lnSpc>
-                <a:spcPct val="100000"/>
-              </a:lnSpc>
-              <a:spcBef>
-                <a:spcPct val="0"/>
-              </a:spcBef>
-              <a:spcAft>
-                <a:spcPct val="0"/>
-              </a:spcAft>
-              <a:buClrTx/>
-              <a:buSzTx/>
-              <a:buFontTx/>
-              <a:buNone/>
-              <a:tabLst/>
-            </a:pPr>
-            <a:r>
-              <a:rPr lang="en-US" altLang="en-US" sz="1500" b="0" dirty="0">
-                <a:solidFill>
-                  <a:schemeClr val="tx1"/>
-                </a:solidFill>
-                <a:latin typeface="Consolas" panose="020B0609020204030204" pitchFamily="49" charset="0"/>
-              </a:rPr>
-              <a:t>    </a:t>
-            </a:r>
-            <a:r>
-              <a:rPr kumimoji="0" lang="en-US" altLang="en-US" sz="1500" b="0" i="0" u="none" strike="noStrike" cap="none" normalizeH="0" baseline="0" dirty="0">
-                <a:ln>
-                  <a:noFill/>
-                </a:ln>
-                <a:solidFill>
-                  <a:schemeClr val="tx1"/>
-                </a:solidFill>
-                <a:effectLst/>
-                <a:latin typeface="Consolas" panose="020B0609020204030204" pitchFamily="49" charset="0"/>
-              </a:rPr>
-              <a:t>"</a:t>
-            </a:r>
-            <a:r>
-              <a:rPr kumimoji="0" lang="en-US" altLang="en-US" sz="1500" b="0" i="0" u="none" strike="noStrike" cap="none" normalizeH="0" baseline="0" dirty="0">
-                <a:ln>
-                  <a:noFill/>
-                </a:ln>
-                <a:solidFill>
-                  <a:srgbClr val="0070C0"/>
-                </a:solidFill>
-                <a:effectLst/>
-                <a:latin typeface="Consolas" panose="020B0609020204030204" pitchFamily="49" charset="0"/>
-              </a:rPr>
-              <a:t>value</a:t>
-            </a:r>
-            <a:r>
-              <a:rPr kumimoji="0" lang="en-US" altLang="en-US" sz="1500" b="0" i="0" u="none" strike="noStrike" cap="none" normalizeH="0" baseline="0" dirty="0">
-                <a:ln>
-                  <a:noFill/>
-                </a:ln>
-                <a:solidFill>
-                  <a:schemeClr val="tx1"/>
-                </a:solidFill>
-                <a:effectLst/>
-                <a:latin typeface="Consolas" panose="020B0609020204030204" pitchFamily="49" charset="0"/>
-              </a:rPr>
-              <a:t>": [ </a:t>
-            </a:r>
-            <a:r>
-              <a:rPr kumimoji="0" lang="en-US" altLang="en-US" sz="1500" b="0" i="0" u="none" strike="noStrike" cap="none" normalizeH="0" baseline="0" dirty="0">
-                <a:ln>
-                  <a:noFill/>
-                </a:ln>
-                <a:solidFill>
-                  <a:schemeClr val="accent2"/>
-                </a:solidFill>
-                <a:effectLst/>
-                <a:latin typeface="Consolas" panose="020B0609020204030204" pitchFamily="49" charset="0"/>
-              </a:rPr>
-              <a:t>123</a:t>
-            </a:r>
-            <a:r>
-              <a:rPr kumimoji="0" lang="en-US" altLang="en-US" sz="1500" b="0" i="0" u="none" strike="noStrike" cap="none" normalizeH="0" baseline="0" dirty="0">
-                <a:ln>
-                  <a:noFill/>
-                </a:ln>
-                <a:solidFill>
-                  <a:schemeClr val="tx1"/>
-                </a:solidFill>
-                <a:effectLst/>
-                <a:latin typeface="Consolas" panose="020B0609020204030204" pitchFamily="49" charset="0"/>
-              </a:rPr>
-              <a:t>, </a:t>
-            </a:r>
-            <a:r>
-              <a:rPr kumimoji="0" lang="en-US" altLang="en-US" sz="1500" b="0" i="0" u="none" strike="noStrike" cap="none" normalizeH="0" baseline="0" dirty="0">
-                <a:ln>
-                  <a:noFill/>
-                </a:ln>
-                <a:solidFill>
-                  <a:srgbClr val="FF0000"/>
-                </a:solidFill>
-                <a:effectLst/>
-                <a:latin typeface="Consolas" panose="020B0609020204030204" pitchFamily="49" charset="0"/>
-              </a:rPr>
-              <a:t>100 </a:t>
-            </a:r>
-            <a:r>
-              <a:rPr kumimoji="0" lang="en-US" altLang="en-US" sz="1500" b="0" i="0" u="none" strike="noStrike" cap="none" normalizeH="0" baseline="0" dirty="0">
-                <a:ln>
-                  <a:noFill/>
-                </a:ln>
-                <a:solidFill>
-                  <a:schemeClr val="tx1"/>
-                </a:solidFill>
-                <a:effectLst/>
-                <a:latin typeface="Consolas" panose="020B0609020204030204" pitchFamily="49" charset="0"/>
-              </a:rPr>
-              <a:t>] </a:t>
-            </a:r>
-          </a:p>
-          <a:p>
-            <a:pPr marL="0" marR="0" lvl="0" indent="0" algn="l" defTabSz="914400" rtl="0" eaLnBrk="0" fontAlgn="base" latinLnBrk="0" hangingPunct="0">
-              <a:lnSpc>
-                <a:spcPct val="100000"/>
-              </a:lnSpc>
-              <a:spcBef>
-                <a:spcPct val="0"/>
-              </a:spcBef>
-              <a:spcAft>
-                <a:spcPct val="0"/>
-              </a:spcAft>
-              <a:buClrTx/>
-              <a:buSzTx/>
-              <a:buFontTx/>
-              <a:buNone/>
-              <a:tabLst/>
-            </a:pPr>
-            <a:r>
-              <a:rPr kumimoji="0" lang="en-US" altLang="en-US" sz="1500" b="0" i="0" u="none" strike="noStrike" cap="none" normalizeH="0" baseline="0" dirty="0">
-                <a:ln>
-                  <a:noFill/>
-                </a:ln>
-                <a:solidFill>
-                  <a:schemeClr val="tx1"/>
-                </a:solidFill>
-                <a:effectLst/>
-                <a:latin typeface="Consolas" panose="020B0609020204030204" pitchFamily="49" charset="0"/>
-              </a:rPr>
-              <a:t>} </a:t>
-            </a:r>
-          </a:p>
-          <a:p>
-            <a:pPr marL="0" indent="0">
-              <a:buNone/>
-            </a:pPr>
-            <a:endParaRPr lang="en-US" dirty="0"/>
-          </a:p>
-        </p:txBody>
-      </p:sp>
-      <p:sp>
-        <p:nvSpPr>
-          <p:cNvPr id="3" name="Title 2">
-            <a:extLst>
-              <a:ext uri="{FF2B5EF4-FFF2-40B4-BE49-F238E27FC236}">
-                <a16:creationId xmlns:a16="http://schemas.microsoft.com/office/drawing/2014/main" id="{25F88F3B-C819-461F-BBA9-0123C75201F8}"/>
-              </a:ext>
-            </a:extLst>
-          </p:cNvPr>
-          <p:cNvSpPr>
-            <a:spLocks noGrp="1"/>
-          </p:cNvSpPr>
-          <p:nvPr>
-            <p:ph type="title"/>
-          </p:nvPr>
-        </p:nvSpPr>
-        <p:spPr/>
-        <p:txBody>
-          <a:bodyPr/>
-          <a:lstStyle/>
-          <a:p>
-            <a:r>
-              <a:rPr lang="it-IT" dirty="0"/>
-              <a:t>Smart Data Models</a:t>
-            </a:r>
-            <a:endParaRPr lang="en-US" dirty="0"/>
-          </a:p>
-        </p:txBody>
-      </p:sp>
-      <p:pic>
-        <p:nvPicPr>
-          <p:cNvPr id="4" name="Picture 3">
-            <a:extLst>
-              <a:ext uri="{FF2B5EF4-FFF2-40B4-BE49-F238E27FC236}">
-                <a16:creationId xmlns:a16="http://schemas.microsoft.com/office/drawing/2014/main" id="{1AEF9A15-9DEA-4A97-BDA5-A45678BCD9B9}"/>
-              </a:ext>
-            </a:extLst>
-          </p:cNvPr>
-          <p:cNvPicPr>
-            <a:picLocks noChangeAspect="1"/>
-          </p:cNvPicPr>
-          <p:nvPr/>
-        </p:nvPicPr>
-        <p:blipFill>
-          <a:blip r:embed="rId2"/>
-          <a:stretch>
-            <a:fillRect/>
-          </a:stretch>
-        </p:blipFill>
-        <p:spPr>
-          <a:xfrm>
-            <a:off x="5586512" y="3779837"/>
-            <a:ext cx="5105301" cy="3797590"/>
-          </a:xfrm>
-          <a:prstGeom prst="rect">
-            <a:avLst/>
-          </a:prstGeom>
-        </p:spPr>
-      </p:pic>
-    </p:spTree>
-    <p:extLst>
-      <p:ext uri="{BB962C8B-B14F-4D97-AF65-F5344CB8AC3E}">
-        <p14:creationId xmlns:p14="http://schemas.microsoft.com/office/powerpoint/2010/main" val="3487072911"/>
-      </p:ext>
-    </p:extLst>
-  </p:cSld>
-  <p:clrMapOvr>
-    <a:masterClrMapping/>
-  </p:clrMapOvr>
-  <p:timing>
-    <p:tnLst>
-      <p:par>
-        <p:cTn id="1" dur="indefinite" restart="never" nodeType="tmRoot">
-          <p:childTnLst>
-            <p:seq concurrent="1" nextAc="seek">
-              <p:cTn id="2" dur="indefinite" nodeType="mainSeq">
-                <p:childTnLst>
-                  <p:par>
-                    <p:cTn id="3" fill="hold">
-                      <p:stCondLst>
-                        <p:cond delay="indefinite"/>
-                      </p:stCondLst>
-                      <p:childTnLst>
-                        <p:par>
-                          <p:cTn id="4" fill="hold">
-                            <p:stCondLst>
-                              <p:cond delay="0"/>
-                            </p:stCondLst>
-                            <p:childTnLst>
-                              <p:par>
-                                <p:cTn id="5" presetID="2" presetClass="entr" presetSubtype="4" fill="hold" nodeType="clickEffect">
-                                  <p:stCondLst>
-                                    <p:cond delay="0"/>
-                                  </p:stCondLst>
-                                  <p:childTnLst>
-                                    <p:set>
-                                      <p:cBhvr>
-                                        <p:cTn id="6" dur="1" fill="hold">
-                                          <p:stCondLst>
-                                            <p:cond delay="0"/>
-                                          </p:stCondLst>
-                                        </p:cTn>
-                                        <p:tgtEl>
-                                          <p:spTgt spid="4"/>
-                                        </p:tgtEl>
-                                        <p:attrNameLst>
-                                          <p:attrName>style.visibility</p:attrName>
-                                        </p:attrNameLst>
-                                      </p:cBhvr>
-                                      <p:to>
-                                        <p:strVal val="visible"/>
-                                      </p:to>
-                                    </p:set>
-                                    <p:anim calcmode="lin" valueType="num">
-                                      <p:cBhvr additive="base">
-                                        <p:cTn id="7" dur="500" fill="hold"/>
-                                        <p:tgtEl>
-                                          <p:spTgt spid="4"/>
-                                        </p:tgtEl>
-                                        <p:attrNameLst>
-                                          <p:attrName>ppt_x</p:attrName>
-                                        </p:attrNameLst>
-                                      </p:cBhvr>
-                                      <p:tavLst>
-                                        <p:tav tm="0">
-                                          <p:val>
-                                            <p:strVal val="#ppt_x"/>
-                                          </p:val>
-                                        </p:tav>
-                                        <p:tav tm="100000">
-                                          <p:val>
-                                            <p:strVal val="#ppt_x"/>
-                                          </p:val>
-                                        </p:tav>
-                                      </p:tavLst>
-                                    </p:anim>
-                                    <p:anim calcmode="lin" valueType="num">
-                                      <p:cBhvr additive="base">
-                                        <p:cTn id="8" dur="500" fill="hold"/>
-                                        <p:tgtEl>
-                                          <p:spTgt spid="4"/>
-                                        </p:tgtEl>
-                                        <p:attrNameLst>
-                                          <p:attrName>ppt_y</p:attrName>
-                                        </p:attrNameLst>
-                                      </p:cBhvr>
-                                      <p:tavLst>
-                                        <p:tav tm="0">
-                                          <p:val>
-                                            <p:strVal val="1+#ppt_h/2"/>
-                                          </p:val>
-                                        </p:tav>
-                                        <p:tav tm="100000">
-                                          <p:val>
-                                            <p:strVal val="#ppt_y"/>
-                                          </p:val>
-                                        </p:tav>
-                                      </p:tavLst>
-                                    </p:anim>
-                                  </p:childTnLst>
-                                </p:cTn>
-                              </p:par>
-                            </p:childTnLst>
-                          </p:cTn>
-                        </p:par>
-                      </p:childTnLst>
-                    </p:cTn>
-                  </p:par>
-                </p:childTnLst>
-              </p:cTn>
-              <p:prevCondLst>
-                <p:cond evt="onPrev" delay="0">
-                  <p:tgtEl>
-                    <p:sldTgt/>
-                  </p:tgtEl>
-                </p:cond>
-              </p:prevCondLst>
-              <p:nextCondLst>
-                <p:cond evt="onNext" delay="0">
-                  <p:tgtEl>
-                    <p:sldTgt/>
-                  </p:tgtEl>
-                </p:cond>
-              </p:nextCondLst>
-            </p:seq>
-          </p:childTnLst>
-        </p:cTn>
-      </p:par>
-    </p:tnLst>
-  </p:timing>
-</p:sld>
-</file>
-
-<file path=ppt/slides/slide35.xml><?xml version="1.0" encoding="utf-8"?>
 <p:sld xmlns:a="http://schemas.openxmlformats.org/drawingml/2006/main" xmlns:r="http://schemas.openxmlformats.org/officeDocument/2006/relationships" xmlns:p="http://schemas.openxmlformats.org/presentationml/2006/main">
   <p:cSld>
     <p:spTree>
@@ -23755,7 +22759,7 @@
 </p:sld>
 </file>
 
-<file path=ppt/slides/slide36.xml><?xml version="1.0" encoding="utf-8"?>
+<file path=ppt/slides/slide35.xml><?xml version="1.0" encoding="utf-8"?>
 <p:sld xmlns:a="http://schemas.openxmlformats.org/drawingml/2006/main" xmlns:r="http://schemas.openxmlformats.org/officeDocument/2006/relationships" xmlns:p="http://schemas.openxmlformats.org/presentationml/2006/main">
   <p:cSld>
     <p:spTree>
@@ -25214,7 +24218,7 @@
 </p:sld>
 </file>
 
-<file path=ppt/slides/slide37.xml><?xml version="1.0" encoding="utf-8"?>
+<file path=ppt/slides/slide36.xml><?xml version="1.0" encoding="utf-8"?>
 <p:sld xmlns:a="http://schemas.openxmlformats.org/drawingml/2006/main" xmlns:r="http://schemas.openxmlformats.org/officeDocument/2006/relationships" xmlns:p="http://schemas.openxmlformats.org/presentationml/2006/main">
   <p:cSld>
     <p:spTree>
@@ -25633,206 +24637,6 @@
       </p:grpSpPr>
       <p:sp>
         <p:nvSpPr>
-          <p:cNvPr id="3" name="Segnaposto contenuto 2">
-            <a:extLst>
-              <a:ext uri="{FF2B5EF4-FFF2-40B4-BE49-F238E27FC236}">
-                <a16:creationId xmlns:a16="http://schemas.microsoft.com/office/drawing/2014/main" id="{DC911431-3C34-56ED-5A8C-4E7D60D0838E}"/>
-              </a:ext>
-            </a:extLst>
-          </p:cNvPr>
-          <p:cNvSpPr>
-            <a:spLocks noGrp="1"/>
-          </p:cNvSpPr>
-          <p:nvPr>
-            <p:ph idx="1"/>
-          </p:nvPr>
-        </p:nvSpPr>
-        <p:spPr>
-          <a:xfrm>
-            <a:off x="735062" y="1432542"/>
-            <a:ext cx="9221689" cy="5376416"/>
-          </a:xfrm>
-        </p:spPr>
-        <p:txBody>
-          <a:bodyPr>
-            <a:normAutofit fontScale="92500" lnSpcReduction="10000"/>
-          </a:bodyPr>
-          <a:lstStyle/>
-          <a:p>
-            <a:r>
-              <a:rPr lang="en-US" noProof="0" dirty="0"/>
-              <a:t>Data-Driven Innovation</a:t>
-            </a:r>
-          </a:p>
-          <a:p>
-            <a:pPr lvl="1"/>
-            <a:r>
-              <a:rPr lang="en-US" noProof="0" dirty="0"/>
-              <a:t>Use of data and analytics to foster new products, processes and markets</a:t>
-            </a:r>
-          </a:p>
-          <a:p>
-            <a:pPr lvl="1"/>
-            <a:r>
-              <a:rPr lang="en-US" noProof="0" dirty="0"/>
-              <a:t>Drive discovery and execution of innovation, achieving new services with a business value</a:t>
-            </a:r>
-          </a:p>
-          <a:p>
-            <a:r>
-              <a:rPr lang="en-US" noProof="0" dirty="0"/>
-              <a:t>Analytics</a:t>
-            </a:r>
-          </a:p>
-          <a:p>
-            <a:pPr lvl="1"/>
-            <a:r>
-              <a:rPr lang="en-US" noProof="0" dirty="0"/>
-              <a:t>A catch-all term for different business intelligence (BI)- and application-related initiatives</a:t>
-            </a:r>
-          </a:p>
-          <a:p>
-            <a:pPr lvl="2"/>
-            <a:r>
-              <a:rPr lang="en-US" noProof="0" dirty="0"/>
-              <a:t>E.g., of analyzing information from a particular domain</a:t>
-            </a:r>
-          </a:p>
-          <a:p>
-            <a:pPr lvl="2"/>
-            <a:r>
-              <a:rPr lang="en-US" noProof="0" dirty="0"/>
-              <a:t>E.g., applying BI capabilities to a specific content area (e.g., sales, service, supply chain)</a:t>
-            </a:r>
-          </a:p>
-          <a:p>
-            <a:r>
-              <a:rPr lang="en-US" noProof="0" dirty="0"/>
-              <a:t>Advanced Analytics</a:t>
-            </a:r>
-          </a:p>
-          <a:p>
-            <a:pPr lvl="1"/>
-            <a:r>
-              <a:rPr lang="en-US" noProof="0" dirty="0"/>
-              <a:t>(Semi-)Autonomous examination of data to discover deeper insights, make predictions, or generate recommendations (e.g., through data/text mining and machine learning)</a:t>
-            </a:r>
-          </a:p>
-          <a:p>
-            <a:r>
-              <a:rPr lang="en-US" noProof="0" dirty="0"/>
-              <a:t>Augmented Analytics</a:t>
-            </a:r>
-          </a:p>
-          <a:p>
-            <a:pPr lvl="1"/>
-            <a:r>
-              <a:rPr lang="en-US" noProof="0" dirty="0"/>
-              <a:t>Use of technologies such as machine learning and AI to assist with data preparation, insight generation and insight explanation to augment how people explore and analyze data</a:t>
-            </a:r>
-          </a:p>
-        </p:txBody>
-      </p:sp>
-      <p:sp>
-        <p:nvSpPr>
-          <p:cNvPr id="2" name="Titolo 1">
-            <a:extLst>
-              <a:ext uri="{FF2B5EF4-FFF2-40B4-BE49-F238E27FC236}">
-                <a16:creationId xmlns:a16="http://schemas.microsoft.com/office/drawing/2014/main" id="{A965ABE8-5590-AF58-D1CB-426E5B6AE187}"/>
-              </a:ext>
-            </a:extLst>
-          </p:cNvPr>
-          <p:cNvSpPr>
-            <a:spLocks noGrp="1"/>
-          </p:cNvSpPr>
-          <p:nvPr>
-            <p:ph type="title"/>
-          </p:nvPr>
-        </p:nvSpPr>
-        <p:spPr>
-          <a:xfrm>
-            <a:off x="1718709" y="458473"/>
-            <a:ext cx="8858165" cy="481754"/>
-          </a:xfrm>
-        </p:spPr>
-        <p:txBody>
-          <a:bodyPr/>
-          <a:lstStyle/>
-          <a:p>
-            <a:r>
-              <a:rPr lang="en-US" noProof="0" dirty="0"/>
-              <a:t>How did we get here?</a:t>
-            </a:r>
-          </a:p>
-        </p:txBody>
-      </p:sp>
-      <p:sp>
-        <p:nvSpPr>
-          <p:cNvPr id="5" name="Segnaposto numero diapositiva 4">
-            <a:extLst>
-              <a:ext uri="{FF2B5EF4-FFF2-40B4-BE49-F238E27FC236}">
-                <a16:creationId xmlns:a16="http://schemas.microsoft.com/office/drawing/2014/main" id="{AE9CD75A-9A31-0709-AAFF-EA8A3A233A70}"/>
-              </a:ext>
-            </a:extLst>
-          </p:cNvPr>
-          <p:cNvSpPr>
-            <a:spLocks noGrp="1"/>
-          </p:cNvSpPr>
-          <p:nvPr>
-            <p:ph type="sldNum" sz="quarter" idx="12"/>
-          </p:nvPr>
-        </p:nvSpPr>
-        <p:spPr>
-          <a:xfrm>
-            <a:off x="7551093" y="7006700"/>
-            <a:ext cx="2405658" cy="402483"/>
-          </a:xfrm>
-        </p:spPr>
-        <p:txBody>
-          <a:bodyPr/>
-          <a:lstStyle/>
-          <a:p>
-            <a:fld id="{5DD6F1BA-2510-46FC-9346-AB1F3CA1593B}" type="slidenum">
-              <a:rPr lang="en-US" smtClean="0"/>
-              <a:pPr/>
-              <a:t>4</a:t>
-            </a:fld>
-            <a:endParaRPr lang="en-US" dirty="0"/>
-          </a:p>
-        </p:txBody>
-      </p:sp>
-    </p:spTree>
-    <p:extLst>
-      <p:ext uri="{BB962C8B-B14F-4D97-AF65-F5344CB8AC3E}">
-        <p14:creationId xmlns:p14="http://schemas.microsoft.com/office/powerpoint/2010/main" val="3547589054"/>
-      </p:ext>
-    </p:extLst>
-  </p:cSld>
-  <p:clrMapOvr>
-    <a:masterClrMapping/>
-  </p:clrMapOvr>
-</p:sld>
-</file>
-
-<file path=ppt/slides/slide5.xml><?xml version="1.0" encoding="utf-8"?>
-<p:sld xmlns:a="http://schemas.openxmlformats.org/drawingml/2006/main" xmlns:r="http://schemas.openxmlformats.org/officeDocument/2006/relationships" xmlns:p="http://schemas.openxmlformats.org/presentationml/2006/main">
-  <p:cSld>
-    <p:spTree>
-      <p:nvGrpSpPr>
-        <p:cNvPr id="1" name=""/>
-        <p:cNvGrpSpPr/>
-        <p:nvPr/>
-      </p:nvGrpSpPr>
-      <p:grpSpPr>
-        <a:xfrm>
-          <a:off x="0" y="0"/>
-          <a:ext cx="0" cy="0"/>
-          <a:chOff x="0" y="0"/>
-          <a:chExt cx="0" cy="0"/>
-        </a:xfrm>
-      </p:grpSpPr>
-      <p:sp>
-        <p:nvSpPr>
           <p:cNvPr id="2" name="Titolo 1">
             <a:extLst>
               <a:ext uri="{FF2B5EF4-FFF2-40B4-BE49-F238E27FC236}">
@@ -25950,7 +24754,7 @@
           <a:p>
             <a:fld id="{5DD6F1BA-2510-46FC-9346-AB1F3CA1593B}" type="slidenum">
               <a:rPr lang="en-US" smtClean="0"/>
-              <a:t>5</a:t>
+              <a:t>4</a:t>
             </a:fld>
             <a:endParaRPr lang="en-US" dirty="0"/>
           </a:p>
@@ -25969,7 +24773,7 @@
 </p:sld>
 </file>
 
-<file path=ppt/slides/slide6.xml><?xml version="1.0" encoding="utf-8"?>
+<file path=ppt/slides/slide5.xml><?xml version="1.0" encoding="utf-8"?>
 <p:sld xmlns:a="http://schemas.openxmlformats.org/drawingml/2006/main" xmlns:r="http://schemas.openxmlformats.org/officeDocument/2006/relationships" xmlns:p="http://schemas.openxmlformats.org/presentationml/2006/main">
   <p:cSld>
     <p:spTree>
@@ -26353,7 +25157,7 @@
             <a:fld id="{4FAB73BC-B049-4115-A692-8D63A059BFB8}" type="slidenum">
               <a:rPr lang="en-US" smtClean="0"/>
               <a:pPr/>
-              <a:t>6</a:t>
+              <a:t>5</a:t>
             </a:fld>
             <a:endParaRPr lang="en-US"/>
           </a:p>
@@ -27158,7 +25962,7 @@
 </p:sld>
 </file>
 
-<file path=ppt/slides/slide7.xml><?xml version="1.0" encoding="utf-8"?>
+<file path=ppt/slides/slide6.xml><?xml version="1.0" encoding="utf-8"?>
 <p:sld xmlns:a="http://schemas.openxmlformats.org/drawingml/2006/main" xmlns:r="http://schemas.openxmlformats.org/officeDocument/2006/relationships" xmlns:p="http://schemas.openxmlformats.org/presentationml/2006/main">
   <p:cSld>
     <p:spTree>
@@ -28951,7 +27755,7 @@
 </p:sld>
 </file>
 
-<file path=ppt/slides/slide8.xml><?xml version="1.0" encoding="utf-8"?>
+<file path=ppt/slides/slide7.xml><?xml version="1.0" encoding="utf-8"?>
 <p:sld xmlns:a="http://schemas.openxmlformats.org/drawingml/2006/main" xmlns:r="http://schemas.openxmlformats.org/officeDocument/2006/relationships" xmlns:p="http://schemas.openxmlformats.org/presentationml/2006/main">
   <p:cSld>
     <p:spTree>
@@ -29136,7 +27940,7 @@
             <a:fld id="{5DD6F1BA-2510-46FC-9346-AB1F3CA1593B}" type="slidenum">
               <a:rPr lang="it-IT" smtClean="0"/>
               <a:pPr/>
-              <a:t>8</a:t>
+              <a:t>7</a:t>
             </a:fld>
             <a:endParaRPr lang="it-IT" dirty="0"/>
           </a:p>
@@ -29300,7 +28104,7 @@
 </p:sld>
 </file>
 
-<file path=ppt/slides/slide9.xml><?xml version="1.0" encoding="utf-8"?>
+<file path=ppt/slides/slide8.xml><?xml version="1.0" encoding="utf-8"?>
 <p:sld xmlns:a="http://schemas.openxmlformats.org/drawingml/2006/main" xmlns:r="http://schemas.openxmlformats.org/officeDocument/2006/relationships" xmlns:p="http://schemas.openxmlformats.org/presentationml/2006/main">
   <p:cSld>
     <p:spTree>
@@ -29518,7 +28322,7 @@
             <a:fld id="{5DD6F1BA-2510-46FC-9346-AB1F3CA1593B}" type="slidenum">
               <a:rPr lang="it-IT" smtClean="0"/>
               <a:pPr/>
-              <a:t>9</a:t>
+              <a:t>8</a:t>
             </a:fld>
             <a:endParaRPr lang="it-IT" dirty="0"/>
           </a:p>
@@ -29566,6 +28370,100 @@
     <p:extLst>
       <p:ext uri="{BB962C8B-B14F-4D97-AF65-F5344CB8AC3E}">
         <p14:creationId xmlns:p14="http://schemas.microsoft.com/office/powerpoint/2010/main" val="597102445"/>
+      </p:ext>
+    </p:extLst>
+  </p:cSld>
+  <p:clrMapOvr>
+    <a:masterClrMapping/>
+  </p:clrMapOvr>
+</p:sld>
+</file>
+
+<file path=ppt/slides/slide9.xml><?xml version="1.0" encoding="utf-8"?>
+<p:sld xmlns:a="http://schemas.openxmlformats.org/drawingml/2006/main" xmlns:r="http://schemas.openxmlformats.org/officeDocument/2006/relationships" xmlns:p="http://schemas.openxmlformats.org/presentationml/2006/main">
+  <p:cSld>
+    <p:bg>
+      <p:bgPr>
+        <a:solidFill>
+          <a:srgbClr val="008000">
+            <a:alpha val="40000"/>
+          </a:srgbClr>
+        </a:solidFill>
+        <a:effectLst/>
+      </p:bgPr>
+    </p:bg>
+    <p:spTree>
+      <p:nvGrpSpPr>
+        <p:cNvPr id="1" name=""/>
+        <p:cNvGrpSpPr/>
+        <p:nvPr/>
+      </p:nvGrpSpPr>
+      <p:grpSpPr>
+        <a:xfrm>
+          <a:off x="0" y="0"/>
+          <a:ext cx="0" cy="0"/>
+          <a:chOff x="0" y="0"/>
+          <a:chExt cx="0" cy="0"/>
+        </a:xfrm>
+      </p:grpSpPr>
+      <p:sp>
+        <p:nvSpPr>
+          <p:cNvPr id="4" name="Title 3">
+            <a:extLst>
+              <a:ext uri="{FF2B5EF4-FFF2-40B4-BE49-F238E27FC236}">
+                <a16:creationId xmlns:a16="http://schemas.microsoft.com/office/drawing/2014/main" id="{131D4650-0CAE-44EA-A0F2-84FEF7ACF1D8}"/>
+              </a:ext>
+            </a:extLst>
+          </p:cNvPr>
+          <p:cNvSpPr>
+            <a:spLocks noGrp="1"/>
+          </p:cNvSpPr>
+          <p:nvPr>
+            <p:ph type="title"/>
+          </p:nvPr>
+        </p:nvSpPr>
+        <p:spPr/>
+        <p:txBody>
+          <a:bodyPr/>
+          <a:lstStyle/>
+          <a:p>
+            <a:r>
+              <a:rPr lang="it-IT" dirty="0"/>
+              <a:t>Cloud Computing</a:t>
+            </a:r>
+            <a:endParaRPr lang="en-US" dirty="0"/>
+          </a:p>
+        </p:txBody>
+      </p:sp>
+      <p:sp>
+        <p:nvSpPr>
+          <p:cNvPr id="5" name="Text Placeholder 4">
+            <a:extLst>
+              <a:ext uri="{FF2B5EF4-FFF2-40B4-BE49-F238E27FC236}">
+                <a16:creationId xmlns:a16="http://schemas.microsoft.com/office/drawing/2014/main" id="{CEF1704A-4E2E-4A97-9722-03A39BC676DA}"/>
+              </a:ext>
+            </a:extLst>
+          </p:cNvPr>
+          <p:cNvSpPr>
+            <a:spLocks noGrp="1"/>
+          </p:cNvSpPr>
+          <p:nvPr>
+            <p:ph type="body" idx="1"/>
+          </p:nvPr>
+        </p:nvSpPr>
+        <p:spPr/>
+        <p:txBody>
+          <a:bodyPr/>
+          <a:lstStyle/>
+          <a:p>
+            <a:endParaRPr lang="en-US"/>
+          </a:p>
+        </p:txBody>
+      </p:sp>
+    </p:spTree>
+    <p:extLst>
+      <p:ext uri="{BB962C8B-B14F-4D97-AF65-F5344CB8AC3E}">
+        <p14:creationId xmlns:p14="http://schemas.microsoft.com/office/powerpoint/2010/main" val="2123078495"/>
       </p:ext>
     </p:extLst>
   </p:cSld>
